--- a/Transformacija podataka.pptx
+++ b/Transformacija podataka.pptx
@@ -58,18 +58,18 @@
   <p:notesSz cx="6858000" cy="9144000"/>
   <p:embeddedFontLst>
     <p:embeddedFont>
+      <p:font typeface="Crimson Text" charset="0"/>
+      <p:regular r:id="rId48"/>
+      <p:bold r:id="rId49"/>
+      <p:italic r:id="rId50"/>
+      <p:boldItalic r:id="rId51"/>
+    </p:embeddedFont>
+    <p:embeddedFont>
       <p:font typeface="Vidaloka" charset="0"/>
-      <p:regular r:id="rId48"/>
+      <p:regular r:id="rId52"/>
     </p:embeddedFont>
     <p:embeddedFont>
       <p:font typeface="Montserrat" charset="0"/>
-      <p:regular r:id="rId49"/>
-      <p:bold r:id="rId50"/>
-      <p:italic r:id="rId51"/>
-      <p:boldItalic r:id="rId52"/>
-    </p:embeddedFont>
-    <p:embeddedFont>
-      <p:font typeface="Crimson Text" charset="0"/>
       <p:regular r:id="rId53"/>
       <p:bold r:id="rId54"/>
       <p:italic r:id="rId55"/>
@@ -307,7 +307,7 @@
   </p:defaultTextStyle>
   <p:extLst>
     <p:ext uri="{EFAFB233-063F-42B5-8137-9DF3F51BA10A}">
-      <p15:sldGuideLst xmlns="" xmlns:p15="http://schemas.microsoft.com/office/powerpoint/2012/main">
+      <p15:sldGuideLst xmlns:p15="http://schemas.microsoft.com/office/powerpoint/2012/main" xmlns="">
         <p15:guide id="1" orient="horz" pos="1620">
           <p15:clr>
             <a:srgbClr val="A4A3A4"/>
@@ -11704,15 +11704,7 @@
                   <a:schemeClr val="dk1"/>
                 </a:solidFill>
               </a:rPr>
-              <a:t>. </a:t>
-            </a:r>
-            <a:r>
-              <a:rPr lang="sr-Latn-RS" dirty="0" smtClean="0">
-                <a:solidFill>
-                  <a:schemeClr val="dk1"/>
-                </a:solidFill>
-              </a:rPr>
-              <a:t>dr </a:t>
+              <a:t>. dr </a:t>
             </a:r>
             <a:r>
               <a:rPr lang="en-US" dirty="0" err="1" smtClean="0">
@@ -12054,15 +12046,7 @@
                   <a:schemeClr val="dk1"/>
                 </a:solidFill>
               </a:rPr>
-              <a:t>Katarina Stanojković </a:t>
-            </a:r>
-            <a:r>
-              <a:rPr lang="sr-Latn-RS" dirty="0" smtClean="0">
-                <a:solidFill>
-                  <a:schemeClr val="dk1"/>
-                </a:solidFill>
-              </a:rPr>
-              <a:t>17</a:t>
+              <a:t>Katarina Stanojković 17</a:t>
             </a:r>
             <a:r>
               <a:rPr lang="en-US" dirty="0" smtClean="0">
@@ -12375,8 +12359,22 @@
               <a:buChar char="•"/>
             </a:pPr>
             <a:r>
-              <a:rPr lang="sr-Latn-RS" sz="1600" dirty="0" smtClean="0"/>
-              <a:t>Skalira podatke koristći opseg između prvog i trećeg kvartila </a:t>
+              <a:rPr lang="sr-Latn-RS" sz="1600" dirty="0" smtClean="0">
+                <a:latin typeface="Montserrat" charset="0"/>
+              </a:rPr>
+              <a:t>Skalira podatke </a:t>
+            </a:r>
+            <a:r>
+              <a:rPr lang="sr-Latn-RS" sz="1600" dirty="0" smtClean="0">
+                <a:latin typeface="Montserrat" charset="0"/>
+              </a:rPr>
+              <a:t>koristeći </a:t>
+            </a:r>
+            <a:r>
+              <a:rPr lang="sr-Latn-RS" sz="1600" dirty="0" smtClean="0">
+                <a:latin typeface="Montserrat" charset="0"/>
+              </a:rPr>
+              <a:t>opseg između prvog i trećeg kvartila </a:t>
             </a:r>
           </a:p>
           <a:p>
@@ -12388,8 +12386,16 @@
               <a:buChar char="•"/>
             </a:pPr>
             <a:r>
-              <a:rPr lang="sr-Latn-RS" sz="1600" dirty="0" smtClean="0"/>
-              <a:t>Prednost: Manja osetljivost na outlier-e </a:t>
+              <a:rPr lang="sr-Latn-RS" sz="1600" dirty="0" smtClean="0">
+                <a:latin typeface="Montserrat" charset="0"/>
+              </a:rPr>
+              <a:t>Manja osetljivost </a:t>
+            </a:r>
+            <a:r>
+              <a:rPr lang="sr-Latn-RS" sz="1600" dirty="0" smtClean="0">
+                <a:latin typeface="Montserrat" charset="0"/>
+              </a:rPr>
+              <a:t>na outlier-e </a:t>
             </a:r>
           </a:p>
           <a:p>
@@ -12401,7 +12407,9 @@
               <a:buChar char="•"/>
             </a:pPr>
             <a:r>
-              <a:rPr lang="sr-Latn-RS" sz="1600" dirty="0" smtClean="0"/>
+              <a:rPr lang="sr-Latn-RS" sz="1600" dirty="0" smtClean="0">
+                <a:latin typeface="Montserrat" charset="0"/>
+              </a:rPr>
               <a:t>Važno je proceniti veličinu i broj ekstremnih vrednosti pre primene</a:t>
             </a:r>
           </a:p>
@@ -12870,7 +12878,9 @@
               <a:buChar char="•"/>
             </a:pPr>
             <a:r>
-              <a:rPr lang="sr-Latn-RS" sz="1600" dirty="0" smtClean="0"/>
+              <a:rPr lang="sr-Latn-RS" sz="1600" dirty="0" smtClean="0">
+                <a:latin typeface="Montserrat" charset="0"/>
+              </a:rPr>
               <a:t>Tehnike koje modifikuju distribuciju podataka </a:t>
             </a:r>
           </a:p>
@@ -12883,7 +12893,9 @@
               <a:buChar char="•"/>
             </a:pPr>
             <a:r>
-              <a:rPr lang="sr-Latn-RS" sz="1600" dirty="0" smtClean="0"/>
+              <a:rPr lang="sr-Latn-RS" sz="1600" dirty="0" smtClean="0">
+                <a:latin typeface="Montserrat" charset="0"/>
+              </a:rPr>
               <a:t>Tipovi asimetrije: </a:t>
             </a:r>
           </a:p>
@@ -12896,10 +12908,14 @@
               <a:buAutoNum type="arabicPeriod"/>
             </a:pPr>
             <a:r>
-              <a:rPr lang="sr-Latn-RS" sz="1600" dirty="0" smtClean="0"/>
+              <a:rPr lang="sr-Latn-RS" sz="1600" dirty="0" smtClean="0">
+                <a:latin typeface="Montserrat" charset="0"/>
+              </a:rPr>
               <a:t>Pozitivna asimetrija</a:t>
             </a:r>
-            <a:endParaRPr lang="sr-Latn-RS" sz="1600" dirty="0"/>
+            <a:endParaRPr lang="sr-Latn-RS" sz="1600" dirty="0">
+              <a:latin typeface="Montserrat" charset="0"/>
+            </a:endParaRPr>
           </a:p>
           <a:p>
             <a:pPr marL="342900" lvl="3" indent="-342900">
@@ -12910,7 +12926,9 @@
               <a:buAutoNum type="arabicPeriod"/>
             </a:pPr>
             <a:r>
-              <a:rPr lang="sr-Latn-RS" sz="1600" dirty="0" smtClean="0"/>
+              <a:rPr lang="sr-Latn-RS" sz="1600" dirty="0" smtClean="0">
+                <a:latin typeface="Montserrat" charset="0"/>
+              </a:rPr>
               <a:t>Negativna asimetrija</a:t>
             </a:r>
           </a:p>
@@ -13144,7 +13162,9 @@
               <a:buChar char="•"/>
             </a:pPr>
             <a:r>
-              <a:rPr lang="sr-Latn-RS" sz="1600" dirty="0" smtClean="0"/>
+              <a:rPr lang="sr-Latn-RS" sz="1600" dirty="0" smtClean="0">
+                <a:latin typeface="Montserrat" charset="0"/>
+              </a:rPr>
               <a:t>Svi podaci moraju biti pozitivni</a:t>
             </a:r>
           </a:p>
@@ -13157,7 +13177,9 @@
               <a:buChar char="•"/>
             </a:pPr>
             <a:r>
-              <a:rPr lang="sr-Latn-RS" sz="1600" dirty="0" smtClean="0"/>
+              <a:rPr lang="sr-Latn-RS" sz="1600" dirty="0" smtClean="0">
+                <a:latin typeface="Montserrat" charset="0"/>
+              </a:rPr>
               <a:t>Približava raspodelu normalnoj distribuciji</a:t>
             </a:r>
           </a:p>
@@ -13170,7 +13192,9 @@
               <a:buChar char="•"/>
             </a:pPr>
             <a:r>
-              <a:rPr lang="sr-Latn-RS" sz="1600" dirty="0" smtClean="0"/>
+              <a:rPr lang="sr-Latn-RS" sz="1600" dirty="0" smtClean="0">
+                <a:latin typeface="Montserrat" charset="0"/>
+              </a:rPr>
               <a:t>Kompresuje velike vrednosti smanjujući njihov uticaj</a:t>
             </a:r>
           </a:p>
@@ -13355,7 +13379,7 @@
         <p:spPr>
           <a:xfrm>
             <a:off x="609600" y="1352550"/>
-            <a:ext cx="7620000" cy="1631216"/>
+            <a:ext cx="7620000" cy="1554272"/>
           </a:xfrm>
           <a:prstGeom prst="rect">
             <a:avLst/>
@@ -13376,14 +13400,20 @@
               <a:buChar char="•"/>
             </a:pPr>
             <a:r>
-              <a:rPr lang="sr-Latn-RS" sz="1600" dirty="0" smtClean="0"/>
+              <a:rPr lang="sr-Latn-RS" sz="1600" dirty="0" smtClean="0">
+                <a:latin typeface="Montserrat" charset="0"/>
+              </a:rPr>
               <a:t>Približava distribuciju podataka normalnoj raspodeli korišćenjem parametra </a:t>
             </a:r>
             <a:r>
-              <a:rPr lang="el-GR" dirty="0" smtClean="0"/>
+              <a:rPr lang="el-GR" dirty="0" smtClean="0">
+                <a:latin typeface="Montserrat" charset="0"/>
+              </a:rPr>
               <a:t>λ</a:t>
             </a:r>
-            <a:endParaRPr lang="sr-Latn-RS" dirty="0" smtClean="0"/>
+            <a:endParaRPr lang="sr-Latn-RS" dirty="0" smtClean="0">
+              <a:latin typeface="Montserrat" charset="0"/>
+            </a:endParaRPr>
           </a:p>
           <a:p>
             <a:pPr marL="285750" indent="-285750">
@@ -13394,8 +13424,16 @@
               <a:buChar char="•"/>
             </a:pPr>
             <a:r>
-              <a:rPr lang="sr-Latn-RS" sz="1600" dirty="0" smtClean="0"/>
-              <a:t>Smanjuje šum u podacima</a:t>
+              <a:rPr lang="sr-Latn-RS" sz="1600" dirty="0" smtClean="0">
+                <a:latin typeface="Montserrat" charset="0"/>
+              </a:rPr>
+              <a:t>Smanjuje </a:t>
+            </a:r>
+            <a:r>
+              <a:rPr lang="sr-Latn-RS" sz="1600" dirty="0" smtClean="0">
+                <a:latin typeface="Montserrat" charset="0"/>
+              </a:rPr>
+              <a:t>asimetriju podataka</a:t>
             </a:r>
           </a:p>
           <a:p>
@@ -13407,8 +13445,10 @@
               <a:buChar char="•"/>
             </a:pPr>
             <a:r>
-              <a:rPr lang="sr-Latn-RS" sz="1600" dirty="0" smtClean="0"/>
-              <a:t>Smanjuje asimetriju podataka</a:t>
+              <a:rPr lang="sr-Latn-RS" sz="1600" dirty="0" smtClean="0">
+                <a:latin typeface="Montserrat" charset="0"/>
+              </a:rPr>
+              <a:t>Zahteva pozitivne vrednosti </a:t>
             </a:r>
           </a:p>
           <a:p>
@@ -13420,28 +13460,21 @@
               <a:buChar char="•"/>
             </a:pPr>
             <a:r>
-              <a:rPr lang="sr-Latn-RS" sz="1600" dirty="0" smtClean="0"/>
-              <a:t>Zahteva pozitivne vrednosti </a:t>
-            </a:r>
-          </a:p>
-          <a:p>
-            <a:pPr marL="285750" indent="-285750">
-              <a:spcBef>
-                <a:spcPts val="600"/>
-              </a:spcBef>
-              <a:buFont typeface="Arial" pitchFamily="34" charset="0"/>
-              <a:buChar char="•"/>
-            </a:pPr>
-            <a:r>
-              <a:rPr lang="sr-Latn-RS" sz="1600" dirty="0" smtClean="0"/>
+              <a:rPr lang="sr-Latn-RS" sz="1600" dirty="0" smtClean="0">
+                <a:latin typeface="Montserrat" charset="0"/>
+              </a:rPr>
               <a:t>Izbor parametra </a:t>
             </a:r>
             <a:r>
-              <a:rPr lang="el-GR" sz="1600" dirty="0" smtClean="0"/>
+              <a:rPr lang="el-GR" sz="1600" dirty="0" smtClean="0">
+                <a:latin typeface="Montserrat" charset="0"/>
+              </a:rPr>
               <a:t>λ</a:t>
             </a:r>
             <a:r>
-              <a:rPr lang="sr-Latn-RS" sz="1600" dirty="0" smtClean="0"/>
+              <a:rPr lang="sr-Latn-RS" sz="1600" dirty="0" smtClean="0">
+                <a:latin typeface="Montserrat" charset="0"/>
+              </a:rPr>
               <a:t> je ključan za postizanje normalnosti</a:t>
             </a:r>
           </a:p>
@@ -13643,8 +13676,22 @@
               <a:buChar char="•"/>
             </a:pPr>
             <a:r>
-              <a:rPr lang="sr-Latn-RS" sz="1600" dirty="0" smtClean="0"/>
-              <a:t>Slična Box-Cox transformaciji ali podržava i negativne vrednosti </a:t>
+              <a:rPr lang="sr-Latn-RS" sz="1600" dirty="0" smtClean="0">
+                <a:latin typeface="Montserrat" charset="0"/>
+              </a:rPr>
+              <a:t>Slična Box-Cox </a:t>
+            </a:r>
+            <a:r>
+              <a:rPr lang="sr-Latn-RS" sz="1600" dirty="0" smtClean="0">
+                <a:latin typeface="Montserrat" charset="0"/>
+              </a:rPr>
+              <a:t>transformaciji, </a:t>
+            </a:r>
+            <a:r>
+              <a:rPr lang="sr-Latn-RS" sz="1600" dirty="0" smtClean="0">
+                <a:latin typeface="Montserrat" charset="0"/>
+              </a:rPr>
+              <a:t>ali podržava i negativne vrednosti </a:t>
             </a:r>
           </a:p>
           <a:p>
@@ -13656,7 +13703,9 @@
               <a:buChar char="•"/>
             </a:pPr>
             <a:r>
-              <a:rPr lang="sr-Latn-RS" sz="1600" dirty="0" smtClean="0"/>
+              <a:rPr lang="sr-Latn-RS" sz="1600" dirty="0" smtClean="0">
+                <a:latin typeface="Montserrat" charset="0"/>
+              </a:rPr>
               <a:t>Smanjuje asimetriju </a:t>
             </a:r>
           </a:p>
@@ -13669,19 +13718,27 @@
               <a:buChar char="•"/>
             </a:pPr>
             <a:r>
-              <a:rPr lang="sr-Latn-RS" sz="1600" dirty="0" smtClean="0"/>
+              <a:rPr lang="sr-Latn-RS" sz="1600" dirty="0" smtClean="0">
+                <a:latin typeface="Montserrat" charset="0"/>
+              </a:rPr>
               <a:t>Izbor parametra </a:t>
             </a:r>
             <a:r>
-              <a:rPr lang="el-GR" dirty="0" smtClean="0"/>
+              <a:rPr lang="el-GR" dirty="0" smtClean="0">
+                <a:latin typeface="Montserrat" charset="0"/>
+              </a:rPr>
               <a:t>λ</a:t>
             </a:r>
             <a:r>
-              <a:rPr lang="sr-Latn-RS" dirty="0"/>
+              <a:rPr lang="sr-Latn-RS" dirty="0">
+                <a:latin typeface="Montserrat" charset="0"/>
+              </a:rPr>
               <a:t> </a:t>
             </a:r>
             <a:r>
-              <a:rPr lang="sr-Latn-RS" sz="1600" dirty="0" smtClean="0"/>
+              <a:rPr lang="sr-Latn-RS" sz="1600" dirty="0" smtClean="0">
+                <a:latin typeface="Montserrat" charset="0"/>
+              </a:rPr>
               <a:t>je ključan </a:t>
             </a:r>
           </a:p>
@@ -13887,7 +13944,9 @@
               <a:buChar char="•"/>
             </a:pPr>
             <a:r>
-              <a:rPr lang="sr-Latn-RS" sz="1600" dirty="0" smtClean="0"/>
+              <a:rPr lang="sr-Latn-RS" sz="1600" dirty="0" smtClean="0">
+                <a:latin typeface="Montserrat" charset="0"/>
+              </a:rPr>
               <a:t>Mapira vrednosti promenljive na uniformnu ili normalnu raspodelu koristeći rangiranje podataka </a:t>
             </a:r>
           </a:p>
@@ -13900,8 +13959,16 @@
               <a:buChar char="•"/>
             </a:pPr>
             <a:r>
-              <a:rPr lang="sr-Latn-RS" sz="1600" dirty="0" smtClean="0"/>
-              <a:t>Otporna na outlier-e </a:t>
+              <a:rPr lang="sr-Latn-RS" sz="1600" dirty="0" smtClean="0">
+                <a:latin typeface="Montserrat" charset="0"/>
+              </a:rPr>
+              <a:t>Otporna </a:t>
+            </a:r>
+            <a:r>
+              <a:rPr lang="sr-Latn-RS" sz="1600" dirty="0" smtClean="0">
+                <a:latin typeface="Montserrat" charset="0"/>
+              </a:rPr>
+              <a:t>na outlier-e </a:t>
             </a:r>
           </a:p>
           <a:p>
@@ -13913,9 +13980,14 @@
               <a:buChar char="•"/>
             </a:pPr>
             <a:r>
-              <a:rPr lang="sr-Latn-RS" sz="1600" dirty="0" smtClean="0"/>
+              <a:rPr lang="sr-Latn-RS" sz="1600" dirty="0" smtClean="0">
+                <a:latin typeface="Montserrat" charset="0"/>
+              </a:rPr>
               <a:t>Relativni položaj vrednosti ostaje nepromenjen</a:t>
             </a:r>
+            <a:endParaRPr lang="sr-Latn-RS" sz="1600" dirty="0" smtClean="0">
+              <a:latin typeface="Montserrat" charset="0"/>
+            </a:endParaRPr>
           </a:p>
         </p:txBody>
       </p:sp>
@@ -14382,7 +14454,9 @@
               <a:buChar char="•"/>
             </a:pPr>
             <a:r>
-              <a:rPr lang="sr-Latn-RS" sz="1600" dirty="0" smtClean="0"/>
+              <a:rPr lang="sr-Latn-RS" sz="1600" dirty="0" smtClean="0">
+                <a:latin typeface="Montserrat" charset="0"/>
+              </a:rPr>
               <a:t>Proces pretvaranja kategoričkih varijabli u numeričke </a:t>
             </a:r>
           </a:p>
@@ -14395,7 +14469,9 @@
               <a:buChar char="•"/>
             </a:pPr>
             <a:r>
-              <a:rPr lang="sr-Latn-RS" sz="1600" dirty="0" smtClean="0"/>
+              <a:rPr lang="sr-Latn-RS" sz="1600" dirty="0" smtClean="0">
+                <a:latin typeface="Montserrat" charset="0"/>
+              </a:rPr>
               <a:t>Podela kategoričkih podataka</a:t>
             </a:r>
           </a:p>
@@ -14408,7 +14484,9 @@
               <a:buAutoNum type="arabicPeriod"/>
             </a:pPr>
             <a:r>
-              <a:rPr lang="sr-Latn-RS" sz="1600" dirty="0" smtClean="0"/>
+              <a:rPr lang="sr-Latn-RS" sz="1600" dirty="0" smtClean="0">
+                <a:latin typeface="Montserrat" charset="0"/>
+              </a:rPr>
               <a:t>Nominalni – bez prirodnog redosleda (npr. boja automobila)</a:t>
             </a:r>
           </a:p>
@@ -14421,7 +14499,9 @@
               <a:buAutoNum type="arabicPeriod"/>
             </a:pPr>
             <a:r>
-              <a:rPr lang="sr-Latn-RS" sz="1600" dirty="0" smtClean="0"/>
+              <a:rPr lang="sr-Latn-RS" sz="1600" dirty="0" smtClean="0">
+                <a:latin typeface="Montserrat" charset="0"/>
+              </a:rPr>
               <a:t>Ordinalni – sa prirodnim redosledom (npr. nivo obrazovanja)</a:t>
             </a:r>
           </a:p>
@@ -14606,7 +14686,7 @@
         <p:spPr>
           <a:xfrm>
             <a:off x="533400" y="1352550"/>
-            <a:ext cx="7620000" cy="3585597"/>
+            <a:ext cx="7620000" cy="2354491"/>
           </a:xfrm>
           <a:prstGeom prst="rect">
             <a:avLst/>
@@ -14627,9 +14707,20 @@
               <a:buAutoNum type="arabicPeriod"/>
             </a:pPr>
             <a:r>
-              <a:rPr lang="sr-Latn-RS" sz="1600" dirty="0" smtClean="0"/>
-              <a:t>One-Hot enkodiranje: konvertuje svaku kategoriju u zasebnu binarnu kolonu </a:t>
-            </a:r>
+              <a:rPr lang="sr-Latn-RS" dirty="0" smtClean="0">
+                <a:latin typeface="Montserrat" charset="0"/>
+              </a:rPr>
+              <a:t>One-Hot </a:t>
+            </a:r>
+            <a:r>
+              <a:rPr lang="sr-Latn-RS" dirty="0" smtClean="0">
+                <a:latin typeface="Montserrat" charset="0"/>
+              </a:rPr>
+              <a:t>enkodiranje</a:t>
+            </a:r>
+            <a:endParaRPr lang="sr-Latn-RS" dirty="0" smtClean="0">
+              <a:latin typeface="Montserrat" charset="0"/>
+            </a:endParaRPr>
           </a:p>
           <a:p>
             <a:pPr marL="342900" indent="-342900">
@@ -14640,8 +14731,16 @@
               <a:buAutoNum type="arabicPeriod"/>
             </a:pPr>
             <a:r>
-              <a:rPr lang="sr-Latn-RS" sz="1600" dirty="0" smtClean="0"/>
-              <a:t>Dummy enkodiranje: kreira N-1 binarnih kolona za N kategorija </a:t>
+              <a:rPr lang="sr-Latn-RS" dirty="0" smtClean="0">
+                <a:latin typeface="Montserrat" charset="0"/>
+              </a:rPr>
+              <a:t>Dummy </a:t>
+            </a:r>
+            <a:r>
+              <a:rPr lang="sr-Latn-RS" dirty="0" smtClean="0">
+                <a:latin typeface="Montserrat" charset="0"/>
+              </a:rPr>
+              <a:t>enkodiranje</a:t>
             </a:r>
           </a:p>
           <a:p>
@@ -14653,8 +14752,10 @@
               <a:buAutoNum type="arabicPeriod"/>
             </a:pPr>
             <a:r>
-              <a:rPr lang="sr-Latn-RS" sz="1600" dirty="0" smtClean="0"/>
-              <a:t>Label enkodiranje: dodeljuje jedinstvenu celobrojnu vrednost svakoj kategoriji</a:t>
+              <a:rPr lang="sr-Latn-RS" dirty="0" smtClean="0">
+                <a:latin typeface="Montserrat" charset="0"/>
+              </a:rPr>
+              <a:t>Label enkodiranje</a:t>
             </a:r>
           </a:p>
           <a:p>
@@ -14666,8 +14767,10 @@
               <a:buAutoNum type="arabicPeriod"/>
             </a:pPr>
             <a:r>
-              <a:rPr lang="sr-Latn-RS" sz="1600" dirty="0" smtClean="0"/>
-              <a:t>Binarno enkodiranje: predstavlja kategorije pomoću binarnih cifara kombinujući vrednosti one-hot i label enkodiranja</a:t>
+              <a:rPr lang="sr-Latn-RS" dirty="0" smtClean="0">
+                <a:latin typeface="Montserrat" charset="0"/>
+              </a:rPr>
+              <a:t>Binarno enkodiranje </a:t>
             </a:r>
           </a:p>
           <a:p>
@@ -14679,8 +14782,22 @@
               <a:buAutoNum type="arabicPeriod"/>
             </a:pPr>
             <a:r>
-              <a:rPr lang="sr-Latn-RS" sz="1600" dirty="0" smtClean="0"/>
-              <a:t>Count and Frequency enkodiranje: dodeljuje numeričke vrednosti kategorijama na osnovu njihove učestalosti </a:t>
+              <a:rPr lang="sr-Latn-RS" dirty="0" smtClean="0">
+                <a:latin typeface="Montserrat" charset="0"/>
+              </a:rPr>
+              <a:t>Count </a:t>
+            </a:r>
+            <a:r>
+              <a:rPr lang="sr-Latn-RS" dirty="0" smtClean="0">
+                <a:latin typeface="Montserrat" charset="0"/>
+              </a:rPr>
+              <a:t>and Frequency </a:t>
+            </a:r>
+            <a:r>
+              <a:rPr lang="sr-Latn-RS" dirty="0" smtClean="0">
+                <a:latin typeface="Montserrat" charset="0"/>
+              </a:rPr>
+              <a:t>enkodiranje</a:t>
             </a:r>
           </a:p>
           <a:p>
@@ -14692,8 +14809,10 @@
               <a:buAutoNum type="arabicPeriod"/>
             </a:pPr>
             <a:r>
-              <a:rPr lang="sr-Latn-RS" sz="1600" dirty="0" smtClean="0"/>
-              <a:t>Target enkodiranje: dodeljuje kategorijama vrednosti na osnovu prosečne vrednosti ciljne varijable </a:t>
+              <a:rPr lang="sr-Latn-RS" dirty="0" smtClean="0">
+                <a:latin typeface="Montserrat" charset="0"/>
+              </a:rPr>
+              <a:t>Target enkodiranje</a:t>
             </a:r>
           </a:p>
           <a:p>
@@ -14705,8 +14824,10 @@
               <a:buAutoNum type="arabicPeriod"/>
             </a:pPr>
             <a:r>
-              <a:rPr lang="sr-Latn-RS" sz="1600" dirty="0" smtClean="0"/>
-              <a:t>Effect enkodiranje: dodeljuje kategorijama vrednosti 1,0 i -1 </a:t>
+              <a:rPr lang="sr-Latn-RS" dirty="0" smtClean="0">
+                <a:latin typeface="Montserrat" charset="0"/>
+              </a:rPr>
+              <a:t>Effect enkodiranje</a:t>
             </a:r>
           </a:p>
           <a:p>
@@ -14718,8 +14839,10 @@
               <a:buAutoNum type="arabicPeriod"/>
             </a:pPr>
             <a:r>
-              <a:rPr lang="sr-Latn-RS" sz="1600" dirty="0" smtClean="0"/>
-              <a:t>Feature hashing: mapira kategorije na fiksan broj numeričkih kolona pomoću hash funkcije </a:t>
+              <a:rPr lang="sr-Latn-RS" dirty="0" smtClean="0">
+                <a:latin typeface="Montserrat" charset="0"/>
+              </a:rPr>
+              <a:t>Feature hashing</a:t>
             </a:r>
           </a:p>
         </p:txBody>
@@ -17996,8 +18119,8 @@
               <a:buChar char="•"/>
             </a:pPr>
             <a:r>
-              <a:rPr lang="sr-Latn-RS" dirty="0" smtClean="0">
-                <a:latin typeface="+mj-lt"/>
+              <a:rPr lang="sr-Latn-RS" sz="1600" dirty="0" smtClean="0">
+                <a:latin typeface="Montserrat" charset="0"/>
               </a:rPr>
               <a:t>Proces pretvaranja kontinuiranih varijabli u diskretne intervale </a:t>
             </a:r>
@@ -18008,13 +18131,13 @@
               <a:buChar char="•"/>
             </a:pPr>
             <a:r>
-              <a:rPr lang="sr-Latn-RS" dirty="0" smtClean="0">
-                <a:latin typeface="+mj-lt"/>
+              <a:rPr lang="sr-Latn-RS" sz="1600" dirty="0" smtClean="0">
+                <a:latin typeface="Montserrat" charset="0"/>
               </a:rPr>
               <a:t>Smanjuje uticaj outlier-a </a:t>
             </a:r>
-            <a:endParaRPr lang="en-US" dirty="0">
-              <a:latin typeface="+mj-lt"/>
+            <a:endParaRPr lang="en-US" sz="1600" dirty="0">
+              <a:latin typeface="Montserrat" charset="0"/>
             </a:endParaRPr>
           </a:p>
         </p:txBody>
@@ -18039,7 +18162,7 @@
         </p:blipFill>
         <p:spPr>
           <a:xfrm>
-            <a:off x="4119432" y="1123950"/>
+            <a:off x="4495800" y="1200150"/>
             <a:ext cx="3576768" cy="2057400"/>
           </a:xfrm>
           <a:prstGeom prst="rect">
@@ -18135,7 +18258,7 @@
         <p:spPr>
           <a:xfrm>
             <a:off x="609600" y="1352550"/>
-            <a:ext cx="7620000" cy="984885"/>
+            <a:ext cx="7620000" cy="1231106"/>
           </a:xfrm>
           <a:prstGeom prst="rect">
             <a:avLst/>
@@ -18156,8 +18279,22 @@
               <a:buChar char="•"/>
             </a:pPr>
             <a:r>
-              <a:rPr lang="sr-Latn-RS" sz="1600" dirty="0" smtClean="0"/>
-              <a:t>Deljenje opsega vrednosti na k intervala iste veličine </a:t>
+              <a:rPr lang="sr-Latn-RS" sz="1600" dirty="0" smtClean="0">
+                <a:latin typeface="Montserrat" charset="0"/>
+              </a:rPr>
+              <a:t>Deljenje opsega vrednosti na </a:t>
+            </a:r>
+            <a:r>
+              <a:rPr lang="sr-Latn-RS" sz="1600" dirty="0" smtClean="0">
+                <a:latin typeface="Montserrat" charset="0"/>
+              </a:rPr>
+              <a:t>K </a:t>
+            </a:r>
+            <a:r>
+              <a:rPr lang="sr-Latn-RS" sz="1600" dirty="0" smtClean="0">
+                <a:latin typeface="Montserrat" charset="0"/>
+              </a:rPr>
+              <a:t>intervala iste veličine </a:t>
             </a:r>
           </a:p>
           <a:p>
@@ -18169,7 +18306,9 @@
               <a:buChar char="•"/>
             </a:pPr>
             <a:r>
-              <a:rPr lang="sr-Latn-RS" sz="1600" dirty="0" smtClean="0"/>
+              <a:rPr lang="sr-Latn-RS" sz="1600" dirty="0" smtClean="0">
+                <a:latin typeface="Montserrat" charset="0"/>
+              </a:rPr>
               <a:t>Jednostavna implementacija i ravnomerno raspoređivanje podataka</a:t>
             </a:r>
           </a:p>
@@ -18182,7 +18321,9 @@
               <a:buChar char="•"/>
             </a:pPr>
             <a:r>
-              <a:rPr lang="sr-Latn-RS" sz="1600" dirty="0" smtClean="0"/>
+              <a:rPr lang="sr-Latn-RS" sz="1600" dirty="0" smtClean="0">
+                <a:latin typeface="Montserrat" charset="0"/>
+              </a:rPr>
               <a:t>Ne uzima u obzir distribuciju podataka; može stvoriti prazne ili retke binove </a:t>
             </a:r>
           </a:p>
@@ -18357,7 +18498,7 @@
         <p:spPr>
           <a:xfrm>
             <a:off x="685800" y="1276350"/>
-            <a:ext cx="5458200" cy="997200"/>
+            <a:ext cx="6629400" cy="1295400"/>
           </a:xfrm>
         </p:spPr>
         <p:txBody>
@@ -18370,7 +18511,7 @@
             </a:pPr>
             <a:r>
               <a:rPr lang="sr-Latn-RS" sz="1600" dirty="0" smtClean="0">
-                <a:latin typeface="+mj-lt"/>
+                <a:latin typeface="Montserrat" charset="0"/>
               </a:rPr>
               <a:t>Deljenje varijable na intervale tako da svaki sadrži približno isti broj instanci </a:t>
             </a:r>
@@ -18382,7 +18523,7 @@
             </a:pPr>
             <a:r>
               <a:rPr lang="sr-Latn-RS" sz="1600" dirty="0" smtClean="0">
-                <a:latin typeface="+mj-lt"/>
+                <a:latin typeface="Montserrat" charset="0"/>
               </a:rPr>
               <a:t>Proizvodi uravnotežene intervale </a:t>
             </a:r>
@@ -18394,7 +18535,7 @@
             </a:pPr>
             <a:r>
               <a:rPr lang="sr-Latn-RS" sz="1600" dirty="0" smtClean="0">
-                <a:latin typeface="+mj-lt"/>
+                <a:latin typeface="Montserrat" charset="0"/>
               </a:rPr>
               <a:t>Može izobličiti distribuciju podataka</a:t>
             </a:r>
@@ -18489,7 +18630,7 @@
         <p:spPr>
           <a:xfrm>
             <a:off x="609600" y="1352550"/>
-            <a:ext cx="7620000" cy="984885"/>
+            <a:ext cx="7620000" cy="1231106"/>
           </a:xfrm>
           <a:prstGeom prst="rect">
             <a:avLst/>
@@ -18510,7 +18651,9 @@
               <a:buChar char="•"/>
             </a:pPr>
             <a:r>
-              <a:rPr lang="sr-Latn-RS" sz="1600" dirty="0" smtClean="0"/>
+              <a:rPr lang="sr-Latn-RS" sz="1600" dirty="0" smtClean="0">
+                <a:latin typeface="Montserrat" charset="0"/>
+              </a:rPr>
               <a:t>Korišćenje algoritma poput K-means za grupisanje sličnih vrednosti u klastere</a:t>
             </a:r>
           </a:p>
@@ -18523,7 +18666,9 @@
               <a:buChar char="•"/>
             </a:pPr>
             <a:r>
-              <a:rPr lang="sr-Latn-RS" sz="1600" dirty="0" smtClean="0"/>
+              <a:rPr lang="sr-Latn-RS" sz="1600" dirty="0" smtClean="0">
+                <a:latin typeface="Montserrat" charset="0"/>
+              </a:rPr>
               <a:t>Otkriva prirodne grupe u podacima </a:t>
             </a:r>
           </a:p>
@@ -18536,7 +18681,9 @@
               <a:buChar char="•"/>
             </a:pPr>
             <a:r>
-              <a:rPr lang="sr-Latn-RS" sz="1600" dirty="0" smtClean="0"/>
+              <a:rPr lang="sr-Latn-RS" sz="1600" dirty="0" smtClean="0">
+                <a:latin typeface="Montserrat" charset="0"/>
+              </a:rPr>
               <a:t>Izbor broja klastera može značajno uticati na rezultate</a:t>
             </a:r>
           </a:p>
@@ -18742,7 +18889,9 @@
               <a:buChar char="•"/>
             </a:pPr>
             <a:r>
-              <a:rPr lang="sr-Latn-RS" sz="1600" dirty="0" smtClean="0"/>
+              <a:rPr lang="sr-Latn-RS" sz="1600" dirty="0" smtClean="0">
+                <a:latin typeface="Montserrat" charset="0"/>
+              </a:rPr>
               <a:t>Automatsko deljenje kontinuiranih varijabli u intervale tokom procesa učenja stabla odlučivanja</a:t>
             </a:r>
           </a:p>
@@ -18755,7 +18904,9 @@
               <a:buChar char="•"/>
             </a:pPr>
             <a:r>
-              <a:rPr lang="sr-Latn-RS" sz="1600" dirty="0" smtClean="0"/>
+              <a:rPr lang="sr-Latn-RS" sz="1600" dirty="0" smtClean="0">
+                <a:latin typeface="Montserrat" charset="0"/>
+              </a:rPr>
               <a:t>Optimalne tačke preseka se identifikuju automatski na osnovu strukture podataka</a:t>
             </a:r>
           </a:p>
@@ -18768,7 +18919,9 @@
               <a:buChar char="•"/>
             </a:pPr>
             <a:r>
-              <a:rPr lang="sr-Latn-RS" sz="1600" dirty="0" smtClean="0"/>
+              <a:rPr lang="sr-Latn-RS" sz="1600" dirty="0" smtClean="0">
+                <a:latin typeface="Montserrat" charset="0"/>
+              </a:rPr>
               <a:t>Specifična za klasifikacione zadatke</a:t>
             </a:r>
           </a:p>
@@ -18970,70 +19123,104 @@
               <a:buChar char="•"/>
             </a:pPr>
             <a:r>
-              <a:rPr lang="en-US" sz="1600" dirty="0" err="1" smtClean="0"/>
+              <a:rPr lang="en-US" sz="1600" dirty="0" err="1" smtClean="0">
+                <a:latin typeface="Montserrat" charset="0"/>
+              </a:rPr>
               <a:t>Nadgledana</a:t>
             </a:r>
             <a:r>
-              <a:rPr lang="en-US" sz="1600" dirty="0" smtClean="0"/>
+              <a:rPr lang="en-US" sz="1600" dirty="0" smtClean="0">
+                <a:latin typeface="Montserrat" charset="0"/>
+              </a:rPr>
               <a:t> </a:t>
             </a:r>
             <a:r>
-              <a:rPr lang="en-US" sz="1600" dirty="0" err="1"/>
+              <a:rPr lang="en-US" sz="1600" dirty="0" err="1">
+                <a:latin typeface="Montserrat" charset="0"/>
+              </a:rPr>
               <a:t>metoda</a:t>
             </a:r>
             <a:r>
-              <a:rPr lang="en-US" sz="1600" dirty="0"/>
+              <a:rPr lang="en-US" sz="1600" dirty="0">
+                <a:latin typeface="Montserrat" charset="0"/>
+              </a:rPr>
               <a:t> </a:t>
             </a:r>
             <a:r>
-              <a:rPr lang="en-US" sz="1600" dirty="0" err="1"/>
+              <a:rPr lang="en-US" sz="1600" dirty="0" err="1">
+                <a:latin typeface="Montserrat" charset="0"/>
+              </a:rPr>
               <a:t>koja</a:t>
             </a:r>
             <a:r>
-              <a:rPr lang="en-US" sz="1600" dirty="0"/>
+              <a:rPr lang="en-US" sz="1600" dirty="0">
+                <a:latin typeface="Montserrat" charset="0"/>
+              </a:rPr>
               <a:t> </a:t>
             </a:r>
             <a:r>
-              <a:rPr lang="en-US" sz="1600" dirty="0" err="1"/>
+              <a:rPr lang="en-US" sz="1600" dirty="0" err="1">
+                <a:latin typeface="Montserrat" charset="0"/>
+              </a:rPr>
               <a:t>koristi</a:t>
             </a:r>
             <a:r>
-              <a:rPr lang="en-US" sz="1600" dirty="0"/>
+              <a:rPr lang="en-US" sz="1600" dirty="0">
+                <a:latin typeface="Montserrat" charset="0"/>
+              </a:rPr>
               <a:t> chi-square test </a:t>
             </a:r>
             <a:r>
-              <a:rPr lang="en-US" sz="1600" dirty="0" err="1"/>
+              <a:rPr lang="en-US" sz="1600" dirty="0" err="1">
+                <a:latin typeface="Montserrat" charset="0"/>
+              </a:rPr>
               <a:t>za</a:t>
             </a:r>
             <a:r>
-              <a:rPr lang="en-US" sz="1600" dirty="0"/>
+              <a:rPr lang="en-US" sz="1600" dirty="0">
+                <a:latin typeface="Montserrat" charset="0"/>
+              </a:rPr>
               <a:t> </a:t>
             </a:r>
             <a:r>
-              <a:rPr lang="en-US" sz="1600" dirty="0" err="1"/>
+              <a:rPr lang="en-US" sz="1600" dirty="0" err="1">
+                <a:latin typeface="Montserrat" charset="0"/>
+              </a:rPr>
               <a:t>grupisanje</a:t>
             </a:r>
             <a:r>
-              <a:rPr lang="en-US" sz="1600" dirty="0"/>
+              <a:rPr lang="en-US" sz="1600" dirty="0">
+                <a:latin typeface="Montserrat" charset="0"/>
+              </a:rPr>
               <a:t> </a:t>
             </a:r>
             <a:r>
-              <a:rPr lang="en-US" sz="1600" dirty="0" err="1"/>
+              <a:rPr lang="en-US" sz="1600" dirty="0" err="1">
+                <a:latin typeface="Montserrat" charset="0"/>
+              </a:rPr>
               <a:t>sličnih</a:t>
             </a:r>
             <a:r>
-              <a:rPr lang="en-US" sz="1600" dirty="0"/>
+              <a:rPr lang="en-US" sz="1600" dirty="0">
+                <a:latin typeface="Montserrat" charset="0"/>
+              </a:rPr>
               <a:t> </a:t>
             </a:r>
             <a:r>
-              <a:rPr lang="en-US" sz="1600" dirty="0" err="1"/>
+              <a:rPr lang="en-US" sz="1600" dirty="0" err="1">
+                <a:latin typeface="Montserrat" charset="0"/>
+              </a:rPr>
               <a:t>intervala</a:t>
             </a:r>
             <a:r>
-              <a:rPr lang="en-US" sz="1600" dirty="0"/>
-              <a:t>. </a:t>
-            </a:r>
-            <a:endParaRPr lang="sr-Latn-RS" sz="1600" dirty="0" smtClean="0"/>
+              <a:rPr lang="en-US" sz="1600" dirty="0" smtClean="0">
+                <a:latin typeface="Montserrat" charset="0"/>
+              </a:rPr>
+              <a:t>.</a:t>
+            </a:r>
+            <a:endParaRPr lang="sr-Latn-RS" sz="1600" dirty="0" smtClean="0">
+              <a:latin typeface="Montserrat" charset="0"/>
+            </a:endParaRPr>
           </a:p>
           <a:p>
             <a:pPr marL="285750" indent="-285750">
@@ -19044,78 +19231,110 @@
               <a:buChar char="•"/>
             </a:pPr>
             <a:r>
-              <a:rPr lang="en-US" sz="1600" dirty="0" err="1" smtClean="0"/>
+              <a:rPr lang="en-US" sz="1600" dirty="0" err="1" smtClean="0">
+                <a:latin typeface="Montserrat" charset="0"/>
+              </a:rPr>
               <a:t>Optimizuje</a:t>
             </a:r>
             <a:r>
-              <a:rPr lang="en-US" sz="1600" dirty="0" smtClean="0"/>
+              <a:rPr lang="en-US" sz="1600" dirty="0" smtClean="0">
+                <a:latin typeface="Montserrat" charset="0"/>
+              </a:rPr>
               <a:t> </a:t>
             </a:r>
             <a:r>
-              <a:rPr lang="en-US" sz="1600" dirty="0" err="1"/>
+              <a:rPr lang="en-US" sz="1600" dirty="0" err="1">
+                <a:latin typeface="Montserrat" charset="0"/>
+              </a:rPr>
               <a:t>intervale</a:t>
             </a:r>
             <a:r>
-              <a:rPr lang="en-US" sz="1600" dirty="0"/>
+              <a:rPr lang="en-US" sz="1600" dirty="0">
+                <a:latin typeface="Montserrat" charset="0"/>
+              </a:rPr>
               <a:t> </a:t>
             </a:r>
             <a:r>
-              <a:rPr lang="en-US" sz="1600" dirty="0" err="1"/>
+              <a:rPr lang="en-US" sz="1600" dirty="0" err="1">
+                <a:latin typeface="Montserrat" charset="0"/>
+              </a:rPr>
               <a:t>koristeći</a:t>
             </a:r>
             <a:r>
-              <a:rPr lang="en-US" sz="1600" dirty="0"/>
+              <a:rPr lang="en-US" sz="1600" dirty="0">
+                <a:latin typeface="Montserrat" charset="0"/>
+              </a:rPr>
               <a:t> </a:t>
             </a:r>
             <a:r>
-              <a:rPr lang="en-US" sz="1600" dirty="0" err="1"/>
+              <a:rPr lang="en-US" sz="1600" dirty="0" err="1">
+                <a:latin typeface="Montserrat" charset="0"/>
+              </a:rPr>
               <a:t>informacije</a:t>
             </a:r>
             <a:r>
-              <a:rPr lang="en-US" sz="1600" dirty="0"/>
+              <a:rPr lang="en-US" sz="1600" dirty="0">
+                <a:latin typeface="Montserrat" charset="0"/>
+              </a:rPr>
               <a:t> o </a:t>
             </a:r>
             <a:r>
-              <a:rPr lang="en-US" sz="1600" dirty="0" err="1"/>
+              <a:rPr lang="en-US" sz="1600" dirty="0" err="1">
+                <a:latin typeface="Montserrat" charset="0"/>
+              </a:rPr>
               <a:t>ciljnoj</a:t>
             </a:r>
             <a:r>
-              <a:rPr lang="en-US" sz="1600" dirty="0"/>
+              <a:rPr lang="en-US" sz="1600" dirty="0">
+                <a:latin typeface="Montserrat" charset="0"/>
+              </a:rPr>
               <a:t> </a:t>
             </a:r>
             <a:r>
-              <a:rPr lang="en-US" sz="1600" dirty="0" err="1"/>
+              <a:rPr lang="en-US" sz="1600" dirty="0" err="1">
+                <a:latin typeface="Montserrat" charset="0"/>
+              </a:rPr>
               <a:t>varijabli</a:t>
             </a:r>
             <a:r>
-              <a:rPr lang="en-US" sz="1600" dirty="0"/>
+              <a:rPr lang="en-US" sz="1600" dirty="0">
+                <a:latin typeface="Montserrat" charset="0"/>
+              </a:rPr>
               <a:t>, </a:t>
             </a:r>
             <a:r>
-              <a:rPr lang="en-US" sz="1600" dirty="0" err="1"/>
+              <a:rPr lang="en-US" sz="1600" dirty="0" err="1">
+                <a:latin typeface="Montserrat" charset="0"/>
+              </a:rPr>
               <a:t>efikasno</a:t>
             </a:r>
             <a:r>
-              <a:rPr lang="en-US" sz="1600" dirty="0"/>
+              <a:rPr lang="en-US" sz="1600" dirty="0">
+                <a:latin typeface="Montserrat" charset="0"/>
+              </a:rPr>
               <a:t> </a:t>
             </a:r>
             <a:r>
-              <a:rPr lang="en-US" sz="1600" dirty="0" err="1"/>
+              <a:rPr lang="en-US" sz="1600" dirty="0" err="1">
+                <a:latin typeface="Montserrat" charset="0"/>
+              </a:rPr>
               <a:t>razdvaja</a:t>
             </a:r>
             <a:r>
-              <a:rPr lang="en-US" sz="1600" dirty="0"/>
+              <a:rPr lang="en-US" sz="1600" dirty="0">
+                <a:latin typeface="Montserrat" charset="0"/>
+              </a:rPr>
               <a:t> </a:t>
             </a:r>
             <a:r>
-              <a:rPr lang="en-US" sz="1600" dirty="0" err="1"/>
+              <a:rPr lang="en-US" sz="1600" dirty="0" err="1" smtClean="0">
+                <a:latin typeface="Montserrat" charset="0"/>
+              </a:rPr>
               <a:t>klase</a:t>
             </a:r>
-            <a:r>
-              <a:rPr lang="en-US" sz="1600" dirty="0"/>
-              <a:t>. </a:t>
-            </a:r>
-            <a:endParaRPr lang="sr-Latn-RS" dirty="0"/>
+            <a:endParaRPr lang="sr-Latn-RS" dirty="0">
+              <a:latin typeface="Montserrat" charset="0"/>
+            </a:endParaRPr>
           </a:p>
           <a:p>
             <a:pPr marL="285750" indent="-285750">
@@ -19126,110 +19345,86 @@
               <a:buChar char="•"/>
             </a:pPr>
             <a:r>
-              <a:rPr lang="en-US" sz="1600" dirty="0" err="1" smtClean="0"/>
+              <a:rPr lang="en-US" sz="1600" dirty="0" err="1" smtClean="0">
+                <a:latin typeface="Montserrat" charset="0"/>
+              </a:rPr>
               <a:t>Specifična</a:t>
             </a:r>
             <a:r>
-              <a:rPr lang="en-US" sz="1600" dirty="0" smtClean="0"/>
+              <a:rPr lang="en-US" sz="1600" dirty="0" smtClean="0">
+                <a:latin typeface="Montserrat" charset="0"/>
+              </a:rPr>
               <a:t> </a:t>
             </a:r>
             <a:r>
-              <a:rPr lang="en-US" sz="1600" dirty="0" err="1"/>
+              <a:rPr lang="en-US" sz="1600" dirty="0" err="1">
+                <a:latin typeface="Montserrat" charset="0"/>
+              </a:rPr>
               <a:t>za</a:t>
             </a:r>
             <a:r>
-              <a:rPr lang="en-US" sz="1600" dirty="0"/>
+              <a:rPr lang="en-US" sz="1600" dirty="0">
+                <a:latin typeface="Montserrat" charset="0"/>
+              </a:rPr>
               <a:t> </a:t>
             </a:r>
             <a:r>
-              <a:rPr lang="en-US" sz="1600" dirty="0" err="1"/>
+              <a:rPr lang="en-US" sz="1600" dirty="0" err="1">
+                <a:latin typeface="Montserrat" charset="0"/>
+              </a:rPr>
               <a:t>situacije</a:t>
             </a:r>
             <a:r>
-              <a:rPr lang="en-US" sz="1600" dirty="0"/>
+              <a:rPr lang="en-US" sz="1600" dirty="0">
+                <a:latin typeface="Montserrat" charset="0"/>
+              </a:rPr>
               <a:t> </a:t>
             </a:r>
             <a:r>
-              <a:rPr lang="en-US" sz="1600" dirty="0" err="1"/>
+              <a:rPr lang="en-US" sz="1600" dirty="0" err="1">
+                <a:latin typeface="Montserrat" charset="0"/>
+              </a:rPr>
               <a:t>kada</a:t>
             </a:r>
             <a:r>
-              <a:rPr lang="en-US" sz="1600" dirty="0"/>
+              <a:rPr lang="en-US" sz="1600" dirty="0">
+                <a:latin typeface="Montserrat" charset="0"/>
+              </a:rPr>
               <a:t> je </a:t>
             </a:r>
             <a:r>
-              <a:rPr lang="en-US" sz="1600" dirty="0" err="1"/>
+              <a:rPr lang="en-US" sz="1600" dirty="0" err="1">
+                <a:latin typeface="Montserrat" charset="0"/>
+              </a:rPr>
               <a:t>ciljna</a:t>
             </a:r>
             <a:r>
-              <a:rPr lang="en-US" sz="1600" dirty="0"/>
+              <a:rPr lang="en-US" sz="1600" dirty="0">
+                <a:latin typeface="Montserrat" charset="0"/>
+              </a:rPr>
               <a:t> </a:t>
             </a:r>
             <a:r>
-              <a:rPr lang="en-US" sz="1600" dirty="0" err="1"/>
+              <a:rPr lang="en-US" sz="1600" dirty="0" err="1">
+                <a:latin typeface="Montserrat" charset="0"/>
+              </a:rPr>
               <a:t>varijabla</a:t>
             </a:r>
             <a:r>
-              <a:rPr lang="en-US" sz="1600" dirty="0"/>
+              <a:rPr lang="en-US" sz="1600" dirty="0">
+                <a:latin typeface="Montserrat" charset="0"/>
+              </a:rPr>
               <a:t> </a:t>
             </a:r>
             <a:r>
-              <a:rPr lang="en-US" sz="1600" dirty="0" err="1"/>
+              <a:rPr lang="en-US" sz="1600" dirty="0" err="1" smtClean="0">
+                <a:latin typeface="Montserrat" charset="0"/>
+              </a:rPr>
               <a:t>diskretna</a:t>
             </a:r>
-            <a:r>
-              <a:rPr lang="en-US" sz="1600" dirty="0"/>
-              <a:t>; </a:t>
-            </a:r>
-            <a:r>
-              <a:rPr lang="en-US" sz="1600" dirty="0" err="1"/>
-              <a:t>zahteva</a:t>
-            </a:r>
-            <a:r>
-              <a:rPr lang="en-US" sz="1600" dirty="0"/>
-              <a:t> </a:t>
-            </a:r>
-            <a:r>
-              <a:rPr lang="en-US" sz="1600" dirty="0" err="1"/>
-              <a:t>sortiranje</a:t>
-            </a:r>
-            <a:r>
-              <a:rPr lang="en-US" sz="1600" dirty="0"/>
-              <a:t> </a:t>
-            </a:r>
-            <a:r>
-              <a:rPr lang="en-US" sz="1600" dirty="0" err="1"/>
-              <a:t>vrednosti</a:t>
-            </a:r>
-            <a:r>
-              <a:rPr lang="en-US" sz="1600" dirty="0"/>
-              <a:t> i </a:t>
-            </a:r>
-            <a:r>
-              <a:rPr lang="en-US" sz="1600" dirty="0" err="1"/>
-              <a:t>iterativno</a:t>
-            </a:r>
-            <a:r>
-              <a:rPr lang="en-US" sz="1600" dirty="0"/>
-              <a:t> </a:t>
-            </a:r>
-            <a:r>
-              <a:rPr lang="en-US" sz="1600" dirty="0" err="1"/>
-              <a:t>spajanje</a:t>
-            </a:r>
-            <a:r>
-              <a:rPr lang="en-US" sz="1600" dirty="0"/>
-              <a:t> </a:t>
-            </a:r>
-            <a:r>
-              <a:rPr lang="en-US" sz="1600" dirty="0" err="1"/>
-              <a:t>intervala</a:t>
-            </a:r>
-            <a:r>
-              <a:rPr lang="en-US" sz="1600" dirty="0" smtClean="0"/>
-              <a:t>.</a:t>
-            </a:r>
-            <a:endParaRPr lang="en-US" sz="1600" dirty="0"/>
+            <a:endParaRPr lang="en-US" sz="1600" dirty="0">
+              <a:latin typeface="Montserrat" charset="0"/>
+            </a:endParaRPr>
           </a:p>
         </p:txBody>
       </p:sp>
@@ -19679,7 +19874,7 @@
         <p:spPr>
           <a:xfrm>
             <a:off x="609600" y="1352550"/>
-            <a:ext cx="7620000" cy="2200602"/>
+            <a:ext cx="7620000" cy="2446824"/>
           </a:xfrm>
           <a:prstGeom prst="rect">
             <a:avLst/>
@@ -19700,7 +19895,9 @@
               <a:buChar char="•"/>
             </a:pPr>
             <a:r>
-              <a:rPr lang="sr-Latn-RS" sz="1600" dirty="0" smtClean="0"/>
+              <a:rPr lang="sr-Latn-RS" sz="1600" dirty="0" smtClean="0">
+                <a:latin typeface="Montserrat" charset="0"/>
+              </a:rPr>
               <a:t>Outlier-i su tačke koje značajno odstupaju od većine podataka i mogu iskriviti distribuciju utičući negativno na performanse modela mašinskog učenja </a:t>
             </a:r>
           </a:p>
@@ -19713,7 +19910,9 @@
               <a:buChar char="•"/>
             </a:pPr>
             <a:r>
-              <a:rPr lang="sr-Latn-RS" sz="1600" dirty="0" smtClean="0"/>
+              <a:rPr lang="sr-Latn-RS" sz="1600" dirty="0" smtClean="0">
+                <a:latin typeface="Montserrat" charset="0"/>
+              </a:rPr>
               <a:t>Tipovi odstupanja: </a:t>
             </a:r>
           </a:p>
@@ -19726,7 +19925,9 @@
               <a:buAutoNum type="arabicPeriod"/>
             </a:pPr>
             <a:r>
-              <a:rPr lang="sr-Latn-RS" sz="1600" dirty="0" smtClean="0"/>
+              <a:rPr lang="sr-Latn-RS" sz="1600" dirty="0" smtClean="0">
+                <a:latin typeface="Montserrat" charset="0"/>
+              </a:rPr>
               <a:t>Globalno odstupanje </a:t>
             </a:r>
           </a:p>
@@ -19739,7 +19940,9 @@
               <a:buAutoNum type="arabicPeriod"/>
             </a:pPr>
             <a:r>
-              <a:rPr lang="sr-Latn-RS" sz="1600" dirty="0" smtClean="0"/>
+              <a:rPr lang="sr-Latn-RS" sz="1600" dirty="0" smtClean="0">
+                <a:latin typeface="Montserrat" charset="0"/>
+              </a:rPr>
               <a:t>Lokalno odstupanje </a:t>
             </a:r>
           </a:p>
@@ -19752,7 +19955,9 @@
               <a:buAutoNum type="arabicPeriod"/>
             </a:pPr>
             <a:r>
-              <a:rPr lang="sr-Latn-RS" sz="1600" dirty="0" smtClean="0"/>
+              <a:rPr lang="sr-Latn-RS" sz="1600" dirty="0" smtClean="0">
+                <a:latin typeface="Montserrat" charset="0"/>
+              </a:rPr>
               <a:t>Univarijantna odstupanja</a:t>
             </a:r>
           </a:p>
@@ -19765,7 +19970,9 @@
               <a:buAutoNum type="arabicPeriod"/>
             </a:pPr>
             <a:r>
-              <a:rPr lang="sr-Latn-RS" sz="1600" dirty="0" smtClean="0"/>
+              <a:rPr lang="sr-Latn-RS" sz="1600" dirty="0" smtClean="0">
+                <a:latin typeface="Montserrat" charset="0"/>
+              </a:rPr>
               <a:t>Multivarijantna odstupanja</a:t>
             </a:r>
           </a:p>
@@ -19967,7 +20174,9 @@
               <a:buChar char="•"/>
             </a:pPr>
             <a:r>
-              <a:rPr lang="sr-Latn-RS" sz="1600" dirty="0" smtClean="0"/>
+              <a:rPr lang="sr-Latn-RS" sz="1600" dirty="0" smtClean="0">
+                <a:latin typeface="Montserrat" charset="0"/>
+              </a:rPr>
               <a:t>Box plot</a:t>
             </a:r>
           </a:p>
@@ -19979,7 +20188,9 @@
               <a:buFont typeface="Arial" pitchFamily="34" charset="0"/>
               <a:buChar char="•"/>
             </a:pPr>
-            <a:endParaRPr lang="sr-Latn-RS" sz="1600" dirty="0" smtClean="0"/>
+            <a:endParaRPr lang="sr-Latn-RS" sz="1600" dirty="0" smtClean="0">
+              <a:latin typeface="Montserrat" charset="0"/>
+            </a:endParaRPr>
           </a:p>
         </p:txBody>
       </p:sp>
@@ -20075,8 +20286,8 @@
         </p:nvSpPr>
         <p:spPr>
           <a:xfrm>
-            <a:off x="647700" y="3081471"/>
-            <a:ext cx="1600200" cy="661720"/>
+            <a:off x="533400" y="3081471"/>
+            <a:ext cx="1714500" cy="661720"/>
           </a:xfrm>
           <a:prstGeom prst="rect">
             <a:avLst/>
@@ -20097,7 +20308,9 @@
               <a:buChar char="•"/>
             </a:pPr>
             <a:r>
-              <a:rPr lang="sr-Latn-RS" sz="1600" dirty="0" smtClean="0"/>
+              <a:rPr lang="sr-Latn-RS" sz="1600" dirty="0" smtClean="0">
+                <a:latin typeface="Montserrat" charset="0"/>
+              </a:rPr>
               <a:t>Scatter plot</a:t>
             </a:r>
           </a:p>
@@ -20109,7 +20322,9 @@
               <a:buFont typeface="Arial" pitchFamily="34" charset="0"/>
               <a:buChar char="•"/>
             </a:pPr>
-            <a:endParaRPr lang="sr-Latn-RS" sz="1600" dirty="0" smtClean="0"/>
+            <a:endParaRPr lang="sr-Latn-RS" sz="1600" dirty="0" smtClean="0">
+              <a:latin typeface="Montserrat" charset="0"/>
+            </a:endParaRPr>
           </a:p>
         </p:txBody>
       </p:sp>
@@ -20143,7 +20358,9 @@
               <a:buChar char="•"/>
             </a:pPr>
             <a:r>
-              <a:rPr lang="sr-Latn-RS" sz="1600" dirty="0" smtClean="0"/>
+              <a:rPr lang="sr-Latn-RS" sz="1600" dirty="0" smtClean="0">
+                <a:latin typeface="Montserrat" charset="0"/>
+              </a:rPr>
               <a:t>Histogram</a:t>
             </a:r>
           </a:p>
@@ -20613,7 +20830,7 @@
         <p:spPr>
           <a:xfrm>
             <a:off x="609600" y="1352550"/>
-            <a:ext cx="7620000" cy="2616101"/>
+            <a:ext cx="7620000" cy="1631216"/>
           </a:xfrm>
           <a:prstGeom prst="rect">
             <a:avLst/>
@@ -20634,122 +20851,14 @@
               <a:buChar char="•"/>
             </a:pPr>
             <a:r>
-              <a:rPr lang="en-US" sz="1600" dirty="0"/>
-              <a:t>Z-Score: </a:t>
-            </a:r>
-            <a:r>
-              <a:rPr lang="en-US" sz="1600" dirty="0" err="1"/>
-              <a:t>Mera</a:t>
-            </a:r>
-            <a:r>
-              <a:rPr lang="en-US" sz="1600" dirty="0"/>
-              <a:t> </a:t>
-            </a:r>
-            <a:r>
-              <a:rPr lang="en-US" sz="1600" dirty="0" err="1"/>
-              <a:t>koja</a:t>
-            </a:r>
-            <a:r>
-              <a:rPr lang="en-US" sz="1600" dirty="0"/>
-              <a:t> </a:t>
-            </a:r>
-            <a:r>
-              <a:rPr lang="en-US" sz="1600" dirty="0" err="1"/>
-              <a:t>pokazuje</a:t>
-            </a:r>
-            <a:r>
-              <a:rPr lang="en-US" sz="1600" dirty="0"/>
-              <a:t> </a:t>
-            </a:r>
-            <a:r>
-              <a:rPr lang="en-US" sz="1600" dirty="0" err="1"/>
-              <a:t>koliko</a:t>
-            </a:r>
-            <a:r>
-              <a:rPr lang="en-US" sz="1600" dirty="0"/>
-              <a:t> je </a:t>
-            </a:r>
-            <a:r>
-              <a:rPr lang="en-US" sz="1600" dirty="0" err="1"/>
-              <a:t>standardnih</a:t>
-            </a:r>
-            <a:r>
-              <a:rPr lang="en-US" sz="1600" dirty="0"/>
-              <a:t> </a:t>
-            </a:r>
-            <a:r>
-              <a:rPr lang="en-US" sz="1600" dirty="0" err="1"/>
-              <a:t>devijacija</a:t>
-            </a:r>
-            <a:r>
-              <a:rPr lang="en-US" sz="1600" dirty="0"/>
-              <a:t> </a:t>
-            </a:r>
-            <a:r>
-              <a:rPr lang="en-US" sz="1600" dirty="0" err="1"/>
-              <a:t>neka</a:t>
-            </a:r>
-            <a:r>
-              <a:rPr lang="en-US" sz="1600" dirty="0"/>
-              <a:t> </a:t>
-            </a:r>
-            <a:r>
-              <a:rPr lang="en-US" sz="1600" dirty="0" err="1"/>
-              <a:t>vrednost</a:t>
-            </a:r>
-            <a:r>
-              <a:rPr lang="en-US" sz="1600" dirty="0"/>
-              <a:t> </a:t>
-            </a:r>
-            <a:r>
-              <a:rPr lang="en-US" sz="1600" dirty="0" err="1"/>
-              <a:t>udaljena</a:t>
-            </a:r>
-            <a:r>
-              <a:rPr lang="en-US" sz="1600" dirty="0"/>
-              <a:t> od </a:t>
-            </a:r>
-            <a:r>
-              <a:rPr lang="en-US" sz="1600" dirty="0" err="1"/>
-              <a:t>proseka</a:t>
-            </a:r>
-            <a:r>
-              <a:rPr lang="en-US" sz="1600" dirty="0"/>
-              <a:t>; </a:t>
-            </a:r>
-            <a:r>
-              <a:rPr lang="en-US" sz="1600" dirty="0" err="1"/>
-              <a:t>vrednosti</a:t>
-            </a:r>
-            <a:r>
-              <a:rPr lang="en-US" sz="1600" dirty="0"/>
-              <a:t> </a:t>
-            </a:r>
-            <a:r>
-              <a:rPr lang="en-US" sz="1600" dirty="0" err="1"/>
-              <a:t>sa</a:t>
-            </a:r>
-            <a:r>
-              <a:rPr lang="en-US" sz="1600" dirty="0"/>
-              <a:t> |z| &gt; 3 se </a:t>
-            </a:r>
-            <a:r>
-              <a:rPr lang="en-US" sz="1600" dirty="0" err="1"/>
-              <a:t>smatraju</a:t>
-            </a:r>
-            <a:r>
-              <a:rPr lang="en-US" sz="1600" dirty="0"/>
-              <a:t> </a:t>
-            </a:r>
-            <a:r>
-              <a:rPr lang="en-US" sz="1600" dirty="0" smtClean="0"/>
-              <a:t>outlier-</a:t>
-            </a:r>
-            <a:r>
-              <a:rPr lang="en-US" sz="1600" dirty="0" err="1" smtClean="0"/>
-              <a:t>ima</a:t>
-            </a:r>
-            <a:endParaRPr lang="sr-Latn-RS" sz="1600" dirty="0"/>
+              <a:rPr lang="en-US" sz="1600" dirty="0" smtClean="0">
+                <a:latin typeface="Montserrat" charset="0"/>
+              </a:rPr>
+              <a:t>Z-Score</a:t>
+            </a:r>
+            <a:endParaRPr lang="sr-Latn-RS" sz="1600" dirty="0" smtClean="0">
+              <a:latin typeface="Montserrat" charset="0"/>
+            </a:endParaRPr>
           </a:p>
           <a:p>
             <a:pPr marL="285750" indent="-285750">
@@ -20760,50 +20869,32 @@
               <a:buChar char="•"/>
             </a:pPr>
             <a:r>
-              <a:rPr lang="en-US" sz="1600" dirty="0"/>
-              <a:t>Interquartile Range (IQR): </a:t>
-            </a:r>
-            <a:r>
-              <a:rPr lang="en-US" sz="1600" dirty="0" err="1"/>
-              <a:t>Identifikacija</a:t>
-            </a:r>
-            <a:r>
-              <a:rPr lang="en-US" sz="1600" dirty="0"/>
-              <a:t> </a:t>
-            </a:r>
-            <a:r>
-              <a:rPr lang="en-US" sz="1600" dirty="0" err="1"/>
-              <a:t>tačaka</a:t>
-            </a:r>
-            <a:r>
-              <a:rPr lang="en-US" sz="1600" dirty="0"/>
-              <a:t> </a:t>
-            </a:r>
-            <a:r>
-              <a:rPr lang="en-US" sz="1600" dirty="0" err="1"/>
-              <a:t>koje</a:t>
-            </a:r>
-            <a:r>
-              <a:rPr lang="en-US" sz="1600" dirty="0"/>
-              <a:t> </a:t>
-            </a:r>
-            <a:r>
-              <a:rPr lang="en-US" sz="1600" dirty="0" err="1"/>
-              <a:t>leže</a:t>
-            </a:r>
-            <a:r>
-              <a:rPr lang="en-US" sz="1600" dirty="0"/>
-              <a:t> van 1.5x IQR od Q1 </a:t>
-            </a:r>
-            <a:r>
-              <a:rPr lang="en-US" sz="1600" dirty="0" err="1"/>
-              <a:t>ili</a:t>
-            </a:r>
-            <a:r>
-              <a:rPr lang="en-US" sz="1600" dirty="0"/>
-              <a:t> Q3. </a:t>
-            </a:r>
-            <a:endParaRPr lang="sr-Latn-RS" sz="1600" dirty="0" smtClean="0"/>
+              <a:rPr lang="en-US" sz="1600" dirty="0" smtClean="0">
+                <a:latin typeface="Montserrat" charset="0"/>
+              </a:rPr>
+              <a:t>Interquartile </a:t>
+            </a:r>
+            <a:r>
+              <a:rPr lang="en-US" sz="1600" dirty="0">
+                <a:latin typeface="Montserrat" charset="0"/>
+              </a:rPr>
+              <a:t>Range (</a:t>
+            </a:r>
+            <a:r>
+              <a:rPr lang="en-US" sz="1600" dirty="0" smtClean="0">
+                <a:latin typeface="Montserrat" charset="0"/>
+              </a:rPr>
+              <a:t>IQR</a:t>
+            </a:r>
+            <a:r>
+              <a:rPr lang="sr-Latn-RS" sz="1600" dirty="0">
+                <a:latin typeface="Montserrat" charset="0"/>
+              </a:rPr>
+              <a:t>)</a:t>
+            </a:r>
+            <a:endParaRPr lang="sr-Latn-RS" sz="1600" dirty="0" smtClean="0">
+              <a:latin typeface="Montserrat" charset="0"/>
+            </a:endParaRPr>
           </a:p>
           <a:p>
             <a:pPr marL="285750" indent="-285750">
@@ -20814,66 +20905,14 @@
               <a:buChar char="•"/>
             </a:pPr>
             <a:r>
-              <a:rPr lang="en-US" sz="1600" dirty="0"/>
-              <a:t>Percentile: </a:t>
-            </a:r>
-            <a:r>
-              <a:rPr lang="en-US" sz="1600" dirty="0" err="1"/>
-              <a:t>Klasifikacija</a:t>
-            </a:r>
-            <a:r>
-              <a:rPr lang="en-US" sz="1600" dirty="0"/>
-              <a:t> </a:t>
-            </a:r>
-            <a:r>
-              <a:rPr lang="en-US" sz="1600" dirty="0" err="1"/>
-              <a:t>vrednosti</a:t>
-            </a:r>
-            <a:r>
-              <a:rPr lang="en-US" sz="1600" dirty="0"/>
-              <a:t> </a:t>
-            </a:r>
-            <a:r>
-              <a:rPr lang="en-US" sz="1600" dirty="0" err="1"/>
-              <a:t>ispod</a:t>
-            </a:r>
-            <a:r>
-              <a:rPr lang="en-US" sz="1600" dirty="0"/>
-              <a:t> 1. </a:t>
-            </a:r>
-            <a:r>
-              <a:rPr lang="en-US" sz="1600" dirty="0" err="1"/>
-              <a:t>ili</a:t>
-            </a:r>
-            <a:r>
-              <a:rPr lang="en-US" sz="1600" dirty="0"/>
-              <a:t> </a:t>
-            </a:r>
-            <a:r>
-              <a:rPr lang="en-US" sz="1600" dirty="0" err="1"/>
-              <a:t>iznad</a:t>
-            </a:r>
-            <a:r>
-              <a:rPr lang="en-US" sz="1600" dirty="0"/>
-              <a:t> 99. </a:t>
-            </a:r>
-            <a:r>
-              <a:rPr lang="en-US" sz="1600" dirty="0" err="1"/>
-              <a:t>percentila</a:t>
-            </a:r>
-            <a:r>
-              <a:rPr lang="en-US" sz="1600" dirty="0"/>
-              <a:t> </a:t>
-            </a:r>
-            <a:r>
-              <a:rPr lang="en-US" sz="1600" dirty="0" err="1"/>
-              <a:t>kao</a:t>
-            </a:r>
-            <a:r>
-              <a:rPr lang="en-US" sz="1600" dirty="0"/>
-              <a:t> outlier-a. </a:t>
-            </a:r>
-            <a:endParaRPr lang="sr-Latn-RS" sz="1600" dirty="0" smtClean="0"/>
+              <a:rPr lang="en-US" sz="1600" dirty="0" smtClean="0">
+                <a:latin typeface="Montserrat" charset="0"/>
+              </a:rPr>
+              <a:t>Percentile</a:t>
+            </a:r>
+            <a:endParaRPr lang="sr-Latn-RS" sz="1600" dirty="0" smtClean="0">
+              <a:latin typeface="Montserrat" charset="0"/>
+            </a:endParaRPr>
           </a:p>
           <a:p>
             <a:pPr marL="285750" indent="-285750">
@@ -20884,138 +20923,14 @@
               <a:buChar char="•"/>
             </a:pPr>
             <a:r>
-              <a:rPr lang="en-US" sz="1600" dirty="0"/>
-              <a:t>DBSCAN: </a:t>
-            </a:r>
-            <a:r>
-              <a:rPr lang="en-US" sz="1600" dirty="0" err="1"/>
-              <a:t>Klasterizacija</a:t>
-            </a:r>
-            <a:r>
-              <a:rPr lang="en-US" sz="1600" dirty="0"/>
-              <a:t> </a:t>
-            </a:r>
-            <a:r>
-              <a:rPr lang="en-US" sz="1600" dirty="0" err="1"/>
-              <a:t>zasnovana</a:t>
-            </a:r>
-            <a:r>
-              <a:rPr lang="en-US" sz="1600" dirty="0"/>
-              <a:t> </a:t>
-            </a:r>
-            <a:r>
-              <a:rPr lang="en-US" sz="1600" dirty="0" err="1"/>
-              <a:t>na</a:t>
-            </a:r>
-            <a:r>
-              <a:rPr lang="en-US" sz="1600" dirty="0"/>
-              <a:t> </a:t>
-            </a:r>
-            <a:r>
-              <a:rPr lang="en-US" sz="1600" dirty="0" err="1"/>
-              <a:t>gustini</a:t>
-            </a:r>
-            <a:r>
-              <a:rPr lang="en-US" sz="1600" dirty="0"/>
-              <a:t> </a:t>
-            </a:r>
-            <a:r>
-              <a:rPr lang="en-US" sz="1600" dirty="0" err="1"/>
-              <a:t>koja</a:t>
-            </a:r>
-            <a:r>
-              <a:rPr lang="en-US" sz="1600" dirty="0"/>
-              <a:t> </a:t>
-            </a:r>
-            <a:r>
-              <a:rPr lang="en-US" sz="1600" dirty="0" err="1"/>
-              <a:t>automatski</a:t>
-            </a:r>
-            <a:r>
-              <a:rPr lang="en-US" sz="1600" dirty="0"/>
-              <a:t> </a:t>
-            </a:r>
-            <a:r>
-              <a:rPr lang="en-US" sz="1600" dirty="0" err="1"/>
-              <a:t>detektuje</a:t>
-            </a:r>
-            <a:r>
-              <a:rPr lang="en-US" sz="1600" dirty="0"/>
-              <a:t> </a:t>
-            </a:r>
-            <a:r>
-              <a:rPr lang="en-US" sz="1600" dirty="0" err="1"/>
-              <a:t>outlieri</a:t>
-            </a:r>
-            <a:r>
-              <a:rPr lang="en-US" sz="1600" dirty="0"/>
-              <a:t> </a:t>
-            </a:r>
-            <a:r>
-              <a:rPr lang="en-US" sz="1600" dirty="0" err="1"/>
-              <a:t>kao</a:t>
-            </a:r>
-            <a:r>
-              <a:rPr lang="en-US" sz="1600" dirty="0"/>
-              <a:t> </a:t>
-            </a:r>
-            <a:r>
-              <a:rPr lang="en-US" sz="1600" dirty="0" err="1"/>
-              <a:t>tačke</a:t>
-            </a:r>
-            <a:r>
-              <a:rPr lang="en-US" sz="1600" dirty="0"/>
-              <a:t> </a:t>
-            </a:r>
-            <a:r>
-              <a:rPr lang="en-US" sz="1600" dirty="0" err="1"/>
-              <a:t>koje</a:t>
-            </a:r>
-            <a:r>
-              <a:rPr lang="en-US" sz="1600" dirty="0"/>
-              <a:t> </a:t>
-            </a:r>
-            <a:r>
-              <a:rPr lang="en-US" sz="1600" dirty="0" err="1"/>
-              <a:t>nemaju</a:t>
-            </a:r>
-            <a:r>
-              <a:rPr lang="en-US" sz="1600" dirty="0"/>
-              <a:t> </a:t>
-            </a:r>
-            <a:r>
-              <a:rPr lang="en-US" sz="1600" dirty="0" err="1"/>
-              <a:t>dovoljno</a:t>
-            </a:r>
-            <a:r>
-              <a:rPr lang="en-US" sz="1600" dirty="0"/>
-              <a:t> </a:t>
-            </a:r>
-            <a:r>
-              <a:rPr lang="en-US" sz="1600" dirty="0" err="1"/>
-              <a:t>gustine</a:t>
-            </a:r>
-            <a:r>
-              <a:rPr lang="en-US" sz="1600" dirty="0"/>
-              <a:t> </a:t>
-            </a:r>
-            <a:r>
-              <a:rPr lang="en-US" sz="1600" dirty="0" err="1"/>
-              <a:t>okolnih</a:t>
-            </a:r>
-            <a:r>
-              <a:rPr lang="en-US" sz="1600" dirty="0"/>
-              <a:t> </a:t>
-            </a:r>
-            <a:r>
-              <a:rPr lang="en-US" sz="1600" dirty="0" err="1"/>
-              <a:t>tačaka</a:t>
-            </a:r>
-            <a:r>
-              <a:rPr lang="en-US" sz="1600" dirty="0"/>
-              <a:t>. </a:t>
-            </a:r>
-            <a:endParaRPr lang="sr-Latn-RS" sz="1600" dirty="0" smtClean="0"/>
+              <a:rPr lang="en-US" sz="1600" dirty="0" smtClean="0">
+                <a:latin typeface="Montserrat" charset="0"/>
+              </a:rPr>
+              <a:t>DBSCAN</a:t>
+            </a:r>
+            <a:endParaRPr lang="sr-Latn-RS" sz="1600" dirty="0" smtClean="0">
+              <a:latin typeface="Montserrat" charset="0"/>
+            </a:endParaRPr>
           </a:p>
           <a:p>
             <a:pPr marL="285750" indent="-285750">
@@ -21026,122 +20941,14 @@
               <a:buChar char="•"/>
             </a:pPr>
             <a:r>
-              <a:rPr lang="en-US" sz="1600" dirty="0"/>
-              <a:t>Isolation Forest: </a:t>
-            </a:r>
-            <a:r>
-              <a:rPr lang="en-US" sz="1600" dirty="0" err="1"/>
-              <a:t>Algoritam</a:t>
-            </a:r>
-            <a:r>
-              <a:rPr lang="en-US" sz="1600" dirty="0"/>
-              <a:t> </a:t>
-            </a:r>
-            <a:r>
-              <a:rPr lang="en-US" sz="1600" dirty="0" err="1"/>
-              <a:t>koji</a:t>
-            </a:r>
-            <a:r>
-              <a:rPr lang="en-US" sz="1600" dirty="0"/>
-              <a:t> </a:t>
-            </a:r>
-            <a:r>
-              <a:rPr lang="en-US" sz="1600" dirty="0" err="1"/>
-              <a:t>izoluje</a:t>
-            </a:r>
-            <a:r>
-              <a:rPr lang="en-US" sz="1600" dirty="0"/>
-              <a:t> outlier-e </a:t>
-            </a:r>
-            <a:r>
-              <a:rPr lang="en-US" sz="1600" dirty="0" err="1"/>
-              <a:t>kroz</a:t>
-            </a:r>
-            <a:r>
-              <a:rPr lang="en-US" sz="1600" dirty="0"/>
-              <a:t> </a:t>
-            </a:r>
-            <a:r>
-              <a:rPr lang="en-US" sz="1600" dirty="0" err="1"/>
-              <a:t>ansambl</a:t>
-            </a:r>
-            <a:r>
-              <a:rPr lang="en-US" sz="1600" dirty="0"/>
-              <a:t> </a:t>
-            </a:r>
-            <a:r>
-              <a:rPr lang="en-US" sz="1600" dirty="0" err="1"/>
-              <a:t>binarnih</a:t>
-            </a:r>
-            <a:r>
-              <a:rPr lang="en-US" sz="1600" dirty="0"/>
-              <a:t> </a:t>
-            </a:r>
-            <a:r>
-              <a:rPr lang="en-US" sz="1600" dirty="0" err="1"/>
-              <a:t>stabala</a:t>
-            </a:r>
-            <a:r>
-              <a:rPr lang="en-US" sz="1600" dirty="0"/>
-              <a:t> </a:t>
-            </a:r>
-            <a:r>
-              <a:rPr lang="en-US" sz="1600" dirty="0" err="1"/>
-              <a:t>odlučivanja</a:t>
-            </a:r>
-            <a:r>
-              <a:rPr lang="en-US" sz="1600" dirty="0"/>
-              <a:t>, </a:t>
-            </a:r>
-            <a:r>
-              <a:rPr lang="en-US" sz="1600" dirty="0" err="1"/>
-              <a:t>gde</a:t>
-            </a:r>
-            <a:r>
-              <a:rPr lang="en-US" sz="1600" dirty="0"/>
-              <a:t> </a:t>
-            </a:r>
-            <a:r>
-              <a:rPr lang="en-US" sz="1600" dirty="0" err="1"/>
-              <a:t>outlieri</a:t>
-            </a:r>
-            <a:r>
-              <a:rPr lang="en-US" sz="1600" dirty="0"/>
-              <a:t> </a:t>
-            </a:r>
-            <a:r>
-              <a:rPr lang="en-US" sz="1600" dirty="0" err="1"/>
-              <a:t>imaju</a:t>
-            </a:r>
-            <a:r>
-              <a:rPr lang="en-US" sz="1600" dirty="0"/>
-              <a:t> </a:t>
-            </a:r>
-            <a:r>
-              <a:rPr lang="en-US" sz="1600" dirty="0" err="1"/>
-              <a:t>kraće</a:t>
-            </a:r>
-            <a:r>
-              <a:rPr lang="en-US" sz="1600" dirty="0"/>
-              <a:t> </a:t>
-            </a:r>
-            <a:r>
-              <a:rPr lang="en-US" sz="1600" dirty="0" err="1"/>
-              <a:t>puteve</a:t>
-            </a:r>
-            <a:r>
-              <a:rPr lang="en-US" sz="1600" dirty="0"/>
-              <a:t> </a:t>
-            </a:r>
-            <a:r>
-              <a:rPr lang="en-US" sz="1600" dirty="0" err="1"/>
-              <a:t>izolacije</a:t>
-            </a:r>
-            <a:r>
-              <a:rPr lang="en-US" sz="1600" dirty="0"/>
-              <a:t>. </a:t>
-            </a:r>
-            <a:endParaRPr lang="sr-Latn-RS" sz="1600" dirty="0" smtClean="0"/>
+              <a:rPr lang="en-US" sz="1600" dirty="0" smtClean="0">
+                <a:latin typeface="Montserrat" charset="0"/>
+              </a:rPr>
+              <a:t>Isolation Forest</a:t>
+            </a:r>
+            <a:endParaRPr lang="sr-Latn-RS" sz="1600" dirty="0" smtClean="0">
+              <a:latin typeface="Montserrat" charset="0"/>
+            </a:endParaRPr>
           </a:p>
         </p:txBody>
       </p:sp>
@@ -21338,7 +21145,7 @@
         <p:spPr>
           <a:xfrm>
             <a:off x="533400" y="1123950"/>
-            <a:ext cx="7696200" cy="4078039"/>
+            <a:ext cx="7696200" cy="2277547"/>
           </a:xfrm>
           <a:prstGeom prst="rect">
             <a:avLst/>
@@ -21359,66 +21166,38 @@
               <a:buChar char="•"/>
             </a:pPr>
             <a:r>
-              <a:rPr lang="en-US" sz="1600" dirty="0" err="1"/>
+              <a:rPr lang="en-US" sz="1600" dirty="0" err="1">
+                <a:latin typeface="Montserrat" charset="0"/>
+              </a:rPr>
               <a:t>Uklanjanje</a:t>
             </a:r>
             <a:r>
-              <a:rPr lang="en-US" sz="1600" dirty="0"/>
+              <a:rPr lang="en-US" sz="1600" dirty="0">
+                <a:latin typeface="Montserrat" charset="0"/>
+              </a:rPr>
               <a:t> </a:t>
             </a:r>
             <a:r>
-              <a:rPr lang="en-US" sz="1600" dirty="0" err="1"/>
+              <a:rPr lang="en-US" sz="1600" dirty="0" err="1">
+                <a:latin typeface="Montserrat" charset="0"/>
+              </a:rPr>
               <a:t>outliera</a:t>
             </a:r>
             <a:r>
-              <a:rPr lang="en-US" sz="1600" dirty="0"/>
-              <a:t> (Trimming): </a:t>
-            </a:r>
-            <a:r>
-              <a:rPr lang="en-US" sz="1600" dirty="0" err="1"/>
-              <a:t>Direktno</a:t>
-            </a:r>
-            <a:r>
-              <a:rPr lang="en-US" sz="1600" dirty="0"/>
-              <a:t> </a:t>
-            </a:r>
-            <a:r>
-              <a:rPr lang="en-US" sz="1600" dirty="0" err="1"/>
-              <a:t>uklanjanje</a:t>
-            </a:r>
-            <a:r>
-              <a:rPr lang="en-US" sz="1600" dirty="0"/>
-              <a:t> </a:t>
-            </a:r>
-            <a:r>
-              <a:rPr lang="sr-Latn-RS" sz="1600" dirty="0" smtClean="0"/>
-              <a:t>outlier-a </a:t>
-            </a:r>
-            <a:r>
-              <a:rPr lang="en-US" sz="1600" dirty="0" err="1" smtClean="0"/>
-              <a:t>iz</a:t>
-            </a:r>
-            <a:r>
-              <a:rPr lang="en-US" sz="1600" dirty="0" smtClean="0"/>
-              <a:t> </a:t>
-            </a:r>
-            <a:r>
-              <a:rPr lang="en-US" sz="1600" dirty="0" err="1"/>
-              <a:t>skupa</a:t>
-            </a:r>
-            <a:r>
-              <a:rPr lang="en-US" sz="1600" dirty="0"/>
-              <a:t> </a:t>
-            </a:r>
-            <a:r>
-              <a:rPr lang="en-US" sz="1600" dirty="0" err="1"/>
-              <a:t>podataka</a:t>
-            </a:r>
-            <a:r>
-              <a:rPr lang="en-US" sz="1600" dirty="0"/>
-              <a:t>. </a:t>
-            </a:r>
-            <a:endParaRPr lang="sr-Latn-RS" sz="1600" dirty="0" smtClean="0"/>
+              <a:rPr lang="en-US" sz="1600" dirty="0">
+                <a:latin typeface="Montserrat" charset="0"/>
+              </a:rPr>
+              <a:t> (</a:t>
+            </a:r>
+            <a:r>
+              <a:rPr lang="en-US" sz="1600" dirty="0" smtClean="0">
+                <a:latin typeface="Montserrat" charset="0"/>
+              </a:rPr>
+              <a:t>Trimming</a:t>
+            </a:r>
+            <a:endParaRPr lang="sr-Latn-RS" sz="1600" dirty="0" smtClean="0">
+              <a:latin typeface="Montserrat" charset="0"/>
+            </a:endParaRPr>
           </a:p>
           <a:p>
             <a:pPr marL="285750" indent="-285750">
@@ -21429,118 +21208,35 @@
               <a:buChar char="•"/>
             </a:pPr>
             <a:r>
-              <a:rPr lang="en-US" sz="1600" dirty="0" err="1"/>
+              <a:rPr lang="en-US" sz="1600" dirty="0" err="1" smtClean="0">
+                <a:latin typeface="Montserrat" charset="0"/>
+              </a:rPr>
               <a:t>Kraćenje</a:t>
             </a:r>
             <a:r>
-              <a:rPr lang="en-US" sz="1600" dirty="0"/>
-              <a:t> (Capping): </a:t>
-            </a:r>
-            <a:r>
-              <a:rPr lang="en-US" sz="1600" dirty="0" err="1"/>
-              <a:t>Postavljanje</a:t>
-            </a:r>
-            <a:r>
-              <a:rPr lang="en-US" sz="1600" dirty="0"/>
+              <a:rPr lang="en-US" sz="1600" dirty="0" smtClean="0">
+                <a:latin typeface="Montserrat" charset="0"/>
+              </a:rPr>
               <a:t> </a:t>
             </a:r>
             <a:r>
-              <a:rPr lang="en-US" sz="1600" dirty="0" err="1"/>
-              <a:t>vrednosti</a:t>
-            </a:r>
-            <a:r>
-              <a:rPr lang="en-US" sz="1600" dirty="0"/>
-              <a:t> </a:t>
-            </a:r>
-            <a:r>
-              <a:rPr lang="en-US" sz="1600" dirty="0" err="1"/>
-              <a:t>iznad</a:t>
-            </a:r>
-            <a:r>
-              <a:rPr lang="en-US" sz="1600" dirty="0"/>
-              <a:t> </a:t>
-            </a:r>
-            <a:r>
-              <a:rPr lang="en-US" sz="1600" dirty="0" err="1"/>
-              <a:t>ili</a:t>
-            </a:r>
-            <a:r>
-              <a:rPr lang="en-US" sz="1600" dirty="0"/>
-              <a:t> </a:t>
-            </a:r>
-            <a:r>
-              <a:rPr lang="en-US" sz="1600" dirty="0" err="1"/>
-              <a:t>ispod</a:t>
-            </a:r>
-            <a:r>
-              <a:rPr lang="en-US" sz="1600" dirty="0"/>
-              <a:t> </a:t>
-            </a:r>
-            <a:r>
-              <a:rPr lang="en-US" sz="1600" dirty="0" err="1"/>
-              <a:t>određenih</a:t>
-            </a:r>
-            <a:r>
-              <a:rPr lang="en-US" sz="1600" dirty="0"/>
-              <a:t> </a:t>
-            </a:r>
-            <a:r>
-              <a:rPr lang="en-US" sz="1600" dirty="0" err="1"/>
-              <a:t>pragova</a:t>
-            </a:r>
-            <a:r>
-              <a:rPr lang="en-US" sz="1600" dirty="0"/>
-              <a:t> </a:t>
-            </a:r>
-            <a:r>
-              <a:rPr lang="en-US" sz="1600" dirty="0" err="1"/>
-              <a:t>na</a:t>
-            </a:r>
-            <a:r>
-              <a:rPr lang="en-US" sz="1600" dirty="0"/>
-              <a:t> </a:t>
-            </a:r>
-            <a:r>
-              <a:rPr lang="en-US" sz="1600" dirty="0" err="1"/>
-              <a:t>maksimalne</a:t>
-            </a:r>
-            <a:r>
-              <a:rPr lang="en-US" sz="1600" dirty="0"/>
-              <a:t> </a:t>
-            </a:r>
-            <a:r>
-              <a:rPr lang="en-US" sz="1600" dirty="0" err="1"/>
-              <a:t>ili</a:t>
-            </a:r>
-            <a:r>
-              <a:rPr lang="en-US" sz="1600" dirty="0"/>
-              <a:t> </a:t>
-            </a:r>
-            <a:r>
-              <a:rPr lang="en-US" sz="1600" dirty="0" err="1"/>
-              <a:t>minimalne</a:t>
-            </a:r>
-            <a:r>
-              <a:rPr lang="en-US" sz="1600" dirty="0"/>
-              <a:t> </a:t>
-            </a:r>
-            <a:r>
-              <a:rPr lang="en-US" sz="1600" dirty="0" err="1"/>
-              <a:t>dozvoljene</a:t>
-            </a:r>
-            <a:r>
-              <a:rPr lang="en-US" sz="1600" dirty="0"/>
-              <a:t> </a:t>
-            </a:r>
-            <a:r>
-              <a:rPr lang="en-US" sz="1600" dirty="0" err="1"/>
-              <a:t>vrednosti</a:t>
-            </a:r>
-            <a:r>
-              <a:rPr lang="en-US" sz="1600" dirty="0"/>
-              <a:t>. </a:t>
-            </a:r>
-            <a:endParaRPr lang="sr-Latn-RS" sz="1600" dirty="0" smtClean="0"/>
+              <a:rPr lang="en-US" sz="1600" dirty="0">
+                <a:latin typeface="Montserrat" charset="0"/>
+              </a:rPr>
+              <a:t>(</a:t>
+            </a:r>
+            <a:r>
+              <a:rPr lang="en-US" sz="1600" dirty="0" smtClean="0">
+                <a:latin typeface="Montserrat" charset="0"/>
+              </a:rPr>
+              <a:t>Capping</a:t>
+            </a:r>
+            <a:r>
+              <a:rPr lang="sr-Latn-RS" sz="1600" dirty="0" smtClean="0">
+                <a:latin typeface="Montserrat" charset="0"/>
+              </a:rPr>
+              <a:t>)</a:t>
+            </a:r>
           </a:p>
           <a:p>
             <a:pPr marL="285750" indent="-285750">
@@ -21551,78 +21247,14 @@
               <a:buChar char="•"/>
             </a:pPr>
             <a:r>
-              <a:rPr lang="en-US" sz="1600" dirty="0" err="1"/>
+              <a:rPr lang="en-US" sz="1600" dirty="0" err="1" smtClean="0">
+                <a:latin typeface="Montserrat" charset="0"/>
+              </a:rPr>
               <a:t>Transformacija</a:t>
             </a:r>
-            <a:r>
-              <a:rPr lang="en-US" sz="1600" dirty="0"/>
-              <a:t>: </a:t>
-            </a:r>
-            <a:r>
-              <a:rPr lang="en-US" sz="1600" dirty="0" err="1"/>
-              <a:t>Primena</a:t>
-            </a:r>
-            <a:r>
-              <a:rPr lang="en-US" sz="1600" dirty="0"/>
-              <a:t> </a:t>
-            </a:r>
-            <a:r>
-              <a:rPr lang="en-US" sz="1600" dirty="0" err="1"/>
-              <a:t>matematičkih</a:t>
-            </a:r>
-            <a:r>
-              <a:rPr lang="en-US" sz="1600" dirty="0"/>
-              <a:t> </a:t>
-            </a:r>
-            <a:r>
-              <a:rPr lang="en-US" sz="1600" dirty="0" err="1"/>
-              <a:t>transformacija</a:t>
-            </a:r>
-            <a:r>
-              <a:rPr lang="en-US" sz="1600" dirty="0"/>
-              <a:t> (</a:t>
-            </a:r>
-            <a:r>
-              <a:rPr lang="en-US" sz="1600" dirty="0" err="1"/>
-              <a:t>npr</a:t>
-            </a:r>
-            <a:r>
-              <a:rPr lang="en-US" sz="1600" dirty="0"/>
-              <a:t>. </a:t>
-            </a:r>
-            <a:r>
-              <a:rPr lang="en-US" sz="1600" dirty="0" err="1"/>
-              <a:t>logaritamska</a:t>
-            </a:r>
-            <a:r>
-              <a:rPr lang="en-US" sz="1600" dirty="0"/>
-              <a:t>) </a:t>
-            </a:r>
-            <a:r>
-              <a:rPr lang="en-US" sz="1600" dirty="0" err="1"/>
-              <a:t>za</a:t>
-            </a:r>
-            <a:r>
-              <a:rPr lang="en-US" sz="1600" dirty="0"/>
-              <a:t> </a:t>
-            </a:r>
-            <a:r>
-              <a:rPr lang="en-US" sz="1600" dirty="0" err="1"/>
-              <a:t>smanjenje</a:t>
-            </a:r>
-            <a:r>
-              <a:rPr lang="en-US" sz="1600" dirty="0"/>
-              <a:t> </a:t>
-            </a:r>
-            <a:r>
-              <a:rPr lang="en-US" sz="1600" dirty="0" err="1"/>
-              <a:t>uticaja</a:t>
-            </a:r>
-            <a:r>
-              <a:rPr lang="en-US" sz="1600" dirty="0"/>
-              <a:t> outlier-a. </a:t>
-            </a:r>
-            <a:endParaRPr lang="sr-Latn-RS" sz="1600" dirty="0" smtClean="0"/>
+            <a:endParaRPr lang="sr-Latn-RS" sz="1600" dirty="0" smtClean="0">
+              <a:latin typeface="Montserrat" charset="0"/>
+            </a:endParaRPr>
           </a:p>
           <a:p>
             <a:pPr marL="285750" indent="-285750">
@@ -21633,102 +21265,14 @@
               <a:buChar char="•"/>
             </a:pPr>
             <a:r>
-              <a:rPr lang="en-US" sz="1600" dirty="0" err="1"/>
+              <a:rPr lang="en-US" sz="1600" dirty="0" err="1" smtClean="0">
+                <a:latin typeface="Montserrat" charset="0"/>
+              </a:rPr>
               <a:t>Imputacija</a:t>
             </a:r>
-            <a:r>
-              <a:rPr lang="en-US" sz="1600" dirty="0"/>
-              <a:t>: </a:t>
-            </a:r>
-            <a:r>
-              <a:rPr lang="en-US" sz="1600" dirty="0" err="1"/>
-              <a:t>Zamena</a:t>
-            </a:r>
-            <a:r>
-              <a:rPr lang="en-US" sz="1600" dirty="0"/>
-              <a:t> </a:t>
-            </a:r>
-            <a:r>
-              <a:rPr lang="en-US" sz="1600" dirty="0" err="1"/>
-              <a:t>outliera</a:t>
-            </a:r>
-            <a:r>
-              <a:rPr lang="en-US" sz="1600" dirty="0"/>
-              <a:t> </a:t>
-            </a:r>
-            <a:r>
-              <a:rPr lang="en-US" sz="1600" dirty="0" err="1"/>
-              <a:t>sa</a:t>
-            </a:r>
-            <a:r>
-              <a:rPr lang="en-US" sz="1600" dirty="0"/>
-              <a:t> </a:t>
-            </a:r>
-            <a:r>
-              <a:rPr lang="en-US" sz="1600" dirty="0" err="1"/>
-              <a:t>odgovarajućim</a:t>
-            </a:r>
-            <a:r>
-              <a:rPr lang="en-US" sz="1600" dirty="0"/>
-              <a:t> </a:t>
-            </a:r>
-            <a:r>
-              <a:rPr lang="en-US" sz="1600" dirty="0" err="1"/>
-              <a:t>vrednostima</a:t>
-            </a:r>
-            <a:r>
-              <a:rPr lang="en-US" sz="1600" dirty="0"/>
-              <a:t> </a:t>
-            </a:r>
-            <a:r>
-              <a:rPr lang="en-US" sz="1600" dirty="0" err="1"/>
-              <a:t>kao</a:t>
-            </a:r>
-            <a:r>
-              <a:rPr lang="en-US" sz="1600" dirty="0"/>
-              <a:t> </a:t>
-            </a:r>
-            <a:r>
-              <a:rPr lang="en-US" sz="1600" dirty="0" err="1"/>
-              <a:t>što</a:t>
-            </a:r>
-            <a:r>
-              <a:rPr lang="en-US" sz="1600" dirty="0"/>
-              <a:t> </a:t>
-            </a:r>
-            <a:r>
-              <a:rPr lang="en-US" sz="1600" dirty="0" err="1"/>
-              <a:t>su</a:t>
-            </a:r>
-            <a:r>
-              <a:rPr lang="en-US" sz="1600" dirty="0"/>
-              <a:t> </a:t>
-            </a:r>
-            <a:r>
-              <a:rPr lang="en-US" sz="1600" dirty="0" err="1"/>
-              <a:t>medijana</a:t>
-            </a:r>
-            <a:r>
-              <a:rPr lang="en-US" sz="1600" dirty="0"/>
-              <a:t> </a:t>
-            </a:r>
-            <a:r>
-              <a:rPr lang="en-US" sz="1600" dirty="0" err="1"/>
-              <a:t>ili</a:t>
-            </a:r>
-            <a:r>
-              <a:rPr lang="en-US" sz="1600" dirty="0"/>
-              <a:t> </a:t>
-            </a:r>
-            <a:r>
-              <a:rPr lang="en-US" sz="1600" dirty="0" err="1"/>
-              <a:t>prosek</a:t>
-            </a:r>
-            <a:r>
-              <a:rPr lang="en-US" sz="1600" dirty="0"/>
-              <a:t>. </a:t>
-            </a:r>
-            <a:endParaRPr lang="sr-Latn-RS" sz="1600" dirty="0" smtClean="0"/>
+            <a:endParaRPr lang="sr-Latn-RS" sz="1600" dirty="0" smtClean="0">
+              <a:latin typeface="Montserrat" charset="0"/>
+            </a:endParaRPr>
           </a:p>
           <a:p>
             <a:pPr marL="285750" indent="-285750">
@@ -21739,102 +21283,14 @@
               <a:buChar char="•"/>
             </a:pPr>
             <a:r>
-              <a:rPr lang="en-US" sz="1600" dirty="0" err="1"/>
+              <a:rPr lang="en-US" sz="1600" dirty="0" err="1" smtClean="0">
+                <a:latin typeface="Montserrat" charset="0"/>
+              </a:rPr>
               <a:t>Vinzorizacija</a:t>
             </a:r>
-            <a:r>
-              <a:rPr lang="en-US" sz="1600" dirty="0"/>
-              <a:t>: </a:t>
-            </a:r>
-            <a:r>
-              <a:rPr lang="en-US" sz="1600" dirty="0" err="1"/>
-              <a:t>Postavljanje</a:t>
-            </a:r>
-            <a:r>
-              <a:rPr lang="en-US" sz="1600" dirty="0"/>
-              <a:t> </a:t>
-            </a:r>
-            <a:r>
-              <a:rPr lang="en-US" sz="1600" dirty="0" err="1"/>
-              <a:t>ekstremnih</a:t>
-            </a:r>
-            <a:r>
-              <a:rPr lang="en-US" sz="1600" dirty="0"/>
-              <a:t> </a:t>
-            </a:r>
-            <a:r>
-              <a:rPr lang="en-US" sz="1600" dirty="0" err="1"/>
-              <a:t>vrednosti</a:t>
-            </a:r>
-            <a:r>
-              <a:rPr lang="en-US" sz="1600" dirty="0"/>
-              <a:t> </a:t>
-            </a:r>
-            <a:r>
-              <a:rPr lang="en-US" sz="1600" dirty="0" err="1"/>
-              <a:t>na</a:t>
-            </a:r>
-            <a:r>
-              <a:rPr lang="en-US" sz="1600" dirty="0"/>
-              <a:t> </a:t>
-            </a:r>
-            <a:r>
-              <a:rPr lang="en-US" sz="1600" dirty="0" err="1"/>
-              <a:t>određene</a:t>
-            </a:r>
-            <a:r>
-              <a:rPr lang="en-US" sz="1600" dirty="0"/>
-              <a:t> </a:t>
-            </a:r>
-            <a:r>
-              <a:rPr lang="en-US" sz="1600" dirty="0" err="1"/>
-              <a:t>pragove</a:t>
-            </a:r>
-            <a:r>
-              <a:rPr lang="en-US" sz="1600" dirty="0"/>
-              <a:t>, </a:t>
-            </a:r>
-            <a:r>
-              <a:rPr lang="en-US" sz="1600" dirty="0" err="1"/>
-              <a:t>smanjujući</a:t>
-            </a:r>
-            <a:r>
-              <a:rPr lang="en-US" sz="1600" dirty="0"/>
-              <a:t> </a:t>
-            </a:r>
-            <a:r>
-              <a:rPr lang="en-US" sz="1600" dirty="0" err="1"/>
-              <a:t>njihov</a:t>
-            </a:r>
-            <a:r>
-              <a:rPr lang="en-US" sz="1600" dirty="0"/>
-              <a:t> </a:t>
-            </a:r>
-            <a:r>
-              <a:rPr lang="en-US" sz="1600" dirty="0" err="1"/>
-              <a:t>uticaj</a:t>
-            </a:r>
-            <a:r>
-              <a:rPr lang="en-US" sz="1600" dirty="0"/>
-              <a:t> bez </a:t>
-            </a:r>
-            <a:r>
-              <a:rPr lang="en-US" sz="1600" dirty="0" err="1"/>
-              <a:t>potpunog</a:t>
-            </a:r>
-            <a:r>
-              <a:rPr lang="en-US" sz="1600" dirty="0"/>
-              <a:t> </a:t>
-            </a:r>
-            <a:r>
-              <a:rPr lang="en-US" sz="1600" dirty="0" err="1"/>
-              <a:t>uklanjanja</a:t>
-            </a:r>
-            <a:r>
-              <a:rPr lang="en-US" sz="1600" dirty="0"/>
-              <a:t>. </a:t>
-            </a:r>
-            <a:endParaRPr lang="sr-Latn-RS" sz="1600" dirty="0" smtClean="0"/>
+            <a:endParaRPr lang="sr-Latn-RS" sz="1600" dirty="0" smtClean="0">
+              <a:latin typeface="Montserrat" charset="0"/>
+            </a:endParaRPr>
           </a:p>
           <a:p>
             <a:pPr marL="285750" indent="-285750">
@@ -21845,126 +21301,38 @@
               <a:buChar char="•"/>
             </a:pPr>
             <a:r>
-              <a:rPr lang="en-US" sz="1600" dirty="0" err="1"/>
+              <a:rPr lang="en-US" sz="1600" dirty="0" err="1">
+                <a:latin typeface="Montserrat" charset="0"/>
+              </a:rPr>
               <a:t>Korišćenje</a:t>
             </a:r>
             <a:r>
-              <a:rPr lang="en-US" sz="1600" dirty="0"/>
+              <a:rPr lang="en-US" sz="1600" dirty="0">
+                <a:latin typeface="Montserrat" charset="0"/>
+              </a:rPr>
               <a:t> </a:t>
             </a:r>
             <a:r>
-              <a:rPr lang="en-US" sz="1600" dirty="0" err="1"/>
+              <a:rPr lang="en-US" sz="1600" dirty="0" err="1">
+                <a:latin typeface="Montserrat" charset="0"/>
+              </a:rPr>
               <a:t>robusnih</a:t>
             </a:r>
             <a:r>
-              <a:rPr lang="en-US" sz="1600" dirty="0"/>
+              <a:rPr lang="en-US" sz="1600" dirty="0">
+                <a:latin typeface="Montserrat" charset="0"/>
+              </a:rPr>
               <a:t> </a:t>
             </a:r>
             <a:r>
-              <a:rPr lang="en-US" sz="1600" dirty="0" err="1"/>
+              <a:rPr lang="en-US" sz="1600" dirty="0" err="1" smtClean="0">
+                <a:latin typeface="Montserrat" charset="0"/>
+              </a:rPr>
               <a:t>modela</a:t>
             </a:r>
-            <a:r>
-              <a:rPr lang="en-US" sz="1600" dirty="0"/>
-              <a:t>: </a:t>
-            </a:r>
-            <a:r>
-              <a:rPr lang="en-US" sz="1600" dirty="0" err="1"/>
-              <a:t>Primena</a:t>
-            </a:r>
-            <a:r>
-              <a:rPr lang="en-US" sz="1600" dirty="0"/>
-              <a:t> </a:t>
-            </a:r>
-            <a:r>
-              <a:rPr lang="en-US" sz="1600" dirty="0" err="1"/>
-              <a:t>modela</a:t>
-            </a:r>
-            <a:r>
-              <a:rPr lang="en-US" sz="1600" dirty="0"/>
-              <a:t> </a:t>
-            </a:r>
-            <a:r>
-              <a:rPr lang="en-US" sz="1600" dirty="0" err="1"/>
-              <a:t>manje</a:t>
-            </a:r>
-            <a:r>
-              <a:rPr lang="en-US" sz="1600" dirty="0"/>
-              <a:t> </a:t>
-            </a:r>
-            <a:r>
-              <a:rPr lang="en-US" sz="1600" dirty="0" err="1"/>
-              <a:t>osetljivih</a:t>
-            </a:r>
-            <a:r>
-              <a:rPr lang="en-US" sz="1600" dirty="0"/>
-              <a:t> </a:t>
-            </a:r>
-            <a:r>
-              <a:rPr lang="en-US" sz="1600" dirty="0" err="1"/>
-              <a:t>na</a:t>
-            </a:r>
-            <a:r>
-              <a:rPr lang="en-US" sz="1600" dirty="0"/>
-              <a:t> outlier-e, </a:t>
-            </a:r>
-            <a:r>
-              <a:rPr lang="en-US" sz="1600" dirty="0" err="1"/>
-              <a:t>kao</a:t>
-            </a:r>
-            <a:r>
-              <a:rPr lang="en-US" sz="1600" dirty="0"/>
-              <a:t> </a:t>
-            </a:r>
-            <a:r>
-              <a:rPr lang="en-US" sz="1600" dirty="0" err="1"/>
-              <a:t>što</a:t>
-            </a:r>
-            <a:r>
-              <a:rPr lang="en-US" sz="1600" dirty="0"/>
-              <a:t> </a:t>
-            </a:r>
-            <a:r>
-              <a:rPr lang="en-US" sz="1600" dirty="0" err="1"/>
-              <a:t>su</a:t>
-            </a:r>
-            <a:r>
-              <a:rPr lang="en-US" sz="1600" dirty="0"/>
-              <a:t> Random Forest </a:t>
-            </a:r>
-            <a:r>
-              <a:rPr lang="en-US" sz="1600" dirty="0" err="1"/>
-              <a:t>ili</a:t>
-            </a:r>
-            <a:r>
-              <a:rPr lang="en-US" sz="1600" dirty="0"/>
-              <a:t> </a:t>
-            </a:r>
-            <a:r>
-              <a:rPr lang="en-US" sz="1600" dirty="0" err="1"/>
-              <a:t>modeli</a:t>
-            </a:r>
-            <a:r>
-              <a:rPr lang="en-US" sz="1600" dirty="0"/>
-              <a:t> </a:t>
-            </a:r>
-            <a:r>
-              <a:rPr lang="en-US" sz="1600" dirty="0" err="1"/>
-              <a:t>sa</a:t>
-            </a:r>
-            <a:r>
-              <a:rPr lang="en-US" sz="1600" dirty="0"/>
-              <a:t> median-based loss </a:t>
-            </a:r>
-            <a:r>
-              <a:rPr lang="en-US" sz="1600" dirty="0" err="1"/>
-              <a:t>funkcijama</a:t>
-            </a:r>
-            <a:r>
-              <a:rPr lang="en-US" sz="1600" dirty="0"/>
-              <a:t>. </a:t>
-            </a:r>
-            <a:endParaRPr lang="sr-Latn-RS" sz="1600" dirty="0"/>
+            <a:endParaRPr lang="sr-Latn-RS" sz="1600" dirty="0" smtClean="0">
+              <a:latin typeface="Montserrat" charset="0"/>
+            </a:endParaRPr>
           </a:p>
           <a:p>
             <a:pPr marL="285750" indent="-285750">
@@ -21975,127 +21343,44 @@
               <a:buChar char="•"/>
             </a:pPr>
             <a:r>
-              <a:rPr lang="en-US" sz="1600" dirty="0" err="1"/>
+              <a:rPr lang="en-US" sz="1600" dirty="0" err="1" smtClean="0">
+                <a:latin typeface="Montserrat" charset="0"/>
+              </a:rPr>
               <a:t>Podela</a:t>
             </a:r>
             <a:r>
-              <a:rPr lang="en-US" sz="1600" dirty="0"/>
+              <a:rPr lang="en-US" sz="1600" dirty="0" smtClean="0">
+                <a:latin typeface="Montserrat" charset="0"/>
+              </a:rPr>
               <a:t> </a:t>
             </a:r>
             <a:r>
-              <a:rPr lang="en-US" sz="1600" dirty="0" err="1"/>
+              <a:rPr lang="en-US" sz="1600" dirty="0" err="1">
+                <a:latin typeface="Montserrat" charset="0"/>
+              </a:rPr>
               <a:t>podataka</a:t>
             </a:r>
             <a:r>
-              <a:rPr lang="en-US" sz="1600" dirty="0"/>
-              <a:t> (Partitioning): </a:t>
-            </a:r>
-            <a:r>
-              <a:rPr lang="en-US" sz="1600" dirty="0" err="1"/>
-              <a:t>Razdvajanje</a:t>
-            </a:r>
-            <a:r>
-              <a:rPr lang="en-US" sz="1600" dirty="0"/>
-              <a:t> </a:t>
-            </a:r>
-            <a:r>
-              <a:rPr lang="en-US" sz="1600" dirty="0" err="1"/>
-              <a:t>skupa</a:t>
-            </a:r>
-            <a:r>
-              <a:rPr lang="en-US" sz="1600" dirty="0"/>
-              <a:t> </a:t>
-            </a:r>
-            <a:r>
-              <a:rPr lang="en-US" sz="1600" dirty="0" err="1"/>
-              <a:t>podataka</a:t>
-            </a:r>
-            <a:r>
-              <a:rPr lang="en-US" sz="1600" dirty="0"/>
-              <a:t> </a:t>
-            </a:r>
-            <a:r>
-              <a:rPr lang="en-US" sz="1600" dirty="0" err="1"/>
-              <a:t>na</a:t>
-            </a:r>
-            <a:r>
-              <a:rPr lang="en-US" sz="1600" dirty="0"/>
-              <a:t> </a:t>
-            </a:r>
-            <a:r>
-              <a:rPr lang="en-US" sz="1600" dirty="0" err="1"/>
-              <a:t>delove</a:t>
-            </a:r>
-            <a:r>
-              <a:rPr lang="en-US" sz="1600" dirty="0"/>
-              <a:t> </a:t>
-            </a:r>
-            <a:r>
-              <a:rPr lang="en-US" sz="1600" dirty="0" err="1"/>
-              <a:t>sa</a:t>
-            </a:r>
-            <a:r>
-              <a:rPr lang="en-US" sz="1600" dirty="0"/>
-              <a:t> </a:t>
-            </a:r>
-            <a:r>
-              <a:rPr lang="en-US" sz="1600" dirty="0" err="1"/>
-              <a:t>i</a:t>
-            </a:r>
-            <a:r>
-              <a:rPr lang="en-US" sz="1600" dirty="0"/>
-              <a:t> bez outlier-a </a:t>
-            </a:r>
-            <a:r>
-              <a:rPr lang="en-US" sz="1600" dirty="0" err="1"/>
-              <a:t>radi</a:t>
-            </a:r>
-            <a:r>
-              <a:rPr lang="en-US" sz="1600" dirty="0"/>
-              <a:t> </a:t>
-            </a:r>
-            <a:r>
-              <a:rPr lang="en-US" sz="1600" dirty="0" err="1"/>
-              <a:t>zasebne</a:t>
-            </a:r>
-            <a:r>
-              <a:rPr lang="en-US" sz="1600" dirty="0"/>
-              <a:t> </a:t>
-            </a:r>
-            <a:r>
-              <a:rPr lang="en-US" sz="1600" dirty="0" err="1"/>
-              <a:t>analize</a:t>
-            </a:r>
-            <a:r>
-              <a:rPr lang="en-US" sz="1600" dirty="0"/>
-              <a:t> </a:t>
-            </a:r>
-            <a:r>
-              <a:rPr lang="en-US" sz="1600" dirty="0" err="1"/>
-              <a:t>ili</a:t>
-            </a:r>
-            <a:r>
-              <a:rPr lang="en-US" sz="1600" dirty="0"/>
-              <a:t> </a:t>
-            </a:r>
-            <a:r>
-              <a:rPr lang="en-US" sz="1600" dirty="0" err="1"/>
-              <a:t>modeliranja</a:t>
-            </a:r>
-            <a:r>
-              <a:rPr lang="en-US" sz="1600" dirty="0"/>
-              <a:t>.</a:t>
-            </a:r>
-          </a:p>
-          <a:p>
-            <a:pPr marL="285750" indent="-285750">
-              <a:spcBef>
-                <a:spcPts val="600"/>
-              </a:spcBef>
-              <a:buFont typeface="Arial" pitchFamily="34" charset="0"/>
-              <a:buChar char="•"/>
-            </a:pPr>
-            <a:endParaRPr lang="sr-Latn-RS" sz="1600" dirty="0" smtClean="0"/>
+              <a:rPr lang="en-US" sz="1600" dirty="0">
+                <a:latin typeface="Montserrat" charset="0"/>
+              </a:rPr>
+              <a:t> (</a:t>
+            </a:r>
+            <a:r>
+              <a:rPr lang="en-US" sz="1600" dirty="0" smtClean="0">
+                <a:latin typeface="Montserrat" charset="0"/>
+              </a:rPr>
+              <a:t>Partitioning</a:t>
+            </a:r>
+            <a:r>
+              <a:rPr lang="sr-Latn-RS" sz="1600" dirty="0">
+                <a:latin typeface="Montserrat" charset="0"/>
+              </a:rPr>
+              <a:t>)</a:t>
+            </a:r>
+            <a:endParaRPr lang="sr-Latn-RS" sz="1600" dirty="0" smtClean="0">
+              <a:latin typeface="Montserrat" charset="0"/>
+            </a:endParaRPr>
           </a:p>
         </p:txBody>
       </p:sp>
@@ -22542,8 +21827,8 @@
         </p:nvSpPr>
         <p:spPr>
           <a:xfrm>
-            <a:off x="533400" y="1123950"/>
-            <a:ext cx="7696200" cy="2616101"/>
+            <a:off x="506002" y="1123949"/>
+            <a:ext cx="7696200" cy="1877437"/>
           </a:xfrm>
           <a:prstGeom prst="rect">
             <a:avLst/>
@@ -22564,7 +21849,9 @@
               <a:buChar char="•"/>
             </a:pPr>
             <a:r>
-              <a:rPr lang="sr-Latn-RS" sz="1600" dirty="0" smtClean="0"/>
+              <a:rPr lang="sr-Latn-RS" sz="1600" dirty="0" smtClean="0">
+                <a:latin typeface="Montserrat" charset="0"/>
+              </a:rPr>
               <a:t>Proces kojim se generišu nove karakteristike na osnovu postojećih podataka ili domenskog znanja </a:t>
             </a:r>
           </a:p>
@@ -22577,7 +21864,9 @@
               <a:buChar char="•"/>
             </a:pPr>
             <a:r>
-              <a:rPr lang="sr-Latn-RS" sz="1600" dirty="0" smtClean="0"/>
+              <a:rPr lang="sr-Latn-RS" sz="1600" dirty="0" smtClean="0">
+                <a:latin typeface="Montserrat" charset="0"/>
+              </a:rPr>
               <a:t>Tipovi karakteristika:</a:t>
             </a:r>
           </a:p>
@@ -22590,9 +21879,14 @@
               <a:buAutoNum type="arabicPeriod"/>
             </a:pPr>
             <a:r>
-              <a:rPr lang="sr-Latn-RS" sz="1600" dirty="0" smtClean="0"/>
-              <a:t>Interakcione karakteristike – kreiranje kombinovanjem dve ili više postojećih karakteristika </a:t>
-            </a:r>
+              <a:rPr lang="sr-Latn-RS" sz="1600" dirty="0" smtClean="0">
+                <a:latin typeface="Montserrat" charset="0"/>
+              </a:rPr>
+              <a:t>Interakcione karakteristike </a:t>
+            </a:r>
+            <a:endParaRPr lang="sr-Latn-RS" sz="1600" dirty="0" smtClean="0">
+              <a:latin typeface="Montserrat" charset="0"/>
+            </a:endParaRPr>
           </a:p>
           <a:p>
             <a:pPr marL="342900" indent="-342900">
@@ -22603,9 +21897,20 @@
               <a:buAutoNum type="arabicPeriod"/>
             </a:pPr>
             <a:r>
-              <a:rPr lang="sr-Latn-RS" sz="1600" dirty="0" smtClean="0"/>
-              <a:t>Polinomske karakteristike – kreiranje karakteristika podizanjem vrednosti na različite stepene</a:t>
-            </a:r>
+              <a:rPr lang="sr-Latn-RS" sz="1600" dirty="0" smtClean="0">
+                <a:latin typeface="Montserrat" charset="0"/>
+              </a:rPr>
+              <a:t>Polinomske </a:t>
+            </a:r>
+            <a:r>
+              <a:rPr lang="sr-Latn-RS" sz="1600" dirty="0" smtClean="0">
+                <a:latin typeface="Montserrat" charset="0"/>
+              </a:rPr>
+              <a:t>karakteristike </a:t>
+            </a:r>
+            <a:endParaRPr lang="sr-Latn-RS" sz="1600" dirty="0">
+              <a:latin typeface="Montserrat" charset="0"/>
+            </a:endParaRPr>
           </a:p>
           <a:p>
             <a:pPr marL="342900" indent="-342900">
@@ -22616,9 +21921,14 @@
               <a:buAutoNum type="arabicPeriod"/>
             </a:pPr>
             <a:r>
-              <a:rPr lang="sr-Latn-RS" sz="1600" dirty="0" smtClean="0"/>
-              <a:t>Vremenske karakteristike – kreiranje karakteristika iz podataka koji uključuju datume ili vremenske oznake </a:t>
-            </a:r>
+              <a:rPr lang="sr-Latn-RS" sz="1600" dirty="0" smtClean="0">
+                <a:latin typeface="Montserrat" charset="0"/>
+              </a:rPr>
+              <a:t>Vremenske karakteristike</a:t>
+            </a:r>
+            <a:endParaRPr lang="sr-Latn-RS" sz="1600" dirty="0" smtClean="0">
+              <a:latin typeface="Montserrat" charset="0"/>
+            </a:endParaRPr>
           </a:p>
         </p:txBody>
       </p:sp>
@@ -23087,7 +22397,9 @@
               <a:buChar char="•"/>
             </a:pPr>
             <a:r>
-              <a:rPr lang="sr-Latn-RS" sz="1600" dirty="0" smtClean="0"/>
+              <a:rPr lang="sr-Latn-RS" sz="1600" dirty="0" smtClean="0">
+                <a:latin typeface="Montserrat" charset="0"/>
+              </a:rPr>
               <a:t>700 redova i 16 kolona </a:t>
             </a:r>
           </a:p>
@@ -23100,8 +22412,22 @@
               <a:buChar char="•"/>
             </a:pPr>
             <a:r>
-              <a:rPr lang="sr-Latn-RS" sz="1600" dirty="0" smtClean="0"/>
-              <a:t>Tipovi podataka su numerički tekstualni i datetime</a:t>
+              <a:rPr lang="sr-Latn-RS" sz="1600" dirty="0" smtClean="0">
+                <a:latin typeface="Montserrat" charset="0"/>
+              </a:rPr>
+              <a:t>Tipovi podataka su </a:t>
+            </a:r>
+            <a:r>
+              <a:rPr lang="sr-Latn-RS" sz="1600" dirty="0" smtClean="0">
+                <a:latin typeface="Montserrat" charset="0"/>
+              </a:rPr>
+              <a:t>numerički, </a:t>
+            </a:r>
+            <a:r>
+              <a:rPr lang="sr-Latn-RS" sz="1600" dirty="0" smtClean="0">
+                <a:latin typeface="Montserrat" charset="0"/>
+              </a:rPr>
+              <a:t>tekstualni i datetime</a:t>
             </a:r>
           </a:p>
           <a:p>
@@ -23113,7 +22439,9 @@
               <a:buChar char="•"/>
             </a:pPr>
             <a:r>
-              <a:rPr lang="sr-Latn-RS" sz="1600" dirty="0" smtClean="0"/>
+              <a:rPr lang="sr-Latn-RS" sz="1600" dirty="0" smtClean="0">
+                <a:latin typeface="Montserrat" charset="0"/>
+              </a:rPr>
               <a:t>Nema duplikata</a:t>
             </a:r>
           </a:p>
@@ -23126,8 +22454,34 @@
               <a:buChar char="•"/>
             </a:pPr>
             <a:r>
-              <a:rPr lang="sr-Latn-RS" sz="1600" dirty="0" smtClean="0"/>
-              <a:t>NaN vrednosti u koloni discount band popunjene sa No Discount </a:t>
+              <a:rPr lang="sr-Latn-RS" sz="1600" dirty="0" smtClean="0">
+                <a:latin typeface="Montserrat" charset="0"/>
+              </a:rPr>
+              <a:t>NaN vrednosti u koloni </a:t>
+            </a:r>
+            <a:r>
+              <a:rPr lang="sr-Latn-RS" sz="1600" dirty="0" smtClean="0">
+                <a:latin typeface="Montserrat" charset="0"/>
+              </a:rPr>
+              <a:t>Discount </a:t>
+            </a:r>
+            <a:r>
+              <a:rPr lang="sr-Latn-RS" sz="1600" dirty="0">
+                <a:latin typeface="Montserrat" charset="0"/>
+              </a:rPr>
+              <a:t>B</a:t>
+            </a:r>
+            <a:r>
+              <a:rPr lang="sr-Latn-RS" sz="1600" dirty="0" smtClean="0">
+                <a:latin typeface="Montserrat" charset="0"/>
+              </a:rPr>
+              <a:t>and </a:t>
+            </a:r>
+            <a:r>
+              <a:rPr lang="sr-Latn-RS" sz="1600" dirty="0" smtClean="0">
+                <a:latin typeface="Montserrat" charset="0"/>
+              </a:rPr>
+              <a:t>popunjene sa No Discount </a:t>
             </a:r>
           </a:p>
           <a:p>
@@ -23136,7 +22490,9 @@
                 <a:spcPts val="600"/>
               </a:spcBef>
             </a:pPr>
-            <a:endParaRPr lang="sr-Latn-RS" sz="1600" dirty="0" smtClean="0"/>
+            <a:endParaRPr lang="sr-Latn-RS" sz="1600" dirty="0" smtClean="0">
+              <a:latin typeface="Montserrat" charset="0"/>
+            </a:endParaRPr>
           </a:p>
         </p:txBody>
       </p:sp>
@@ -23687,8 +23043,8 @@
         </p:nvSpPr>
         <p:spPr>
           <a:xfrm>
-            <a:off x="914400" y="1276350"/>
-            <a:ext cx="6096000" cy="1323439"/>
+            <a:off x="886146" y="1504950"/>
+            <a:ext cx="6096000" cy="830997"/>
           </a:xfrm>
           <a:prstGeom prst="rect">
             <a:avLst/>
@@ -23706,7 +23062,9 @@
               <a:buChar char="•"/>
             </a:pPr>
             <a:r>
-              <a:rPr lang="sr-Latn-RS" sz="1600" dirty="0" smtClean="0"/>
+              <a:rPr lang="sr-Latn-RS" sz="1600" dirty="0" smtClean="0">
+                <a:latin typeface="Montserrat" charset="0"/>
+              </a:rPr>
               <a:t>Algoritam koji je korišćen je SVM </a:t>
             </a:r>
           </a:p>
@@ -23716,39 +23074,22 @@
               <a:buChar char="•"/>
             </a:pPr>
             <a:r>
-              <a:rPr lang="sr-Latn-RS" sz="1600" dirty="0" smtClean="0"/>
-              <a:t>Nad osnovnim podacima daje tačnost od samo 19%</a:t>
-            </a:r>
-          </a:p>
-          <a:p>
-            <a:pPr marL="285750" indent="-285750">
-              <a:buFont typeface="Arial" panose="020B0604020202020204" pitchFamily="34" charset="0"/>
-              <a:buChar char="•"/>
-            </a:pPr>
-            <a:r>
-              <a:rPr lang="sr-Latn-RS" sz="1600" dirty="0" smtClean="0"/>
-              <a:t>Loše prepoznaje klase low i medium </a:t>
-            </a:r>
-          </a:p>
-          <a:p>
-            <a:pPr marL="285750" indent="-285750">
-              <a:buFont typeface="Arial" panose="020B0604020202020204" pitchFamily="34" charset="0"/>
-              <a:buChar char="•"/>
-            </a:pPr>
-            <a:r>
-              <a:rPr lang="sr-Latn-RS" sz="1600" dirty="0" smtClean="0"/>
-              <a:t>Visoka preciznost, ali nizak odziv za klasu high</a:t>
-            </a:r>
-          </a:p>
-          <a:p>
-            <a:pPr marL="285750" indent="-285750">
-              <a:buFont typeface="Arial" panose="020B0604020202020204" pitchFamily="34" charset="0"/>
-              <a:buChar char="•"/>
-            </a:pPr>
-            <a:r>
-              <a:rPr lang="sr-Latn-RS" sz="1600" dirty="0" smtClean="0"/>
-              <a:t>Klasa No Discount ima visok odziv ali nisku preciznost </a:t>
-            </a:r>
+              <a:rPr lang="sr-Latn-RS" sz="1600" dirty="0" smtClean="0">
+                <a:latin typeface="Montserrat" charset="0"/>
+              </a:rPr>
+              <a:t>Nad osnovnim podacima daje tačnost od samo 19</a:t>
+            </a:r>
+            <a:r>
+              <a:rPr lang="sr-Latn-RS" sz="1600" dirty="0" smtClean="0">
+                <a:latin typeface="Montserrat" charset="0"/>
+              </a:rPr>
+              <a:t>%</a:t>
+            </a:r>
+          </a:p>
+          <a:p>
+            <a:endParaRPr lang="sr-Latn-RS" sz="1600" dirty="0" smtClean="0">
+              <a:latin typeface="Montserrat" charset="0"/>
+            </a:endParaRPr>
           </a:p>
         </p:txBody>
       </p:sp>
@@ -23925,7 +23266,7 @@
         <p:spPr>
           <a:xfrm>
             <a:off x="914400" y="1276350"/>
-            <a:ext cx="6096000" cy="1815882"/>
+            <a:ext cx="6096000" cy="2062103"/>
           </a:xfrm>
           <a:prstGeom prst="rect">
             <a:avLst/>
@@ -23943,7 +23284,9 @@
               <a:buChar char="•"/>
             </a:pPr>
             <a:r>
-              <a:rPr lang="sr-Latn-RS" sz="1600" dirty="0" smtClean="0"/>
+              <a:rPr lang="sr-Latn-RS" sz="1600" dirty="0" smtClean="0">
+                <a:latin typeface="Montserrat" charset="0"/>
+              </a:rPr>
               <a:t>Segment: TargetEncoder na osnovu kolone sales </a:t>
             </a:r>
           </a:p>
@@ -23953,7 +23296,9 @@
               <a:buChar char="•"/>
             </a:pPr>
             <a:r>
-              <a:rPr lang="sr-Latn-RS" sz="1600" dirty="0" smtClean="0"/>
+              <a:rPr lang="sr-Latn-RS" sz="1600" dirty="0" smtClean="0">
+                <a:latin typeface="Montserrat" charset="0"/>
+              </a:rPr>
               <a:t>Product: CountEncoder za transformaciju prema učestalosti pojavljivanja</a:t>
             </a:r>
           </a:p>
@@ -23963,7 +23308,9 @@
               <a:buChar char="•"/>
             </a:pPr>
             <a:r>
-              <a:rPr lang="sr-Latn-RS" sz="1600" dirty="0" smtClean="0"/>
+              <a:rPr lang="sr-Latn-RS" sz="1600" dirty="0" smtClean="0">
+                <a:latin typeface="Montserrat" charset="0"/>
+              </a:rPr>
               <a:t>Country: One Hot Encoding za nominalne vrednosti </a:t>
             </a:r>
           </a:p>
@@ -23973,8 +23320,16 @@
               <a:buChar char="•"/>
             </a:pPr>
             <a:r>
-              <a:rPr lang="sr-Latn-RS" sz="1600" dirty="0" smtClean="0"/>
-              <a:t>Discount Band: Ordinal Encoding za očuvanje prirodnog poretka</a:t>
+              <a:rPr lang="sr-Latn-RS" sz="1600" dirty="0" smtClean="0">
+                <a:latin typeface="Montserrat" charset="0"/>
+              </a:rPr>
+              <a:t>Discount Band: Ordinal Encoding za očuvanje prirodnog </a:t>
+            </a:r>
+            <a:r>
+              <a:rPr lang="sr-Latn-RS" sz="1600" dirty="0" smtClean="0">
+                <a:latin typeface="Montserrat" charset="0"/>
+              </a:rPr>
+              <a:t>poretka</a:t>
             </a:r>
           </a:p>
           <a:p>
@@ -23982,8 +23337,19 @@
               <a:buFont typeface="Arial" panose="020B0604020202020204" pitchFamily="34" charset="0"/>
               <a:buChar char="•"/>
             </a:pPr>
-            <a:r>
-              <a:rPr lang="sr-Latn-RS" sz="1600" dirty="0" smtClean="0"/>
+            <a:endParaRPr lang="sr-Latn-RS" sz="1600" dirty="0" smtClean="0">
+              <a:latin typeface="Montserrat" charset="0"/>
+            </a:endParaRPr>
+          </a:p>
+          <a:p>
+            <a:pPr marL="285750" indent="-285750">
+              <a:buFont typeface="Arial" panose="020B0604020202020204" pitchFamily="34" charset="0"/>
+              <a:buChar char="•"/>
+            </a:pPr>
+            <a:r>
+              <a:rPr lang="sr-Latn-RS" sz="1600" dirty="0" smtClean="0">
+                <a:latin typeface="Montserrat" charset="0"/>
+              </a:rPr>
               <a:t>Rezultat tačnosti: Povećana na 32 %</a:t>
             </a:r>
           </a:p>
@@ -24150,7 +23516,9 @@
               <a:buChar char="-"/>
             </a:pPr>
             <a:r>
-              <a:rPr lang="sr-Latn-RS" dirty="0" smtClean="0"/>
+              <a:rPr lang="sr-Latn-RS" dirty="0" smtClean="0">
+                <a:latin typeface="Montserrat" charset="0"/>
+              </a:rPr>
               <a:t>Kvalitet ulaznih podataka je presudan za uspeh procesa učenja </a:t>
             </a:r>
           </a:p>
@@ -24163,10 +23531,14 @@
               <a:buChar char="-"/>
             </a:pPr>
             <a:r>
-              <a:rPr lang="sr-Latn-RS" dirty="0" smtClean="0"/>
+              <a:rPr lang="sr-Latn-RS" dirty="0" smtClean="0">
+                <a:latin typeface="Montserrat" charset="0"/>
+              </a:rPr>
               <a:t>Transformacija podataka podrazumeva pretvaranje sirovih podataka u format prikladniji za analizu i modeliranje </a:t>
             </a:r>
-            <a:endParaRPr lang="sr-Latn-RS" dirty="0"/>
+            <a:endParaRPr lang="sr-Latn-RS" dirty="0">
+              <a:latin typeface="Montserrat" charset="0"/>
+            </a:endParaRPr>
           </a:p>
           <a:p>
             <a:pPr marL="285750" lvl="0" indent="-285750" algn="l">
@@ -24177,7 +23549,9 @@
               <a:buChar char="-"/>
             </a:pPr>
             <a:r>
-              <a:rPr lang="sr-Latn-RS" dirty="0" smtClean="0"/>
+              <a:rPr lang="sr-Latn-RS" dirty="0" smtClean="0">
+                <a:latin typeface="Montserrat" charset="0"/>
+              </a:rPr>
               <a:t>Cilj rada je pružiti sveoubuhvatan pregled tehnika transformacije podataka</a:t>
             </a:r>
           </a:p>
@@ -24373,7 +23747,7 @@
         <p:spPr>
           <a:xfrm>
             <a:off x="914400" y="1276350"/>
-            <a:ext cx="6096000" cy="1815882"/>
+            <a:ext cx="6096000" cy="2062103"/>
           </a:xfrm>
           <a:prstGeom prst="rect">
             <a:avLst/>
@@ -24391,22 +23765,32 @@
               <a:buChar char="•"/>
             </a:pPr>
             <a:r>
-              <a:rPr lang="en-US" sz="1600" dirty="0" err="1"/>
+              <a:rPr lang="en-US" sz="1600" dirty="0" err="1">
+                <a:latin typeface="Montserrat" charset="0"/>
+              </a:rPr>
               <a:t>StandardScaler</a:t>
             </a:r>
             <a:r>
-              <a:rPr lang="en-US" sz="1600" dirty="0"/>
+              <a:rPr lang="en-US" sz="1600" dirty="0">
+                <a:latin typeface="Montserrat" charset="0"/>
+              </a:rPr>
               <a:t>: </a:t>
             </a:r>
             <a:r>
-              <a:rPr lang="en-US" sz="1600" dirty="0" err="1"/>
+              <a:rPr lang="en-US" sz="1600" dirty="0" err="1">
+                <a:latin typeface="Montserrat" charset="0"/>
+              </a:rPr>
               <a:t>Kolone</a:t>
             </a:r>
             <a:r>
-              <a:rPr lang="en-US" sz="1600" dirty="0"/>
+              <a:rPr lang="en-US" sz="1600" dirty="0">
+                <a:latin typeface="Montserrat" charset="0"/>
+              </a:rPr>
               <a:t> 'Units Sold', 'Manufacturing Price', 'Sale Price'. </a:t>
             </a:r>
-            <a:endParaRPr lang="sr-Latn-RS" sz="1600" dirty="0" smtClean="0"/>
+            <a:endParaRPr lang="sr-Latn-RS" sz="1600" dirty="0" smtClean="0">
+              <a:latin typeface="Montserrat" charset="0"/>
+            </a:endParaRPr>
           </a:p>
           <a:p>
             <a:pPr marL="285750" indent="-285750">
@@ -24414,22 +23798,32 @@
               <a:buChar char="•"/>
             </a:pPr>
             <a:r>
-              <a:rPr lang="en-US" sz="1600" dirty="0" err="1"/>
+              <a:rPr lang="en-US" sz="1600" dirty="0" err="1">
+                <a:latin typeface="Montserrat" charset="0"/>
+              </a:rPr>
               <a:t>RobustScaler</a:t>
             </a:r>
             <a:r>
-              <a:rPr lang="en-US" sz="1600" dirty="0"/>
+              <a:rPr lang="en-US" sz="1600" dirty="0">
+                <a:latin typeface="Montserrat" charset="0"/>
+              </a:rPr>
               <a:t>: </a:t>
             </a:r>
             <a:r>
-              <a:rPr lang="en-US" sz="1600" dirty="0" err="1"/>
+              <a:rPr lang="en-US" sz="1600" dirty="0" err="1">
+                <a:latin typeface="Montserrat" charset="0"/>
+              </a:rPr>
               <a:t>Kolone</a:t>
             </a:r>
             <a:r>
-              <a:rPr lang="en-US" sz="1600" dirty="0"/>
+              <a:rPr lang="en-US" sz="1600" dirty="0">
+                <a:latin typeface="Montserrat" charset="0"/>
+              </a:rPr>
               <a:t> 'Gross Sales', 'Discounts', 'Sales', 'COGS', 'Profit'. </a:t>
             </a:r>
-            <a:endParaRPr lang="sr-Latn-RS" sz="1600" dirty="0" smtClean="0"/>
+            <a:endParaRPr lang="sr-Latn-RS" sz="1600" dirty="0" smtClean="0">
+              <a:latin typeface="Montserrat" charset="0"/>
+            </a:endParaRPr>
           </a:p>
           <a:p>
             <a:pPr marL="285750" indent="-285750">
@@ -24437,64 +23831,103 @@
               <a:buChar char="•"/>
             </a:pPr>
             <a:r>
-              <a:rPr lang="en-US" sz="1600" dirty="0" err="1"/>
+              <a:rPr lang="en-US" sz="1600" dirty="0" err="1">
+                <a:latin typeface="Montserrat" charset="0"/>
+              </a:rPr>
               <a:t>MinMaxScaler</a:t>
             </a:r>
             <a:r>
-              <a:rPr lang="en-US" sz="1600" dirty="0"/>
+              <a:rPr lang="en-US" sz="1600" dirty="0">
+                <a:latin typeface="Montserrat" charset="0"/>
+              </a:rPr>
               <a:t>: </a:t>
             </a:r>
             <a:r>
-              <a:rPr lang="en-US" sz="1600" dirty="0" err="1"/>
+              <a:rPr lang="en-US" sz="1600" dirty="0" err="1">
+                <a:latin typeface="Montserrat" charset="0"/>
+              </a:rPr>
               <a:t>Kolone</a:t>
             </a:r>
             <a:r>
-              <a:rPr lang="en-US" sz="1600" dirty="0"/>
+              <a:rPr lang="en-US" sz="1600" dirty="0">
+                <a:latin typeface="Montserrat" charset="0"/>
+              </a:rPr>
               <a:t> 'Month Number', 'Year'. </a:t>
             </a:r>
-            <a:endParaRPr lang="sr-Latn-RS" sz="1600" dirty="0" smtClean="0"/>
+            <a:endParaRPr lang="sr-Latn-RS" sz="1600" dirty="0" smtClean="0">
+              <a:latin typeface="Montserrat" charset="0"/>
+            </a:endParaRPr>
           </a:p>
           <a:p>
             <a:pPr marL="285750" indent="-285750">
               <a:buFont typeface="Arial" panose="020B0604020202020204" pitchFamily="34" charset="0"/>
               <a:buChar char="•"/>
             </a:pPr>
-            <a:r>
-              <a:rPr lang="en-US" sz="1600" dirty="0" err="1"/>
+            <a:endParaRPr lang="sr-Latn-RS" sz="1600" dirty="0" smtClean="0">
+              <a:latin typeface="Montserrat" charset="0"/>
+            </a:endParaRPr>
+          </a:p>
+          <a:p>
+            <a:pPr marL="285750" indent="-285750">
+              <a:buFont typeface="Arial" panose="020B0604020202020204" pitchFamily="34" charset="0"/>
+              <a:buChar char="•"/>
+            </a:pPr>
+            <a:r>
+              <a:rPr lang="en-US" sz="1600" dirty="0" err="1">
+                <a:latin typeface="Montserrat" charset="0"/>
+              </a:rPr>
               <a:t>Rezultat</a:t>
             </a:r>
             <a:r>
-              <a:rPr lang="en-US" sz="1600" dirty="0"/>
+              <a:rPr lang="en-US" sz="1600" dirty="0">
+                <a:latin typeface="Montserrat" charset="0"/>
+              </a:rPr>
               <a:t> </a:t>
             </a:r>
             <a:r>
-              <a:rPr lang="en-US" sz="1600" dirty="0" err="1"/>
+              <a:rPr lang="en-US" sz="1600" dirty="0" err="1">
+                <a:latin typeface="Montserrat" charset="0"/>
+              </a:rPr>
               <a:t>tačnosti</a:t>
             </a:r>
             <a:r>
-              <a:rPr lang="en-US" sz="1600" dirty="0"/>
+              <a:rPr lang="en-US" sz="1600" dirty="0">
+                <a:latin typeface="Montserrat" charset="0"/>
+              </a:rPr>
               <a:t>: </a:t>
             </a:r>
             <a:r>
-              <a:rPr lang="en-US" sz="1600" dirty="0" err="1"/>
+              <a:rPr lang="en-US" sz="1600" dirty="0" err="1">
+                <a:latin typeface="Montserrat" charset="0"/>
+              </a:rPr>
               <a:t>Povećana</a:t>
             </a:r>
             <a:r>
-              <a:rPr lang="en-US" sz="1600" dirty="0"/>
+              <a:rPr lang="en-US" sz="1600" dirty="0">
+                <a:latin typeface="Montserrat" charset="0"/>
+              </a:rPr>
               <a:t> </a:t>
             </a:r>
             <a:r>
-              <a:rPr lang="en-US" sz="1600" dirty="0" err="1"/>
+              <a:rPr lang="en-US" sz="1600" dirty="0" err="1">
+                <a:latin typeface="Montserrat" charset="0"/>
+              </a:rPr>
               <a:t>na</a:t>
             </a:r>
             <a:r>
-              <a:rPr lang="en-US" sz="1600" dirty="0"/>
+              <a:rPr lang="en-US" sz="1600" dirty="0">
+                <a:latin typeface="Montserrat" charset="0"/>
+              </a:rPr>
               <a:t> 49%. </a:t>
             </a:r>
-            <a:endParaRPr lang="sr-Latn-RS" sz="1600" dirty="0" smtClean="0"/>
-          </a:p>
-          <a:p>
-            <a:endParaRPr lang="sr-Latn-RS" sz="1600" dirty="0" smtClean="0"/>
+            <a:endParaRPr lang="sr-Latn-RS" sz="1600" dirty="0" smtClean="0">
+              <a:latin typeface="Montserrat" charset="0"/>
+            </a:endParaRPr>
+          </a:p>
+          <a:p>
+            <a:endParaRPr lang="sr-Latn-RS" sz="1600" dirty="0" smtClean="0">
+              <a:latin typeface="Montserrat" charset="0"/>
+            </a:endParaRPr>
           </a:p>
         </p:txBody>
       </p:sp>
@@ -24679,7 +24112,7 @@
         <p:spPr>
           <a:xfrm>
             <a:off x="914400" y="1276350"/>
-            <a:ext cx="6096000" cy="1815882"/>
+            <a:ext cx="6096000" cy="2308324"/>
           </a:xfrm>
           <a:prstGeom prst="rect">
             <a:avLst/>
@@ -24697,38 +24130,56 @@
               <a:buChar char="•"/>
             </a:pPr>
             <a:r>
-              <a:rPr lang="en-US" sz="1600" dirty="0" err="1"/>
+              <a:rPr lang="en-US" sz="1600" dirty="0" err="1">
+                <a:latin typeface="Montserrat" charset="0"/>
+              </a:rPr>
               <a:t>Logaritamska</a:t>
             </a:r>
             <a:r>
-              <a:rPr lang="en-US" sz="1600" dirty="0"/>
+              <a:rPr lang="en-US" sz="1600" dirty="0">
+                <a:latin typeface="Montserrat" charset="0"/>
+              </a:rPr>
               <a:t> </a:t>
             </a:r>
             <a:r>
-              <a:rPr lang="en-US" sz="1600" dirty="0" err="1"/>
+              <a:rPr lang="en-US" sz="1600" dirty="0" err="1">
+                <a:latin typeface="Montserrat" charset="0"/>
+              </a:rPr>
               <a:t>transformacija</a:t>
             </a:r>
             <a:r>
-              <a:rPr lang="en-US" sz="1600" dirty="0"/>
+              <a:rPr lang="en-US" sz="1600" dirty="0">
+                <a:latin typeface="Montserrat" charset="0"/>
+              </a:rPr>
               <a:t>: </a:t>
             </a:r>
             <a:r>
-              <a:rPr lang="en-US" sz="1600" dirty="0" err="1"/>
+              <a:rPr lang="en-US" sz="1600" dirty="0" err="1">
+                <a:latin typeface="Montserrat" charset="0"/>
+              </a:rPr>
               <a:t>Kolone</a:t>
             </a:r>
             <a:r>
-              <a:rPr lang="en-US" sz="1600" dirty="0"/>
+              <a:rPr lang="en-US" sz="1600" dirty="0">
+                <a:latin typeface="Montserrat" charset="0"/>
+              </a:rPr>
               <a:t> 'Manufacturing Price' </a:t>
             </a:r>
             <a:r>
-              <a:rPr lang="en-US" sz="1600" dirty="0" err="1"/>
+              <a:rPr lang="en-US" sz="1600" dirty="0" err="1">
+                <a:latin typeface="Montserrat" charset="0"/>
+              </a:rPr>
               <a:t>i</a:t>
             </a:r>
             <a:r>
-              <a:rPr lang="en-US" sz="1600" dirty="0"/>
+              <a:rPr lang="en-US" sz="1600" dirty="0">
+                <a:latin typeface="Montserrat" charset="0"/>
+              </a:rPr>
               <a:t> 'Sales'. </a:t>
             </a:r>
-            <a:endParaRPr lang="sr-Latn-RS" sz="1600" dirty="0" smtClean="0"/>
+            <a:endParaRPr lang="sr-Latn-RS" sz="1600" dirty="0" smtClean="0">
+              <a:latin typeface="Montserrat" charset="0"/>
+            </a:endParaRPr>
           </a:p>
           <a:p>
             <a:pPr marL="285750" indent="-285750">
@@ -24736,26 +24187,38 @@
               <a:buChar char="•"/>
             </a:pPr>
             <a:r>
-              <a:rPr lang="en-US" sz="1600" dirty="0"/>
+              <a:rPr lang="en-US" sz="1600" dirty="0">
+                <a:latin typeface="Montserrat" charset="0"/>
+              </a:rPr>
               <a:t>Box-Cox </a:t>
             </a:r>
             <a:r>
-              <a:rPr lang="en-US" sz="1600" dirty="0" err="1"/>
+              <a:rPr lang="en-US" sz="1600" dirty="0" err="1">
+                <a:latin typeface="Montserrat" charset="0"/>
+              </a:rPr>
               <a:t>transformacija</a:t>
             </a:r>
             <a:r>
-              <a:rPr lang="en-US" sz="1600" dirty="0"/>
+              <a:rPr lang="en-US" sz="1600" dirty="0">
+                <a:latin typeface="Montserrat" charset="0"/>
+              </a:rPr>
               <a:t>: </a:t>
             </a:r>
             <a:r>
-              <a:rPr lang="en-US" sz="1600" dirty="0" err="1"/>
+              <a:rPr lang="en-US" sz="1600" dirty="0" err="1">
+                <a:latin typeface="Montserrat" charset="0"/>
+              </a:rPr>
               <a:t>Kolona</a:t>
             </a:r>
             <a:r>
-              <a:rPr lang="en-US" sz="1600" dirty="0"/>
+              <a:rPr lang="en-US" sz="1600" dirty="0">
+                <a:latin typeface="Montserrat" charset="0"/>
+              </a:rPr>
               <a:t> 'COGS'. </a:t>
             </a:r>
-            <a:endParaRPr lang="sr-Latn-RS" sz="1600" dirty="0" smtClean="0"/>
+            <a:endParaRPr lang="sr-Latn-RS" sz="1600" dirty="0" smtClean="0">
+              <a:latin typeface="Montserrat" charset="0"/>
+            </a:endParaRPr>
           </a:p>
           <a:p>
             <a:pPr marL="285750" indent="-285750">
@@ -24763,38 +24226,56 @@
               <a:buChar char="•"/>
             </a:pPr>
             <a:r>
-              <a:rPr lang="en-US" sz="1600" dirty="0" err="1"/>
+              <a:rPr lang="en-US" sz="1600" dirty="0" err="1">
+                <a:latin typeface="Montserrat" charset="0"/>
+              </a:rPr>
               <a:t>Kvantilna</a:t>
             </a:r>
             <a:r>
-              <a:rPr lang="en-US" sz="1600" dirty="0"/>
+              <a:rPr lang="en-US" sz="1600" dirty="0">
+                <a:latin typeface="Montserrat" charset="0"/>
+              </a:rPr>
               <a:t> </a:t>
             </a:r>
             <a:r>
-              <a:rPr lang="en-US" sz="1600" dirty="0" err="1"/>
+              <a:rPr lang="en-US" sz="1600" dirty="0" err="1">
+                <a:latin typeface="Montserrat" charset="0"/>
+              </a:rPr>
               <a:t>transformacija</a:t>
             </a:r>
             <a:r>
-              <a:rPr lang="en-US" sz="1600" dirty="0"/>
+              <a:rPr lang="en-US" sz="1600" dirty="0">
+                <a:latin typeface="Montserrat" charset="0"/>
+              </a:rPr>
               <a:t>: </a:t>
             </a:r>
             <a:r>
-              <a:rPr lang="en-US" sz="1600" dirty="0" err="1"/>
+              <a:rPr lang="en-US" sz="1600" dirty="0" err="1">
+                <a:latin typeface="Montserrat" charset="0"/>
+              </a:rPr>
               <a:t>Kolone</a:t>
             </a:r>
             <a:r>
-              <a:rPr lang="en-US" sz="1600" dirty="0"/>
+              <a:rPr lang="en-US" sz="1600" dirty="0">
+                <a:latin typeface="Montserrat" charset="0"/>
+              </a:rPr>
               <a:t> 'Gross Sales' </a:t>
             </a:r>
             <a:r>
-              <a:rPr lang="en-US" sz="1600" dirty="0" err="1"/>
+              <a:rPr lang="en-US" sz="1600" dirty="0" err="1">
+                <a:latin typeface="Montserrat" charset="0"/>
+              </a:rPr>
               <a:t>i</a:t>
             </a:r>
             <a:r>
-              <a:rPr lang="en-US" sz="1600" dirty="0"/>
+              <a:rPr lang="en-US" sz="1600" dirty="0">
+                <a:latin typeface="Montserrat" charset="0"/>
+              </a:rPr>
               <a:t> 'Discounts'. </a:t>
             </a:r>
-            <a:endParaRPr lang="sr-Latn-RS" sz="1600" dirty="0" smtClean="0"/>
+            <a:endParaRPr lang="sr-Latn-RS" sz="1600" dirty="0" smtClean="0">
+              <a:latin typeface="Montserrat" charset="0"/>
+            </a:endParaRPr>
           </a:p>
           <a:p>
             <a:pPr marL="285750" indent="-285750">
@@ -24802,65 +24283,47 @@
               <a:buChar char="•"/>
             </a:pPr>
             <a:r>
-              <a:rPr lang="en-US" sz="1600" dirty="0"/>
+              <a:rPr lang="en-US" sz="1600" dirty="0">
+                <a:latin typeface="Montserrat" charset="0"/>
+              </a:rPr>
               <a:t>Yeo-Johnson </a:t>
             </a:r>
             <a:r>
-              <a:rPr lang="en-US" sz="1600" dirty="0" err="1"/>
+              <a:rPr lang="en-US" sz="1600" dirty="0" err="1">
+                <a:latin typeface="Montserrat" charset="0"/>
+              </a:rPr>
               <a:t>transformacija</a:t>
             </a:r>
             <a:r>
-              <a:rPr lang="en-US" sz="1600" dirty="0"/>
+              <a:rPr lang="en-US" sz="1600" dirty="0">
+                <a:latin typeface="Montserrat" charset="0"/>
+              </a:rPr>
               <a:t>: </a:t>
             </a:r>
             <a:r>
-              <a:rPr lang="en-US" sz="1600" dirty="0" err="1"/>
+              <a:rPr lang="en-US" sz="1600" dirty="0" err="1">
+                <a:latin typeface="Montserrat" charset="0"/>
+              </a:rPr>
               <a:t>Kolona</a:t>
             </a:r>
             <a:r>
-              <a:rPr lang="en-US" sz="1600" dirty="0"/>
+              <a:rPr lang="en-US" sz="1600" dirty="0">
+                <a:latin typeface="Montserrat" charset="0"/>
+              </a:rPr>
               <a:t> 'Profit'. </a:t>
             </a:r>
-            <a:endParaRPr lang="sr-Latn-RS" sz="1600" dirty="0" smtClean="0"/>
+            <a:endParaRPr lang="sr-Latn-RS" sz="1600" dirty="0" smtClean="0">
+              <a:latin typeface="Montserrat" charset="0"/>
+            </a:endParaRPr>
           </a:p>
           <a:p>
             <a:pPr marL="285750" indent="-285750">
               <a:buFont typeface="Arial" panose="020B0604020202020204" pitchFamily="34" charset="0"/>
               <a:buChar char="•"/>
             </a:pPr>
-            <a:r>
-              <a:rPr lang="en-US" sz="1600" dirty="0" err="1"/>
-              <a:t>Rezultat</a:t>
-            </a:r>
-            <a:r>
-              <a:rPr lang="en-US" sz="1600" dirty="0"/>
-              <a:t> </a:t>
-            </a:r>
-            <a:r>
-              <a:rPr lang="en-US" sz="1600" dirty="0" err="1"/>
-              <a:t>tačnosti</a:t>
-            </a:r>
-            <a:r>
-              <a:rPr lang="en-US" sz="1600" dirty="0"/>
-              <a:t>: 22% (</a:t>
-            </a:r>
-            <a:r>
-              <a:rPr lang="en-US" sz="1600" dirty="0" err="1"/>
-              <a:t>neznatno</a:t>
-            </a:r>
-            <a:r>
-              <a:rPr lang="en-US" sz="1600" dirty="0"/>
-              <a:t> </a:t>
-            </a:r>
-            <a:r>
-              <a:rPr lang="en-US" sz="1600" dirty="0" err="1"/>
-              <a:t>poboljšanje</a:t>
-            </a:r>
-            <a:r>
-              <a:rPr lang="en-US" sz="1600" dirty="0"/>
-              <a:t>). </a:t>
-            </a:r>
-            <a:endParaRPr lang="sr-Latn-RS" sz="1600" dirty="0" smtClean="0"/>
+            <a:endParaRPr lang="sr-Latn-RS" sz="1600" dirty="0" smtClean="0">
+              <a:latin typeface="Montserrat" charset="0"/>
+            </a:endParaRPr>
           </a:p>
           <a:p>
             <a:pPr marL="285750" indent="-285750">
@@ -24868,54 +24331,137 @@
               <a:buChar char="•"/>
             </a:pPr>
             <a:r>
-              <a:rPr lang="en-US" sz="1600" dirty="0" err="1"/>
+              <a:rPr lang="en-US" sz="1600" dirty="0" err="1">
+                <a:latin typeface="Montserrat" charset="0"/>
+              </a:rPr>
+              <a:t>Rezultat</a:t>
+            </a:r>
+            <a:r>
+              <a:rPr lang="en-US" sz="1600" dirty="0">
+                <a:latin typeface="Montserrat" charset="0"/>
+              </a:rPr>
+              <a:t> </a:t>
+            </a:r>
+            <a:r>
+              <a:rPr lang="en-US" sz="1600" dirty="0" err="1">
+                <a:latin typeface="Montserrat" charset="0"/>
+              </a:rPr>
+              <a:t>tačnosti</a:t>
+            </a:r>
+            <a:r>
+              <a:rPr lang="en-US" sz="1600" dirty="0">
+                <a:latin typeface="Montserrat" charset="0"/>
+              </a:rPr>
+              <a:t>: 22% (</a:t>
+            </a:r>
+            <a:r>
+              <a:rPr lang="en-US" sz="1600" dirty="0" err="1">
+                <a:latin typeface="Montserrat" charset="0"/>
+              </a:rPr>
+              <a:t>neznatno</a:t>
+            </a:r>
+            <a:r>
+              <a:rPr lang="en-US" sz="1600" dirty="0">
+                <a:latin typeface="Montserrat" charset="0"/>
+              </a:rPr>
+              <a:t> </a:t>
+            </a:r>
+            <a:r>
+              <a:rPr lang="en-US" sz="1600" dirty="0" err="1">
+                <a:latin typeface="Montserrat" charset="0"/>
+              </a:rPr>
+              <a:t>poboljšanje</a:t>
+            </a:r>
+            <a:r>
+              <a:rPr lang="en-US" sz="1600" dirty="0">
+                <a:latin typeface="Montserrat" charset="0"/>
+              </a:rPr>
+              <a:t>). </a:t>
+            </a:r>
+            <a:endParaRPr lang="sr-Latn-RS" sz="1600" dirty="0" smtClean="0">
+              <a:latin typeface="Montserrat" charset="0"/>
+            </a:endParaRPr>
+          </a:p>
+          <a:p>
+            <a:pPr marL="285750" indent="-285750">
+              <a:buFont typeface="Arial" panose="020B0604020202020204" pitchFamily="34" charset="0"/>
+              <a:buChar char="•"/>
+            </a:pPr>
+            <a:r>
+              <a:rPr lang="en-US" sz="1600" dirty="0" err="1">
+                <a:latin typeface="Montserrat" charset="0"/>
+              </a:rPr>
               <a:t>Kombinacija</a:t>
             </a:r>
             <a:r>
-              <a:rPr lang="en-US" sz="1600" dirty="0"/>
+              <a:rPr lang="en-US" sz="1600" dirty="0">
+                <a:latin typeface="Montserrat" charset="0"/>
+              </a:rPr>
               <a:t> </a:t>
             </a:r>
             <a:r>
-              <a:rPr lang="en-US" sz="1600" dirty="0" err="1"/>
+              <a:rPr lang="en-US" sz="1600" dirty="0" err="1">
+                <a:latin typeface="Montserrat" charset="0"/>
+              </a:rPr>
               <a:t>sa</a:t>
             </a:r>
             <a:r>
-              <a:rPr lang="en-US" sz="1600" dirty="0"/>
+              <a:rPr lang="en-US" sz="1600" dirty="0">
+                <a:latin typeface="Montserrat" charset="0"/>
+              </a:rPr>
               <a:t> </a:t>
             </a:r>
             <a:r>
-              <a:rPr lang="en-US" sz="1600" dirty="0" err="1"/>
+              <a:rPr lang="en-US" sz="1600" dirty="0" err="1">
+                <a:latin typeface="Montserrat" charset="0"/>
+              </a:rPr>
               <a:t>skaliranjem</a:t>
             </a:r>
             <a:r>
-              <a:rPr lang="en-US" sz="1600" dirty="0"/>
+              <a:rPr lang="en-US" sz="1600" dirty="0">
+                <a:latin typeface="Montserrat" charset="0"/>
+              </a:rPr>
               <a:t>: </a:t>
             </a:r>
             <a:r>
-              <a:rPr lang="en-US" sz="1600" dirty="0" err="1"/>
+              <a:rPr lang="en-US" sz="1600" dirty="0" err="1">
+                <a:latin typeface="Montserrat" charset="0"/>
+              </a:rPr>
               <a:t>Povećana</a:t>
             </a:r>
             <a:r>
-              <a:rPr lang="en-US" sz="1600" dirty="0"/>
+              <a:rPr lang="en-US" sz="1600" dirty="0">
+                <a:latin typeface="Montserrat" charset="0"/>
+              </a:rPr>
               <a:t> </a:t>
             </a:r>
             <a:r>
-              <a:rPr lang="en-US" sz="1600" dirty="0" err="1"/>
+              <a:rPr lang="en-US" sz="1600" dirty="0" err="1">
+                <a:latin typeface="Montserrat" charset="0"/>
+              </a:rPr>
               <a:t>tačnost</a:t>
             </a:r>
             <a:r>
-              <a:rPr lang="en-US" sz="1600" dirty="0"/>
+              <a:rPr lang="en-US" sz="1600" dirty="0">
+                <a:latin typeface="Montserrat" charset="0"/>
+              </a:rPr>
               <a:t> </a:t>
             </a:r>
             <a:r>
-              <a:rPr lang="en-US" sz="1600" dirty="0" err="1"/>
+              <a:rPr lang="en-US" sz="1600" dirty="0" err="1">
+                <a:latin typeface="Montserrat" charset="0"/>
+              </a:rPr>
               <a:t>na</a:t>
             </a:r>
             <a:r>
-              <a:rPr lang="en-US" sz="1600" dirty="0"/>
+              <a:rPr lang="en-US" sz="1600" dirty="0">
+                <a:latin typeface="Montserrat" charset="0"/>
+              </a:rPr>
               <a:t> 61%. </a:t>
             </a:r>
-            <a:endParaRPr lang="sr-Latn-RS" sz="1600" dirty="0" smtClean="0"/>
+            <a:endParaRPr lang="sr-Latn-RS" sz="1600" dirty="0" smtClean="0">
+              <a:latin typeface="Montserrat" charset="0"/>
+            </a:endParaRPr>
           </a:p>
         </p:txBody>
       </p:sp>
@@ -25100,7 +24646,7 @@
         <p:spPr>
           <a:xfrm>
             <a:off x="914400" y="1276350"/>
-            <a:ext cx="6096000" cy="1569660"/>
+            <a:ext cx="6096000" cy="1815882"/>
           </a:xfrm>
           <a:prstGeom prst="rect">
             <a:avLst/>
@@ -25118,30 +24664,44 @@
               <a:buChar char="•"/>
             </a:pPr>
             <a:r>
-              <a:rPr lang="en-US" sz="1600" dirty="0" err="1"/>
+              <a:rPr lang="en-US" sz="1600" dirty="0" err="1">
+                <a:latin typeface="Montserrat" charset="0"/>
+              </a:rPr>
               <a:t>Jednake</a:t>
             </a:r>
             <a:r>
-              <a:rPr lang="en-US" sz="1600" dirty="0"/>
+              <a:rPr lang="en-US" sz="1600" dirty="0">
+                <a:latin typeface="Montserrat" charset="0"/>
+              </a:rPr>
               <a:t> </a:t>
             </a:r>
             <a:r>
-              <a:rPr lang="en-US" sz="1600" dirty="0" err="1"/>
+              <a:rPr lang="en-US" sz="1600" dirty="0" err="1">
+                <a:latin typeface="Montserrat" charset="0"/>
+              </a:rPr>
               <a:t>širine</a:t>
             </a:r>
             <a:r>
-              <a:rPr lang="en-US" sz="1600" dirty="0"/>
+              <a:rPr lang="en-US" sz="1600" dirty="0">
+                <a:latin typeface="Montserrat" charset="0"/>
+              </a:rPr>
               <a:t>: </a:t>
             </a:r>
             <a:r>
-              <a:rPr lang="en-US" sz="1600" dirty="0" err="1"/>
+              <a:rPr lang="en-US" sz="1600" dirty="0" err="1">
+                <a:latin typeface="Montserrat" charset="0"/>
+              </a:rPr>
               <a:t>Kolona</a:t>
             </a:r>
             <a:r>
-              <a:rPr lang="en-US" sz="1600" dirty="0"/>
+              <a:rPr lang="en-US" sz="1600" dirty="0">
+                <a:latin typeface="Montserrat" charset="0"/>
+              </a:rPr>
               <a:t> 'Units Sold'. </a:t>
             </a:r>
-            <a:endParaRPr lang="sr-Latn-RS" sz="1600" dirty="0" smtClean="0"/>
+            <a:endParaRPr lang="sr-Latn-RS" sz="1600" dirty="0" smtClean="0">
+              <a:latin typeface="Montserrat" charset="0"/>
+            </a:endParaRPr>
           </a:p>
           <a:p>
             <a:pPr marL="285750" indent="-285750">
@@ -25149,30 +24709,44 @@
               <a:buChar char="•"/>
             </a:pPr>
             <a:r>
-              <a:rPr lang="en-US" sz="1600" dirty="0" err="1"/>
+              <a:rPr lang="en-US" sz="1600" dirty="0" err="1">
+                <a:latin typeface="Montserrat" charset="0"/>
+              </a:rPr>
               <a:t>Jednake</a:t>
             </a:r>
             <a:r>
-              <a:rPr lang="en-US" sz="1600" dirty="0"/>
+              <a:rPr lang="en-US" sz="1600" dirty="0">
+                <a:latin typeface="Montserrat" charset="0"/>
+              </a:rPr>
               <a:t> </a:t>
             </a:r>
             <a:r>
-              <a:rPr lang="en-US" sz="1600" dirty="0" err="1"/>
+              <a:rPr lang="en-US" sz="1600" dirty="0" err="1">
+                <a:latin typeface="Montserrat" charset="0"/>
+              </a:rPr>
               <a:t>frekvencije</a:t>
             </a:r>
             <a:r>
-              <a:rPr lang="en-US" sz="1600" dirty="0"/>
+              <a:rPr lang="en-US" sz="1600" dirty="0">
+                <a:latin typeface="Montserrat" charset="0"/>
+              </a:rPr>
               <a:t>: </a:t>
             </a:r>
             <a:r>
-              <a:rPr lang="en-US" sz="1600" dirty="0" err="1"/>
+              <a:rPr lang="en-US" sz="1600" dirty="0" err="1">
+                <a:latin typeface="Montserrat" charset="0"/>
+              </a:rPr>
               <a:t>Kolona</a:t>
             </a:r>
             <a:r>
-              <a:rPr lang="en-US" sz="1600" dirty="0"/>
+              <a:rPr lang="en-US" sz="1600" dirty="0">
+                <a:latin typeface="Montserrat" charset="0"/>
+              </a:rPr>
               <a:t> 'Manufacturing Price'. </a:t>
             </a:r>
-            <a:endParaRPr lang="sr-Latn-RS" sz="1600" dirty="0" smtClean="0"/>
+            <a:endParaRPr lang="sr-Latn-RS" sz="1600" dirty="0" smtClean="0">
+              <a:latin typeface="Montserrat" charset="0"/>
+            </a:endParaRPr>
           </a:p>
           <a:p>
             <a:pPr marL="285750" indent="-285750">
@@ -25180,30 +24754,44 @@
               <a:buChar char="•"/>
             </a:pPr>
             <a:r>
-              <a:rPr lang="en-US" sz="1600" dirty="0" err="1"/>
+              <a:rPr lang="en-US" sz="1600" dirty="0" err="1">
+                <a:latin typeface="Montserrat" charset="0"/>
+              </a:rPr>
               <a:t>KMeans</a:t>
             </a:r>
             <a:r>
-              <a:rPr lang="en-US" sz="1600" dirty="0"/>
+              <a:rPr lang="en-US" sz="1600" dirty="0">
+                <a:latin typeface="Montserrat" charset="0"/>
+              </a:rPr>
               <a:t> </a:t>
             </a:r>
             <a:r>
-              <a:rPr lang="en-US" sz="1600" dirty="0" err="1"/>
+              <a:rPr lang="en-US" sz="1600" dirty="0" err="1">
+                <a:latin typeface="Montserrat" charset="0"/>
+              </a:rPr>
               <a:t>diskretizacija</a:t>
             </a:r>
             <a:r>
-              <a:rPr lang="en-US" sz="1600" dirty="0"/>
+              <a:rPr lang="en-US" sz="1600" dirty="0">
+                <a:latin typeface="Montserrat" charset="0"/>
+              </a:rPr>
               <a:t>: </a:t>
             </a:r>
             <a:r>
-              <a:rPr lang="en-US" sz="1600" dirty="0" err="1"/>
+              <a:rPr lang="en-US" sz="1600" dirty="0" err="1">
+                <a:latin typeface="Montserrat" charset="0"/>
+              </a:rPr>
               <a:t>Kolona</a:t>
             </a:r>
             <a:r>
-              <a:rPr lang="en-US" sz="1600" dirty="0"/>
+              <a:rPr lang="en-US" sz="1600" dirty="0">
+                <a:latin typeface="Montserrat" charset="0"/>
+              </a:rPr>
               <a:t> 'Gross Sales'. </a:t>
             </a:r>
-            <a:endParaRPr lang="sr-Latn-RS" sz="1600" dirty="0" smtClean="0"/>
+            <a:endParaRPr lang="sr-Latn-RS" sz="1600" dirty="0" smtClean="0">
+              <a:latin typeface="Montserrat" charset="0"/>
+            </a:endParaRPr>
           </a:p>
           <a:p>
             <a:pPr marL="285750" indent="-285750">
@@ -25211,49 +24799,47 @@
               <a:buChar char="•"/>
             </a:pPr>
             <a:r>
-              <a:rPr lang="en-US" sz="1600" dirty="0"/>
+              <a:rPr lang="en-US" sz="1600" dirty="0">
+                <a:latin typeface="Montserrat" charset="0"/>
+              </a:rPr>
               <a:t>Decision Tree </a:t>
             </a:r>
             <a:r>
-              <a:rPr lang="en-US" sz="1600" dirty="0" err="1"/>
+              <a:rPr lang="en-US" sz="1600" dirty="0" err="1">
+                <a:latin typeface="Montserrat" charset="0"/>
+              </a:rPr>
               <a:t>diskretizacija</a:t>
             </a:r>
             <a:r>
-              <a:rPr lang="en-US" sz="1600" dirty="0"/>
+              <a:rPr lang="en-US" sz="1600" dirty="0">
+                <a:latin typeface="Montserrat" charset="0"/>
+              </a:rPr>
               <a:t>: </a:t>
             </a:r>
             <a:r>
-              <a:rPr lang="en-US" sz="1600" dirty="0" err="1"/>
+              <a:rPr lang="en-US" sz="1600" dirty="0" err="1">
+                <a:latin typeface="Montserrat" charset="0"/>
+              </a:rPr>
               <a:t>Kolona</a:t>
             </a:r>
             <a:r>
-              <a:rPr lang="en-US" sz="1600" dirty="0"/>
+              <a:rPr lang="en-US" sz="1600" dirty="0">
+                <a:latin typeface="Montserrat" charset="0"/>
+              </a:rPr>
               <a:t> 'Profit'. </a:t>
             </a:r>
-            <a:endParaRPr lang="sr-Latn-RS" sz="1600" dirty="0" smtClean="0"/>
+            <a:endParaRPr lang="sr-Latn-RS" sz="1600" dirty="0" smtClean="0">
+              <a:latin typeface="Montserrat" charset="0"/>
+            </a:endParaRPr>
           </a:p>
           <a:p>
             <a:pPr marL="285750" indent="-285750">
               <a:buFont typeface="Arial" panose="020B0604020202020204" pitchFamily="34" charset="0"/>
               <a:buChar char="•"/>
             </a:pPr>
-            <a:r>
-              <a:rPr lang="en-US" sz="1600" dirty="0" err="1"/>
-              <a:t>Rezultat</a:t>
-            </a:r>
-            <a:r>
-              <a:rPr lang="en-US" sz="1600" dirty="0"/>
-              <a:t> </a:t>
-            </a:r>
-            <a:r>
-              <a:rPr lang="en-US" sz="1600" dirty="0" err="1"/>
-              <a:t>tačnosti</a:t>
-            </a:r>
-            <a:r>
-              <a:rPr lang="en-US" sz="1600" dirty="0"/>
-              <a:t>: 29%. </a:t>
-            </a:r>
-            <a:endParaRPr lang="sr-Latn-RS" sz="1600" dirty="0" smtClean="0"/>
+            <a:endParaRPr lang="sr-Latn-RS" sz="1600" dirty="0" smtClean="0">
+              <a:latin typeface="Montserrat" charset="0"/>
+            </a:endParaRPr>
           </a:p>
           <a:p>
             <a:pPr marL="285750" indent="-285750">
@@ -25261,54 +24847,113 @@
               <a:buChar char="•"/>
             </a:pPr>
             <a:r>
-              <a:rPr lang="en-US" sz="1600" dirty="0" err="1"/>
+              <a:rPr lang="en-US" sz="1600" dirty="0" err="1">
+                <a:latin typeface="Montserrat" charset="0"/>
+              </a:rPr>
+              <a:t>Rezultat</a:t>
+            </a:r>
+            <a:r>
+              <a:rPr lang="en-US" sz="1600" dirty="0">
+                <a:latin typeface="Montserrat" charset="0"/>
+              </a:rPr>
+              <a:t> </a:t>
+            </a:r>
+            <a:r>
+              <a:rPr lang="en-US" sz="1600" dirty="0" err="1">
+                <a:latin typeface="Montserrat" charset="0"/>
+              </a:rPr>
+              <a:t>tačnosti</a:t>
+            </a:r>
+            <a:r>
+              <a:rPr lang="en-US" sz="1600" dirty="0">
+                <a:latin typeface="Montserrat" charset="0"/>
+              </a:rPr>
+              <a:t>: 29%. </a:t>
+            </a:r>
+            <a:endParaRPr lang="sr-Latn-RS" sz="1600" dirty="0" smtClean="0">
+              <a:latin typeface="Montserrat" charset="0"/>
+            </a:endParaRPr>
+          </a:p>
+          <a:p>
+            <a:pPr marL="285750" indent="-285750">
+              <a:buFont typeface="Arial" panose="020B0604020202020204" pitchFamily="34" charset="0"/>
+              <a:buChar char="•"/>
+            </a:pPr>
+            <a:r>
+              <a:rPr lang="en-US" sz="1600" dirty="0" err="1">
+                <a:latin typeface="Montserrat" charset="0"/>
+              </a:rPr>
               <a:t>Kombinacija</a:t>
             </a:r>
             <a:r>
-              <a:rPr lang="en-US" sz="1600" dirty="0"/>
+              <a:rPr lang="en-US" sz="1600" dirty="0">
+                <a:latin typeface="Montserrat" charset="0"/>
+              </a:rPr>
               <a:t> </a:t>
             </a:r>
             <a:r>
-              <a:rPr lang="en-US" sz="1600" dirty="0" err="1"/>
+              <a:rPr lang="en-US" sz="1600" dirty="0" err="1">
+                <a:latin typeface="Montserrat" charset="0"/>
+              </a:rPr>
               <a:t>sa</a:t>
             </a:r>
             <a:r>
-              <a:rPr lang="en-US" sz="1600" dirty="0"/>
+              <a:rPr lang="en-US" sz="1600" dirty="0">
+                <a:latin typeface="Montserrat" charset="0"/>
+              </a:rPr>
               <a:t> </a:t>
             </a:r>
             <a:r>
-              <a:rPr lang="en-US" sz="1600" dirty="0" err="1"/>
+              <a:rPr lang="en-US" sz="1600" dirty="0" err="1">
+                <a:latin typeface="Montserrat" charset="0"/>
+              </a:rPr>
               <a:t>skaliranjem</a:t>
             </a:r>
             <a:r>
-              <a:rPr lang="en-US" sz="1600" dirty="0"/>
+              <a:rPr lang="en-US" sz="1600" dirty="0">
+                <a:latin typeface="Montserrat" charset="0"/>
+              </a:rPr>
               <a:t>: </a:t>
             </a:r>
             <a:r>
-              <a:rPr lang="en-US" sz="1600" dirty="0" err="1"/>
+              <a:rPr lang="en-US" sz="1600" dirty="0" err="1">
+                <a:latin typeface="Montserrat" charset="0"/>
+              </a:rPr>
               <a:t>Povećana</a:t>
             </a:r>
             <a:r>
-              <a:rPr lang="en-US" sz="1600" dirty="0"/>
+              <a:rPr lang="en-US" sz="1600" dirty="0">
+                <a:latin typeface="Montserrat" charset="0"/>
+              </a:rPr>
               <a:t> </a:t>
             </a:r>
             <a:r>
-              <a:rPr lang="en-US" sz="1600" dirty="0" err="1"/>
+              <a:rPr lang="en-US" sz="1600" dirty="0" err="1">
+                <a:latin typeface="Montserrat" charset="0"/>
+              </a:rPr>
               <a:t>tačnost</a:t>
             </a:r>
             <a:r>
-              <a:rPr lang="en-US" sz="1600" dirty="0"/>
+              <a:rPr lang="en-US" sz="1600" dirty="0">
+                <a:latin typeface="Montserrat" charset="0"/>
+              </a:rPr>
               <a:t> </a:t>
             </a:r>
             <a:r>
-              <a:rPr lang="en-US" sz="1600" dirty="0" err="1"/>
+              <a:rPr lang="en-US" sz="1600" dirty="0" err="1">
+                <a:latin typeface="Montserrat" charset="0"/>
+              </a:rPr>
               <a:t>na</a:t>
             </a:r>
             <a:r>
-              <a:rPr lang="en-US" sz="1600" dirty="0"/>
+              <a:rPr lang="en-US" sz="1600" dirty="0">
+                <a:latin typeface="Montserrat" charset="0"/>
+              </a:rPr>
               <a:t> 46%. </a:t>
             </a:r>
-            <a:endParaRPr lang="sr-Latn-RS" sz="1600" dirty="0" smtClean="0"/>
+            <a:endParaRPr lang="sr-Latn-RS" sz="1600" dirty="0" smtClean="0">
+              <a:latin typeface="Montserrat" charset="0"/>
+            </a:endParaRPr>
           </a:p>
         </p:txBody>
       </p:sp>
@@ -25489,7 +25134,7 @@
         <p:spPr>
           <a:xfrm>
             <a:off x="914400" y="1276350"/>
-            <a:ext cx="6096000" cy="1815882"/>
+            <a:ext cx="6096000" cy="2062103"/>
           </a:xfrm>
           <a:prstGeom prst="rect">
             <a:avLst/>
@@ -25507,18 +25152,26 @@
               <a:buChar char="•"/>
             </a:pPr>
             <a:r>
-              <a:rPr lang="en-US" sz="1600" dirty="0"/>
+              <a:rPr lang="en-US" sz="1600" dirty="0">
+                <a:latin typeface="Montserrat" charset="0"/>
+              </a:rPr>
               <a:t>Z-score: </a:t>
             </a:r>
             <a:r>
-              <a:rPr lang="en-US" sz="1600" dirty="0" err="1"/>
+              <a:rPr lang="en-US" sz="1600" dirty="0" err="1">
+                <a:latin typeface="Montserrat" charset="0"/>
+              </a:rPr>
               <a:t>Kolona</a:t>
             </a:r>
             <a:r>
-              <a:rPr lang="en-US" sz="1600" dirty="0"/>
+              <a:rPr lang="en-US" sz="1600" dirty="0">
+                <a:latin typeface="Montserrat" charset="0"/>
+              </a:rPr>
               <a:t> 'Gross Sales'. </a:t>
             </a:r>
-            <a:endParaRPr lang="sr-Latn-RS" sz="1600" dirty="0" smtClean="0"/>
+            <a:endParaRPr lang="sr-Latn-RS" sz="1600" dirty="0" smtClean="0">
+              <a:latin typeface="Montserrat" charset="0"/>
+            </a:endParaRPr>
           </a:p>
           <a:p>
             <a:pPr marL="285750" indent="-285750">
@@ -25526,18 +25179,26 @@
               <a:buChar char="•"/>
             </a:pPr>
             <a:r>
-              <a:rPr lang="en-US" sz="1600" dirty="0"/>
+              <a:rPr lang="en-US" sz="1600" dirty="0">
+                <a:latin typeface="Montserrat" charset="0"/>
+              </a:rPr>
               <a:t>IQR: </a:t>
             </a:r>
             <a:r>
-              <a:rPr lang="en-US" sz="1600" dirty="0" err="1"/>
+              <a:rPr lang="en-US" sz="1600" dirty="0" err="1">
+                <a:latin typeface="Montserrat" charset="0"/>
+              </a:rPr>
               <a:t>Kolona</a:t>
             </a:r>
             <a:r>
-              <a:rPr lang="en-US" sz="1600" dirty="0"/>
+              <a:rPr lang="en-US" sz="1600" dirty="0">
+                <a:latin typeface="Montserrat" charset="0"/>
+              </a:rPr>
               <a:t> 'Discounts'. </a:t>
             </a:r>
-            <a:endParaRPr lang="sr-Latn-RS" sz="1600" dirty="0" smtClean="0"/>
+            <a:endParaRPr lang="sr-Latn-RS" sz="1600" dirty="0" smtClean="0">
+              <a:latin typeface="Montserrat" charset="0"/>
+            </a:endParaRPr>
           </a:p>
           <a:p>
             <a:pPr marL="285750" indent="-285750">
@@ -25545,18 +25206,26 @@
               <a:buChar char="•"/>
             </a:pPr>
             <a:r>
-              <a:rPr lang="en-US" sz="1600" dirty="0"/>
+              <a:rPr lang="en-US" sz="1600" dirty="0">
+                <a:latin typeface="Montserrat" charset="0"/>
+              </a:rPr>
               <a:t>Percentile: </a:t>
             </a:r>
             <a:r>
-              <a:rPr lang="en-US" sz="1600" dirty="0" err="1"/>
+              <a:rPr lang="en-US" sz="1600" dirty="0" err="1">
+                <a:latin typeface="Montserrat" charset="0"/>
+              </a:rPr>
               <a:t>Kolona</a:t>
             </a:r>
             <a:r>
-              <a:rPr lang="en-US" sz="1600" dirty="0"/>
+              <a:rPr lang="en-US" sz="1600" dirty="0">
+                <a:latin typeface="Montserrat" charset="0"/>
+              </a:rPr>
               <a:t> 'Sales'. </a:t>
             </a:r>
-            <a:endParaRPr lang="sr-Latn-RS" sz="1600" dirty="0" smtClean="0"/>
+            <a:endParaRPr lang="sr-Latn-RS" sz="1600" dirty="0" smtClean="0">
+              <a:latin typeface="Montserrat" charset="0"/>
+            </a:endParaRPr>
           </a:p>
           <a:p>
             <a:pPr marL="285750" indent="-285750">
@@ -25564,18 +25233,26 @@
               <a:buChar char="•"/>
             </a:pPr>
             <a:r>
-              <a:rPr lang="en-US" sz="1600" dirty="0"/>
+              <a:rPr lang="en-US" sz="1600" dirty="0">
+                <a:latin typeface="Montserrat" charset="0"/>
+              </a:rPr>
               <a:t>DBSCAN: </a:t>
             </a:r>
             <a:r>
-              <a:rPr lang="en-US" sz="1600" dirty="0" err="1"/>
+              <a:rPr lang="en-US" sz="1600" dirty="0" err="1">
+                <a:latin typeface="Montserrat" charset="0"/>
+              </a:rPr>
               <a:t>Kolona</a:t>
             </a:r>
             <a:r>
-              <a:rPr lang="en-US" sz="1600" dirty="0"/>
+              <a:rPr lang="en-US" sz="1600" dirty="0">
+                <a:latin typeface="Montserrat" charset="0"/>
+              </a:rPr>
               <a:t> 'COGS'. </a:t>
             </a:r>
-            <a:endParaRPr lang="sr-Latn-RS" sz="1600" dirty="0" smtClean="0"/>
+            <a:endParaRPr lang="sr-Latn-RS" sz="1600" dirty="0" smtClean="0">
+              <a:latin typeface="Montserrat" charset="0"/>
+            </a:endParaRPr>
           </a:p>
           <a:p>
             <a:pPr marL="285750" indent="-285750">
@@ -25583,49 +25260,35 @@
               <a:buChar char="•"/>
             </a:pPr>
             <a:r>
-              <a:rPr lang="en-US" sz="1600" dirty="0"/>
+              <a:rPr lang="en-US" sz="1600" dirty="0">
+                <a:latin typeface="Montserrat" charset="0"/>
+              </a:rPr>
               <a:t>Isolation Forest: </a:t>
             </a:r>
             <a:r>
-              <a:rPr lang="en-US" sz="1600" dirty="0" err="1"/>
+              <a:rPr lang="en-US" sz="1600" dirty="0" err="1">
+                <a:latin typeface="Montserrat" charset="0"/>
+              </a:rPr>
               <a:t>Kolona</a:t>
             </a:r>
             <a:r>
-              <a:rPr lang="en-US" sz="1600" dirty="0"/>
+              <a:rPr lang="en-US" sz="1600" dirty="0">
+                <a:latin typeface="Montserrat" charset="0"/>
+              </a:rPr>
               <a:t> 'Profit'. </a:t>
             </a:r>
-            <a:endParaRPr lang="sr-Latn-RS" sz="1600" dirty="0" smtClean="0"/>
+            <a:endParaRPr lang="sr-Latn-RS" sz="1600" dirty="0" smtClean="0">
+              <a:latin typeface="Montserrat" charset="0"/>
+            </a:endParaRPr>
           </a:p>
           <a:p>
             <a:pPr marL="285750" indent="-285750">
               <a:buFont typeface="Arial" panose="020B0604020202020204" pitchFamily="34" charset="0"/>
               <a:buChar char="•"/>
             </a:pPr>
-            <a:r>
-              <a:rPr lang="en-US" sz="1600" dirty="0" err="1"/>
-              <a:t>Pristup</a:t>
-            </a:r>
-            <a:r>
-              <a:rPr lang="en-US" sz="1600" dirty="0"/>
-              <a:t>: </a:t>
-            </a:r>
-            <a:r>
-              <a:rPr lang="en-US" sz="1600" dirty="0" err="1"/>
-              <a:t>Uklanjanje</a:t>
-            </a:r>
-            <a:r>
-              <a:rPr lang="en-US" sz="1600" dirty="0"/>
-              <a:t> </a:t>
-            </a:r>
-            <a:r>
-              <a:rPr lang="en-US" sz="1600" dirty="0" err="1"/>
-              <a:t>detektovanih</a:t>
-            </a:r>
-            <a:r>
-              <a:rPr lang="en-US" sz="1600" dirty="0"/>
-              <a:t> outlier-a. </a:t>
-            </a:r>
-            <a:endParaRPr lang="sr-Latn-RS" sz="1600" dirty="0" smtClean="0"/>
+            <a:endParaRPr lang="sr-Latn-RS" sz="1600" dirty="0" smtClean="0">
+              <a:latin typeface="Montserrat" charset="0"/>
+            </a:endParaRPr>
           </a:p>
           <a:p>
             <a:pPr marL="285750" indent="-285750">
@@ -25633,38 +25296,101 @@
               <a:buChar char="•"/>
             </a:pPr>
             <a:r>
-              <a:rPr lang="en-US" sz="1600" dirty="0" err="1"/>
+              <a:rPr lang="en-US" sz="1600" dirty="0" err="1">
+                <a:latin typeface="Montserrat" charset="0"/>
+              </a:rPr>
+              <a:t>Pristup</a:t>
+            </a:r>
+            <a:r>
+              <a:rPr lang="en-US" sz="1600" dirty="0">
+                <a:latin typeface="Montserrat" charset="0"/>
+              </a:rPr>
+              <a:t>: </a:t>
+            </a:r>
+            <a:r>
+              <a:rPr lang="en-US" sz="1600" dirty="0" err="1">
+                <a:latin typeface="Montserrat" charset="0"/>
+              </a:rPr>
+              <a:t>Uklanjanje</a:t>
+            </a:r>
+            <a:r>
+              <a:rPr lang="en-US" sz="1600" dirty="0">
+                <a:latin typeface="Montserrat" charset="0"/>
+              </a:rPr>
+              <a:t> </a:t>
+            </a:r>
+            <a:r>
+              <a:rPr lang="en-US" sz="1600" dirty="0" err="1">
+                <a:latin typeface="Montserrat" charset="0"/>
+              </a:rPr>
+              <a:t>detektovanih</a:t>
+            </a:r>
+            <a:r>
+              <a:rPr lang="en-US" sz="1600" dirty="0">
+                <a:latin typeface="Montserrat" charset="0"/>
+              </a:rPr>
+              <a:t> outlier-a. </a:t>
+            </a:r>
+            <a:endParaRPr lang="sr-Latn-RS" sz="1600" dirty="0" smtClean="0">
+              <a:latin typeface="Montserrat" charset="0"/>
+            </a:endParaRPr>
+          </a:p>
+          <a:p>
+            <a:pPr marL="285750" indent="-285750">
+              <a:buFont typeface="Arial" panose="020B0604020202020204" pitchFamily="34" charset="0"/>
+              <a:buChar char="•"/>
+            </a:pPr>
+            <a:r>
+              <a:rPr lang="en-US" sz="1600" dirty="0" err="1">
+                <a:latin typeface="Montserrat" charset="0"/>
+              </a:rPr>
               <a:t>Rezultat</a:t>
             </a:r>
             <a:r>
-              <a:rPr lang="en-US" sz="1600" dirty="0"/>
+              <a:rPr lang="en-US" sz="1600" dirty="0">
+                <a:latin typeface="Montserrat" charset="0"/>
+              </a:rPr>
               <a:t> </a:t>
             </a:r>
             <a:r>
-              <a:rPr lang="en-US" sz="1600" dirty="0" err="1"/>
+              <a:rPr lang="en-US" sz="1600" dirty="0" err="1">
+                <a:latin typeface="Montserrat" charset="0"/>
+              </a:rPr>
               <a:t>tačnosti</a:t>
             </a:r>
             <a:r>
-              <a:rPr lang="en-US" sz="1600" dirty="0"/>
+              <a:rPr lang="en-US" sz="1600" dirty="0">
+                <a:latin typeface="Montserrat" charset="0"/>
+              </a:rPr>
               <a:t>: </a:t>
             </a:r>
             <a:r>
-              <a:rPr lang="en-US" sz="1600" dirty="0" err="1"/>
+              <a:rPr lang="en-US" sz="1600" dirty="0" err="1">
+                <a:latin typeface="Montserrat" charset="0"/>
+              </a:rPr>
               <a:t>Povećana</a:t>
             </a:r>
             <a:r>
-              <a:rPr lang="en-US" sz="1600" dirty="0"/>
+              <a:rPr lang="en-US" sz="1600" dirty="0">
+                <a:latin typeface="Montserrat" charset="0"/>
+              </a:rPr>
               <a:t> </a:t>
             </a:r>
             <a:r>
-              <a:rPr lang="en-US" sz="1600" dirty="0" err="1"/>
+              <a:rPr lang="en-US" sz="1600" dirty="0" err="1">
+                <a:latin typeface="Montserrat" charset="0"/>
+              </a:rPr>
               <a:t>na</a:t>
             </a:r>
             <a:r>
-              <a:rPr lang="en-US" sz="1600" dirty="0"/>
+              <a:rPr lang="en-US" sz="1600" dirty="0">
+                <a:latin typeface="Montserrat" charset="0"/>
+              </a:rPr>
               <a:t> 33%. </a:t>
             </a:r>
-            <a:endParaRPr lang="sr-Latn-RS" sz="1600" dirty="0" smtClean="0"/>
+            <a:endParaRPr lang="sr-Latn-RS" sz="1600" dirty="0" smtClean="0">
+              <a:latin typeface="Montserrat" charset="0"/>
+            </a:endParaRPr>
           </a:p>
         </p:txBody>
       </p:sp>
@@ -25849,7 +25575,7 @@
         <p:spPr>
           <a:xfrm>
             <a:off x="914400" y="1276350"/>
-            <a:ext cx="6096000" cy="2308324"/>
+            <a:ext cx="6096000" cy="2800767"/>
           </a:xfrm>
           <a:prstGeom prst="rect">
             <a:avLst/>
@@ -25867,46 +25593,68 @@
               <a:buChar char="•"/>
             </a:pPr>
             <a:r>
-              <a:rPr lang="en-US" sz="1600" dirty="0" err="1"/>
+              <a:rPr lang="en-US" sz="1600" dirty="0" err="1">
+                <a:latin typeface="Montserrat" charset="0"/>
+              </a:rPr>
               <a:t>Avg</a:t>
             </a:r>
             <a:r>
-              <a:rPr lang="en-US" sz="1600" dirty="0"/>
+              <a:rPr lang="en-US" sz="1600" dirty="0">
+                <a:latin typeface="Montserrat" charset="0"/>
+              </a:rPr>
               <a:t> Sales per Month: </a:t>
             </a:r>
             <a:r>
-              <a:rPr lang="en-US" sz="1600" dirty="0" err="1"/>
+              <a:rPr lang="en-US" sz="1600" dirty="0" err="1">
+                <a:latin typeface="Montserrat" charset="0"/>
+              </a:rPr>
               <a:t>Prosečna</a:t>
             </a:r>
             <a:r>
-              <a:rPr lang="en-US" sz="1600" dirty="0"/>
+              <a:rPr lang="en-US" sz="1600" dirty="0">
+                <a:latin typeface="Montserrat" charset="0"/>
+              </a:rPr>
               <a:t> </a:t>
             </a:r>
             <a:r>
-              <a:rPr lang="en-US" sz="1600" dirty="0" err="1"/>
+              <a:rPr lang="en-US" sz="1600" dirty="0" err="1">
+                <a:latin typeface="Montserrat" charset="0"/>
+              </a:rPr>
               <a:t>vrednost</a:t>
             </a:r>
             <a:r>
-              <a:rPr lang="en-US" sz="1600" dirty="0"/>
+              <a:rPr lang="en-US" sz="1600" dirty="0">
+                <a:latin typeface="Montserrat" charset="0"/>
+              </a:rPr>
               <a:t> Sales </a:t>
             </a:r>
             <a:r>
-              <a:rPr lang="en-US" sz="1600" dirty="0" err="1"/>
+              <a:rPr lang="en-US" sz="1600" dirty="0" err="1">
+                <a:latin typeface="Montserrat" charset="0"/>
+              </a:rPr>
               <a:t>po</a:t>
             </a:r>
             <a:r>
-              <a:rPr lang="en-US" sz="1600" dirty="0"/>
+              <a:rPr lang="en-US" sz="1600" dirty="0">
+                <a:latin typeface="Montserrat" charset="0"/>
+              </a:rPr>
               <a:t> </a:t>
             </a:r>
             <a:r>
-              <a:rPr lang="en-US" sz="1600" dirty="0" err="1"/>
+              <a:rPr lang="en-US" sz="1600" dirty="0" err="1">
+                <a:latin typeface="Montserrat" charset="0"/>
+              </a:rPr>
               <a:t>mesecima</a:t>
             </a:r>
             <a:r>
-              <a:rPr lang="en-US" sz="1600" dirty="0"/>
+              <a:rPr lang="en-US" sz="1600" dirty="0">
+                <a:latin typeface="Montserrat" charset="0"/>
+              </a:rPr>
               <a:t>. </a:t>
             </a:r>
-            <a:endParaRPr lang="sr-Latn-RS" sz="1600" dirty="0" smtClean="0"/>
+            <a:endParaRPr lang="sr-Latn-RS" sz="1600" dirty="0" smtClean="0">
+              <a:latin typeface="Montserrat" charset="0"/>
+            </a:endParaRPr>
           </a:p>
           <a:p>
             <a:pPr marL="285750" indent="-285750">
@@ -25914,26 +25662,38 @@
               <a:buChar char="•"/>
             </a:pPr>
             <a:r>
-              <a:rPr lang="en-US" sz="1600" dirty="0"/>
+              <a:rPr lang="en-US" sz="1600" dirty="0">
+                <a:latin typeface="Montserrat" charset="0"/>
+              </a:rPr>
               <a:t>Manufacturing Cost: </a:t>
             </a:r>
             <a:r>
-              <a:rPr lang="en-US" sz="1600" dirty="0" err="1"/>
+              <a:rPr lang="en-US" sz="1600" dirty="0" err="1">
+                <a:latin typeface="Montserrat" charset="0"/>
+              </a:rPr>
               <a:t>Proizvod</a:t>
             </a:r>
             <a:r>
-              <a:rPr lang="en-US" sz="1600" dirty="0"/>
+              <a:rPr lang="en-US" sz="1600" dirty="0">
+                <a:latin typeface="Montserrat" charset="0"/>
+              </a:rPr>
               <a:t> Manufacturing Price </a:t>
             </a:r>
             <a:r>
-              <a:rPr lang="en-US" sz="1600" dirty="0" err="1"/>
+              <a:rPr lang="en-US" sz="1600" dirty="0" err="1">
+                <a:latin typeface="Montserrat" charset="0"/>
+              </a:rPr>
               <a:t>i</a:t>
             </a:r>
             <a:r>
-              <a:rPr lang="en-US" sz="1600" dirty="0"/>
+              <a:rPr lang="en-US" sz="1600" dirty="0">
+                <a:latin typeface="Montserrat" charset="0"/>
+              </a:rPr>
               <a:t> Units Sold. </a:t>
             </a:r>
-            <a:endParaRPr lang="sr-Latn-RS" sz="1600" dirty="0" smtClean="0"/>
+            <a:endParaRPr lang="sr-Latn-RS" sz="1600" dirty="0" smtClean="0">
+              <a:latin typeface="Montserrat" charset="0"/>
+            </a:endParaRPr>
           </a:p>
           <a:p>
             <a:pPr marL="285750" indent="-285750">
@@ -25941,26 +25701,38 @@
               <a:buChar char="•"/>
             </a:pPr>
             <a:r>
-              <a:rPr lang="en-US" sz="1600" dirty="0"/>
+              <a:rPr lang="en-US" sz="1600" dirty="0">
+                <a:latin typeface="Montserrat" charset="0"/>
+              </a:rPr>
               <a:t>Net Sales: </a:t>
             </a:r>
             <a:r>
-              <a:rPr lang="en-US" sz="1600" dirty="0" err="1"/>
+              <a:rPr lang="en-US" sz="1600" dirty="0" err="1">
+                <a:latin typeface="Montserrat" charset="0"/>
+              </a:rPr>
               <a:t>Razlika</a:t>
             </a:r>
             <a:r>
-              <a:rPr lang="en-US" sz="1600" dirty="0"/>
+              <a:rPr lang="en-US" sz="1600" dirty="0">
+                <a:latin typeface="Montserrat" charset="0"/>
+              </a:rPr>
               <a:t> Sales </a:t>
             </a:r>
             <a:r>
-              <a:rPr lang="en-US" sz="1600" dirty="0" err="1"/>
+              <a:rPr lang="en-US" sz="1600" dirty="0" err="1">
+                <a:latin typeface="Montserrat" charset="0"/>
+              </a:rPr>
               <a:t>i</a:t>
             </a:r>
             <a:r>
-              <a:rPr lang="en-US" sz="1600" dirty="0"/>
+              <a:rPr lang="en-US" sz="1600" dirty="0">
+                <a:latin typeface="Montserrat" charset="0"/>
+              </a:rPr>
               <a:t> Discounts. </a:t>
             </a:r>
-            <a:endParaRPr lang="sr-Latn-RS" sz="1600" dirty="0" smtClean="0"/>
+            <a:endParaRPr lang="sr-Latn-RS" sz="1600" dirty="0" smtClean="0">
+              <a:latin typeface="Montserrat" charset="0"/>
+            </a:endParaRPr>
           </a:p>
           <a:p>
             <a:pPr marL="285750" indent="-285750">
@@ -25968,26 +25740,38 @@
               <a:buChar char="•"/>
             </a:pPr>
             <a:r>
-              <a:rPr lang="en-US" sz="1600" dirty="0"/>
+              <a:rPr lang="en-US" sz="1600" dirty="0">
+                <a:latin typeface="Montserrat" charset="0"/>
+              </a:rPr>
               <a:t>Total Revenue: </a:t>
             </a:r>
             <a:r>
-              <a:rPr lang="en-US" sz="1600" dirty="0" err="1"/>
+              <a:rPr lang="en-US" sz="1600" dirty="0" err="1">
+                <a:latin typeface="Montserrat" charset="0"/>
+              </a:rPr>
               <a:t>Proizvod</a:t>
             </a:r>
             <a:r>
-              <a:rPr lang="en-US" sz="1600" dirty="0"/>
+              <a:rPr lang="en-US" sz="1600" dirty="0">
+                <a:latin typeface="Montserrat" charset="0"/>
+              </a:rPr>
               <a:t> Units Sold </a:t>
             </a:r>
             <a:r>
-              <a:rPr lang="en-US" sz="1600" dirty="0" err="1"/>
+              <a:rPr lang="en-US" sz="1600" dirty="0" err="1">
+                <a:latin typeface="Montserrat" charset="0"/>
+              </a:rPr>
               <a:t>i</a:t>
             </a:r>
             <a:r>
-              <a:rPr lang="en-US" sz="1600" dirty="0"/>
+              <a:rPr lang="en-US" sz="1600" dirty="0">
+                <a:latin typeface="Montserrat" charset="0"/>
+              </a:rPr>
               <a:t> Sale Price. </a:t>
             </a:r>
-            <a:endParaRPr lang="sr-Latn-RS" sz="1600" dirty="0" smtClean="0"/>
+            <a:endParaRPr lang="sr-Latn-RS" sz="1600" dirty="0" smtClean="0">
+              <a:latin typeface="Montserrat" charset="0"/>
+            </a:endParaRPr>
           </a:p>
           <a:p>
             <a:pPr marL="285750" indent="-285750">
@@ -25995,34 +25779,50 @@
               <a:buChar char="•"/>
             </a:pPr>
             <a:r>
-              <a:rPr lang="en-US" sz="1600" dirty="0"/>
+              <a:rPr lang="en-US" sz="1600" dirty="0">
+                <a:latin typeface="Montserrat" charset="0"/>
+              </a:rPr>
               <a:t>Day of Week: Dan u </a:t>
             </a:r>
             <a:r>
-              <a:rPr lang="en-US" sz="1600" dirty="0" err="1"/>
+              <a:rPr lang="en-US" sz="1600" dirty="0" err="1">
+                <a:latin typeface="Montserrat" charset="0"/>
+              </a:rPr>
               <a:t>nedelji</a:t>
             </a:r>
             <a:r>
-              <a:rPr lang="en-US" sz="1600" dirty="0"/>
+              <a:rPr lang="en-US" sz="1600" dirty="0">
+                <a:latin typeface="Montserrat" charset="0"/>
+              </a:rPr>
               <a:t> </a:t>
             </a:r>
             <a:r>
-              <a:rPr lang="en-US" sz="1600" dirty="0" err="1"/>
+              <a:rPr lang="en-US" sz="1600" dirty="0" err="1">
+                <a:latin typeface="Montserrat" charset="0"/>
+              </a:rPr>
               <a:t>iz</a:t>
             </a:r>
             <a:r>
-              <a:rPr lang="en-US" sz="1600" dirty="0"/>
+              <a:rPr lang="en-US" sz="1600" dirty="0">
+                <a:latin typeface="Montserrat" charset="0"/>
+              </a:rPr>
               <a:t> </a:t>
             </a:r>
             <a:r>
-              <a:rPr lang="en-US" sz="1600" dirty="0" err="1"/>
+              <a:rPr lang="en-US" sz="1600" dirty="0" err="1">
+                <a:latin typeface="Montserrat" charset="0"/>
+              </a:rPr>
               <a:t>atributa</a:t>
             </a:r>
             <a:r>
-              <a:rPr lang="en-US" sz="1600" dirty="0"/>
+              <a:rPr lang="en-US" sz="1600" dirty="0">
+                <a:latin typeface="Montserrat" charset="0"/>
+              </a:rPr>
               <a:t> Date. </a:t>
             </a:r>
-            <a:endParaRPr lang="sr-Latn-RS" sz="1600" dirty="0" smtClean="0"/>
+            <a:endParaRPr lang="sr-Latn-RS" sz="1600" dirty="0" smtClean="0">
+              <a:latin typeface="Montserrat" charset="0"/>
+            </a:endParaRPr>
           </a:p>
           <a:p>
             <a:pPr marL="285750" indent="-285750">
@@ -26030,10 +25830,14 @@
               <a:buChar char="•"/>
             </a:pPr>
             <a:r>
-              <a:rPr lang="nl-NL" sz="1600" dirty="0"/>
+              <a:rPr lang="nl-NL" sz="1600" dirty="0">
+                <a:latin typeface="Montserrat" charset="0"/>
+              </a:rPr>
               <a:t>Is Weekend: Da li je dan vikend. </a:t>
             </a:r>
-            <a:endParaRPr lang="sr-Latn-RS" sz="1600" dirty="0" smtClean="0"/>
+            <a:endParaRPr lang="sr-Latn-RS" sz="1600" dirty="0" smtClean="0">
+              <a:latin typeface="Montserrat" charset="0"/>
+            </a:endParaRPr>
           </a:p>
           <a:p>
             <a:pPr marL="285750" indent="-285750">
@@ -26041,33 +25845,56 @@
               <a:buChar char="•"/>
             </a:pPr>
             <a:r>
-              <a:rPr lang="pt-BR" sz="1600" dirty="0"/>
+              <a:rPr lang="pt-BR" sz="1600" dirty="0">
+                <a:latin typeface="Montserrat" charset="0"/>
+              </a:rPr>
               <a:t>Quarter: Kvartal na osnovu datuma. </a:t>
             </a:r>
-            <a:endParaRPr lang="sr-Latn-RS" sz="1600" dirty="0" smtClean="0"/>
+            <a:endParaRPr lang="sr-Latn-RS" sz="1600" dirty="0" smtClean="0">
+              <a:latin typeface="Montserrat" charset="0"/>
+            </a:endParaRPr>
           </a:p>
           <a:p>
             <a:pPr marL="285750" indent="-285750">
               <a:buFont typeface="Arial" panose="020B0604020202020204" pitchFamily="34" charset="0"/>
               <a:buChar char="•"/>
             </a:pPr>
-            <a:r>
-              <a:rPr lang="en-US" sz="1600" dirty="0" err="1"/>
+            <a:endParaRPr lang="sr-Latn-RS" sz="1600" dirty="0" smtClean="0">
+              <a:latin typeface="Montserrat" charset="0"/>
+            </a:endParaRPr>
+          </a:p>
+          <a:p>
+            <a:pPr marL="285750" indent="-285750">
+              <a:buFont typeface="Arial" panose="020B0604020202020204" pitchFamily="34" charset="0"/>
+              <a:buChar char="•"/>
+            </a:pPr>
+            <a:r>
+              <a:rPr lang="en-US" sz="1600" dirty="0" err="1">
+                <a:latin typeface="Montserrat" charset="0"/>
+              </a:rPr>
               <a:t>Rezultat</a:t>
             </a:r>
             <a:r>
-              <a:rPr lang="en-US" sz="1600" dirty="0"/>
+              <a:rPr lang="en-US" sz="1600" dirty="0">
+                <a:latin typeface="Montserrat" charset="0"/>
+              </a:rPr>
               <a:t> </a:t>
             </a:r>
             <a:r>
-              <a:rPr lang="en-US" sz="1600" dirty="0" err="1"/>
+              <a:rPr lang="en-US" sz="1600" dirty="0" err="1">
+                <a:latin typeface="Montserrat" charset="0"/>
+              </a:rPr>
               <a:t>tačnosti</a:t>
             </a:r>
             <a:r>
-              <a:rPr lang="en-US" sz="1600" dirty="0"/>
+              <a:rPr lang="en-US" sz="1600" dirty="0">
+                <a:latin typeface="Montserrat" charset="0"/>
+              </a:rPr>
               <a:t>: 26%. </a:t>
             </a:r>
-            <a:endParaRPr lang="sr-Latn-RS" sz="1600" dirty="0"/>
+            <a:endParaRPr lang="sr-Latn-RS" sz="1600" dirty="0">
+              <a:latin typeface="Montserrat" charset="0"/>
+            </a:endParaRPr>
           </a:p>
         </p:txBody>
       </p:sp>
@@ -26608,7 +26435,9 @@
               <a:buChar char="•"/>
             </a:pPr>
             <a:r>
-              <a:rPr lang="sr-Latn-RS" sz="1600" dirty="0" smtClean="0"/>
+              <a:rPr lang="sr-Latn-RS" sz="1600" dirty="0" smtClean="0">
+                <a:latin typeface="Montserrat" charset="0"/>
+              </a:rPr>
               <a:t>Ključan korak u pripremi numeričkih podataka</a:t>
             </a:r>
           </a:p>
@@ -26621,7 +26450,9 @@
               <a:buChar char="•"/>
             </a:pPr>
             <a:r>
-              <a:rPr lang="sr-Latn-RS" sz="1600" dirty="0" smtClean="0"/>
+              <a:rPr lang="sr-Latn-RS" sz="1600" dirty="0" smtClean="0">
+                <a:latin typeface="Montserrat" charset="0"/>
+              </a:rPr>
               <a:t>Transformiše vrednosti u uporedive opsege</a:t>
             </a:r>
           </a:p>
@@ -26634,7 +26465,9 @@
               <a:buChar char="•"/>
             </a:pPr>
             <a:r>
-              <a:rPr lang="sr-Latn-RS" sz="1600" dirty="0" smtClean="0"/>
+              <a:rPr lang="sr-Latn-RS" sz="1600" dirty="0" smtClean="0">
+                <a:latin typeface="Montserrat" charset="0"/>
+              </a:rPr>
               <a:t>Omogućava ravnotežan tretman svih atributa</a:t>
             </a:r>
           </a:p>
@@ -26847,7 +26680,7 @@
         <p:spPr>
           <a:xfrm>
             <a:off x="609600" y="1352550"/>
-            <a:ext cx="7620000" cy="1308050"/>
+            <a:ext cx="7772400" cy="1554272"/>
           </a:xfrm>
           <a:prstGeom prst="rect">
             <a:avLst/>
@@ -26868,7 +26701,9 @@
               <a:buChar char="•"/>
             </a:pPr>
             <a:r>
-              <a:rPr lang="sr-Latn-RS" sz="1600" dirty="0" smtClean="0"/>
+              <a:rPr lang="sr-Latn-RS" sz="1600" dirty="0" smtClean="0">
+                <a:latin typeface="Montserrat" charset="0"/>
+              </a:rPr>
               <a:t>Pretvara podatke da imaju srednju vrednost 0 i standardnu devijaciju 1</a:t>
             </a:r>
           </a:p>
@@ -26881,7 +26716,9 @@
               <a:buChar char="•"/>
             </a:pPr>
             <a:r>
-              <a:rPr lang="sr-Latn-RS" sz="1600" dirty="0" smtClean="0"/>
+              <a:rPr lang="sr-Latn-RS" sz="1600" dirty="0" smtClean="0">
+                <a:latin typeface="Montserrat" charset="0"/>
+              </a:rPr>
               <a:t>Korisna za normalno distribuirane podatke i modele zasnovane na udaljenosti</a:t>
             </a:r>
           </a:p>
@@ -26894,8 +26731,22 @@
               <a:buChar char="•"/>
             </a:pPr>
             <a:r>
-              <a:rPr lang="sr-Latn-RS" sz="1600" dirty="0" smtClean="0"/>
-              <a:t>Prednost: eliminacija uticaja različitih jedinica merenja</a:t>
+              <a:rPr lang="sr-Latn-RS" sz="1600" dirty="0" smtClean="0">
+                <a:latin typeface="Montserrat" charset="0"/>
+              </a:rPr>
+              <a:t>E</a:t>
+            </a:r>
+            <a:r>
+              <a:rPr lang="sr-Latn-RS" sz="1600" dirty="0" smtClean="0">
+                <a:latin typeface="Montserrat" charset="0"/>
+              </a:rPr>
+              <a:t>liminiše uticaje </a:t>
+            </a:r>
+            <a:r>
+              <a:rPr lang="sr-Latn-RS" sz="1600" dirty="0" smtClean="0">
+                <a:latin typeface="Montserrat" charset="0"/>
+              </a:rPr>
+              <a:t>različitih jedinica merenja</a:t>
             </a:r>
           </a:p>
           <a:p>
@@ -26907,8 +26758,16 @@
               <a:buChar char="•"/>
             </a:pPr>
             <a:r>
-              <a:rPr lang="sr-Latn-RS" sz="1600" dirty="0" smtClean="0"/>
-              <a:t>Nedostatak: osetljivost na outlier-e </a:t>
+              <a:rPr lang="sr-Latn-RS" sz="1600" dirty="0" smtClean="0">
+                <a:latin typeface="Montserrat" charset="0"/>
+              </a:rPr>
+              <a:t>Osetljiva na </a:t>
+            </a:r>
+            <a:r>
+              <a:rPr lang="sr-Latn-RS" sz="1600" dirty="0" smtClean="0">
+                <a:latin typeface="Montserrat" charset="0"/>
+              </a:rPr>
+              <a:t>outlier-e </a:t>
             </a:r>
           </a:p>
         </p:txBody>
@@ -27113,7 +26972,9 @@
               <a:buChar char="•"/>
             </a:pPr>
             <a:r>
-              <a:rPr lang="sr-Latn-RS" sz="1600" dirty="0" smtClean="0"/>
+              <a:rPr lang="sr-Latn-RS" sz="1600" dirty="0" smtClean="0">
+                <a:latin typeface="Montserrat" charset="0"/>
+              </a:rPr>
               <a:t>Prilagođava vrednosti unutar raspona 0-1</a:t>
             </a:r>
           </a:p>
@@ -27126,8 +26987,16 @@
               <a:buChar char="•"/>
             </a:pPr>
             <a:r>
-              <a:rPr lang="sr-Latn-RS" sz="1600" dirty="0" smtClean="0"/>
-              <a:t>Prednost: lakša interpretacija i ograničen raspon vrednosti </a:t>
+              <a:rPr lang="sr-Latn-RS" sz="1600" dirty="0" smtClean="0">
+                <a:latin typeface="Montserrat" charset="0"/>
+              </a:rPr>
+              <a:t>Laka interpretacija </a:t>
+            </a:r>
+            <a:r>
+              <a:rPr lang="sr-Latn-RS" sz="1600" dirty="0" smtClean="0">
+                <a:latin typeface="Montserrat" charset="0"/>
+              </a:rPr>
+              <a:t>i ograničen raspon vrednosti </a:t>
             </a:r>
           </a:p>
           <a:p>
@@ -27139,8 +27008,16 @@
               <a:buChar char="•"/>
             </a:pPr>
             <a:r>
-              <a:rPr lang="sr-Latn-RS" sz="1600" dirty="0" smtClean="0"/>
-              <a:t>Nedostatak: velika osetljivost na outlier-e</a:t>
+              <a:rPr lang="sr-Latn-RS" sz="1600" dirty="0" smtClean="0">
+                <a:latin typeface="Montserrat" charset="0"/>
+              </a:rPr>
+              <a:t>Velika osetljivost </a:t>
+            </a:r>
+            <a:r>
+              <a:rPr lang="sr-Latn-RS" sz="1600" dirty="0" smtClean="0">
+                <a:latin typeface="Montserrat" charset="0"/>
+              </a:rPr>
+              <a:t>na outlier-e</a:t>
             </a:r>
           </a:p>
         </p:txBody>
@@ -27345,7 +27222,9 @@
               <a:buChar char="•"/>
             </a:pPr>
             <a:r>
-              <a:rPr lang="sr-Latn-RS" sz="1600" dirty="0" smtClean="0"/>
+              <a:rPr lang="sr-Latn-RS" sz="1600" dirty="0" smtClean="0">
+                <a:latin typeface="Montserrat" charset="0"/>
+              </a:rPr>
               <a:t>Transformiše vrednosti u opsegu od -1 do 1 koristeći maksimalnu apsolutnu vrednost</a:t>
             </a:r>
           </a:p>
@@ -27358,7 +27237,9 @@
               <a:buChar char="•"/>
             </a:pPr>
             <a:r>
-              <a:rPr lang="sr-Latn-RS" sz="1600" dirty="0" smtClean="0"/>
+              <a:rPr lang="sr-Latn-RS" sz="1600" dirty="0" smtClean="0">
+                <a:latin typeface="Montserrat" charset="0"/>
+              </a:rPr>
               <a:t>Očuvava pozitivne i negativne vrednosti i retkost podataka</a:t>
             </a:r>
           </a:p>
@@ -27371,8 +27252,16 @@
               <a:buChar char="•"/>
             </a:pPr>
             <a:r>
-              <a:rPr lang="sr-Latn-RS" sz="1600" dirty="0" smtClean="0"/>
-              <a:t>Prednost: efikasan za retke matrice </a:t>
+              <a:rPr lang="sr-Latn-RS" sz="1600" dirty="0" smtClean="0">
+                <a:latin typeface="Montserrat" charset="0"/>
+              </a:rPr>
+              <a:t>Efikasan za </a:t>
+            </a:r>
+            <a:r>
+              <a:rPr lang="sr-Latn-RS" sz="1600" dirty="0" smtClean="0">
+                <a:latin typeface="Montserrat" charset="0"/>
+              </a:rPr>
+              <a:t>retke matrice </a:t>
             </a:r>
           </a:p>
           <a:p>
@@ -27384,8 +27273,16 @@
               <a:buChar char="•"/>
             </a:pPr>
             <a:r>
-              <a:rPr lang="sr-Latn-RS" sz="1600" dirty="0" smtClean="0"/>
-              <a:t>Nedostatak: osetljivost na outlier-e </a:t>
+              <a:rPr lang="sr-Latn-RS" sz="1600" dirty="0" smtClean="0">
+                <a:latin typeface="Montserrat" charset="0"/>
+              </a:rPr>
+              <a:t>Osetljiv na </a:t>
+            </a:r>
+            <a:r>
+              <a:rPr lang="sr-Latn-RS" sz="1600" dirty="0" smtClean="0">
+                <a:latin typeface="Montserrat" charset="0"/>
+              </a:rPr>
+              <a:t>outlier-e </a:t>
             </a:r>
           </a:p>
         </p:txBody>
